--- a/Eksamensprojekt - Max/Præsentation/Præsentation af eksamensprojekt.pptx
+++ b/Eksamensprojekt - Max/Præsentation/Præsentation af eksamensprojekt.pptx
@@ -5,9 +5,15 @@
     <p:sldMasterId id="2147483678" r:id="rId1"/>
     <p:sldMasterId id="2147483698" r:id="rId2"/>
   </p:sldMasterIdLst>
+  <p:notesMasterIdLst>
+    <p:notesMasterId r:id="rId5"/>
+  </p:notesMasterIdLst>
+  <p:handoutMasterIdLst>
+    <p:handoutMasterId r:id="rId6"/>
+  </p:handoutMasterIdLst>
   <p:sldIdLst>
     <p:sldId id="256" r:id="rId3"/>
-    <p:sldId id="257" r:id="rId4"/>
+    <p:sldId id="258" r:id="rId4"/>
   </p:sldIdLst>
   <p:sldSz cx="12192000" cy="6858000"/>
   <p:notesSz cx="6858000" cy="9144000"/>
@@ -106,7 +112,579 @@
       </a:defRPr>
     </a:lvl9pPr>
   </p:defaultTextStyle>
+  <p:extLst>
+    <p:ext uri="{EFAFB233-063F-42B5-8137-9DF3F51BA10A}">
+      <p15:sldGuideLst xmlns:p15="http://schemas.microsoft.com/office/powerpoint/2012/main"/>
+    </p:ext>
+  </p:extLst>
 </p:presentation>
+</file>
+
+<file path=ppt/commentAuthors.xml><?xml version="1.0" encoding="utf-8"?>
+<p:cmAuthorLst xmlns:a="http://schemas.openxmlformats.org/drawingml/2006/main" xmlns:r="http://schemas.openxmlformats.org/officeDocument/2006/relationships" xmlns:p="http://schemas.openxmlformats.org/presentationml/2006/main">
+  <p:cmAuthor id="1" name="Max Hansen" initials="MH" lastIdx="2" clrIdx="0">
+    <p:extLst>
+      <p:ext uri="{19B8F6BF-5375-455C-9EA6-DF929625EA0E}">
+        <p15:presenceInfo xmlns:p15="http://schemas.microsoft.com/office/powerpoint/2012/main" userId="788b532f834497d9" providerId="Windows Live"/>
+      </p:ext>
+    </p:extLst>
+  </p:cmAuthor>
+</p:cmAuthorLst>
+</file>
+
+<file path=ppt/comments/comment1.xml><?xml version="1.0" encoding="utf-8"?>
+<p:cmLst xmlns:a="http://schemas.openxmlformats.org/drawingml/2006/main" xmlns:r="http://schemas.openxmlformats.org/officeDocument/2006/relationships" xmlns:p="http://schemas.openxmlformats.org/presentationml/2006/main">
+  <p:cm authorId="1" dt="2020-06-10T14:22:47.367" idx="2">
+    <p:pos x="5213" y="2502"/>
+    <p:text>Max Hansen	10-06-2020
+Flowdiagram</p:text>
+    <p:extLst>
+      <p:ext uri="{C676402C-5697-4E1C-873F-D02D1690AC5C}">
+        <p15:threadingInfo xmlns:p15="http://schemas.microsoft.com/office/powerpoint/2012/main" timeZoneBias="-120"/>
+      </p:ext>
+    </p:extLst>
+  </p:cm>
+</p:cmLst>
+</file>
+
+<file path=ppt/handoutMasters/handoutMaster1.xml><?xml version="1.0" encoding="utf-8"?>
+<p:handoutMaster xmlns:a="http://schemas.openxmlformats.org/drawingml/2006/main" xmlns:r="http://schemas.openxmlformats.org/officeDocument/2006/relationships" xmlns:p="http://schemas.openxmlformats.org/presentationml/2006/main">
+  <p:cSld>
+    <p:bg>
+      <p:bgRef idx="1001">
+        <a:schemeClr val="bg1"/>
+      </p:bgRef>
+    </p:bg>
+    <p:spTree>
+      <p:nvGrpSpPr>
+        <p:cNvPr id="1" name=""/>
+        <p:cNvGrpSpPr/>
+        <p:nvPr/>
+      </p:nvGrpSpPr>
+      <p:grpSpPr>
+        <a:xfrm>
+          <a:off x="0" y="0"/>
+          <a:ext cx="0" cy="0"/>
+          <a:chOff x="0" y="0"/>
+          <a:chExt cx="0" cy="0"/>
+        </a:xfrm>
+      </p:grpSpPr>
+      <p:sp>
+        <p:nvSpPr>
+          <p:cNvPr id="2" name="Pladsholder til sidehoved 1">
+            <a:extLst>
+              <a:ext uri="{FF2B5EF4-FFF2-40B4-BE49-F238E27FC236}">
+                <a16:creationId xmlns:a16="http://schemas.microsoft.com/office/drawing/2014/main" id="{5324EBC4-C4A0-45F3-9A65-4224320CF6A6}"/>
+              </a:ext>
+            </a:extLst>
+          </p:cNvPr>
+          <p:cNvSpPr>
+            <a:spLocks noGrp="1"/>
+          </p:cNvSpPr>
+          <p:nvPr>
+            <p:ph type="hdr" sz="quarter"/>
+          </p:nvPr>
+        </p:nvSpPr>
+        <p:spPr>
+          <a:xfrm>
+            <a:off x="0" y="0"/>
+            <a:ext cx="2971800" cy="458788"/>
+          </a:xfrm>
+          <a:prstGeom prst="rect">
+            <a:avLst/>
+          </a:prstGeom>
+        </p:spPr>
+        <p:txBody>
+          <a:bodyPr vert="horz" lIns="91440" tIns="45720" rIns="91440" bIns="45720" rtlCol="0"/>
+          <a:lstStyle>
+            <a:lvl1pPr algn="l">
+              <a:defRPr sz="1200"/>
+            </a:lvl1pPr>
+          </a:lstStyle>
+          <a:p>
+            <a:endParaRPr lang="da-DK"/>
+          </a:p>
+        </p:txBody>
+      </p:sp>
+      <p:sp>
+        <p:nvSpPr>
+          <p:cNvPr id="3" name="Pladsholder til dato 2">
+            <a:extLst>
+              <a:ext uri="{FF2B5EF4-FFF2-40B4-BE49-F238E27FC236}">
+                <a16:creationId xmlns:a16="http://schemas.microsoft.com/office/drawing/2014/main" id="{084C8CFA-8658-4333-A60E-69A762721E8F}"/>
+              </a:ext>
+            </a:extLst>
+          </p:cNvPr>
+          <p:cNvSpPr>
+            <a:spLocks noGrp="1"/>
+          </p:cNvSpPr>
+          <p:nvPr>
+            <p:ph type="dt" sz="quarter" idx="1"/>
+          </p:nvPr>
+        </p:nvSpPr>
+        <p:spPr>
+          <a:xfrm>
+            <a:off x="3884613" y="0"/>
+            <a:ext cx="2971800" cy="458788"/>
+          </a:xfrm>
+          <a:prstGeom prst="rect">
+            <a:avLst/>
+          </a:prstGeom>
+        </p:spPr>
+        <p:txBody>
+          <a:bodyPr vert="horz" lIns="91440" tIns="45720" rIns="91440" bIns="45720" rtlCol="0"/>
+          <a:lstStyle>
+            <a:lvl1pPr algn="r">
+              <a:defRPr sz="1200"/>
+            </a:lvl1pPr>
+          </a:lstStyle>
+          <a:p>
+            <a:fld id="{496FCD50-C1A0-482B-BC86-90B92CB2FE42}" type="datetimeFigureOut">
+              <a:rPr lang="da-DK" smtClean="0"/>
+              <a:t>10-06-2020</a:t>
+            </a:fld>
+            <a:endParaRPr lang="da-DK"/>
+          </a:p>
+        </p:txBody>
+      </p:sp>
+      <p:sp>
+        <p:nvSpPr>
+          <p:cNvPr id="4" name="Pladsholder til sidefod 3">
+            <a:extLst>
+              <a:ext uri="{FF2B5EF4-FFF2-40B4-BE49-F238E27FC236}">
+                <a16:creationId xmlns:a16="http://schemas.microsoft.com/office/drawing/2014/main" id="{B0498EDA-75ED-4903-BC90-FDAA92A6E758}"/>
+              </a:ext>
+            </a:extLst>
+          </p:cNvPr>
+          <p:cNvSpPr>
+            <a:spLocks noGrp="1"/>
+          </p:cNvSpPr>
+          <p:nvPr>
+            <p:ph type="ftr" sz="quarter" idx="2"/>
+          </p:nvPr>
+        </p:nvSpPr>
+        <p:spPr>
+          <a:xfrm>
+            <a:off x="0" y="8685213"/>
+            <a:ext cx="2971800" cy="458787"/>
+          </a:xfrm>
+          <a:prstGeom prst="rect">
+            <a:avLst/>
+          </a:prstGeom>
+        </p:spPr>
+        <p:txBody>
+          <a:bodyPr vert="horz" lIns="91440" tIns="45720" rIns="91440" bIns="45720" rtlCol="0" anchor="b"/>
+          <a:lstStyle>
+            <a:lvl1pPr algn="l">
+              <a:defRPr sz="1200"/>
+            </a:lvl1pPr>
+          </a:lstStyle>
+          <a:p>
+            <a:endParaRPr lang="da-DK"/>
+          </a:p>
+        </p:txBody>
+      </p:sp>
+      <p:sp>
+        <p:nvSpPr>
+          <p:cNvPr id="5" name="Pladsholder til slidenummer 4">
+            <a:extLst>
+              <a:ext uri="{FF2B5EF4-FFF2-40B4-BE49-F238E27FC236}">
+                <a16:creationId xmlns:a16="http://schemas.microsoft.com/office/drawing/2014/main" id="{61AD50F9-E7AD-4307-922B-5F09F13473BE}"/>
+              </a:ext>
+            </a:extLst>
+          </p:cNvPr>
+          <p:cNvSpPr>
+            <a:spLocks noGrp="1"/>
+          </p:cNvSpPr>
+          <p:nvPr>
+            <p:ph type="sldNum" sz="quarter" idx="3"/>
+          </p:nvPr>
+        </p:nvSpPr>
+        <p:spPr>
+          <a:xfrm>
+            <a:off x="3884613" y="8685213"/>
+            <a:ext cx="2971800" cy="458787"/>
+          </a:xfrm>
+          <a:prstGeom prst="rect">
+            <a:avLst/>
+          </a:prstGeom>
+        </p:spPr>
+        <p:txBody>
+          <a:bodyPr vert="horz" lIns="91440" tIns="45720" rIns="91440" bIns="45720" rtlCol="0" anchor="b"/>
+          <a:lstStyle>
+            <a:lvl1pPr algn="r">
+              <a:defRPr sz="1200"/>
+            </a:lvl1pPr>
+          </a:lstStyle>
+          <a:p>
+            <a:fld id="{9104FD07-6AB3-44B9-828F-58D014E4600B}" type="slidenum">
+              <a:rPr lang="da-DK" smtClean="0"/>
+              <a:t>‹nr.›</a:t>
+            </a:fld>
+            <a:endParaRPr lang="da-DK"/>
+          </a:p>
+        </p:txBody>
+      </p:sp>
+    </p:spTree>
+    <p:extLst>
+      <p:ext uri="{BB962C8B-B14F-4D97-AF65-F5344CB8AC3E}">
+        <p14:creationId xmlns:p14="http://schemas.microsoft.com/office/powerpoint/2010/main" val="4235661585"/>
+      </p:ext>
+    </p:extLst>
+  </p:cSld>
+  <p:clrMap bg1="lt1" tx1="dk1" bg2="lt2" tx2="dk2" accent1="accent1" accent2="accent2" accent3="accent3" accent4="accent4" accent5="accent5" accent6="accent6" hlink="hlink" folHlink="folHlink"/>
+  <p:hf hdr="0" ftr="0" dt="0"/>
+</p:handoutMaster>
+</file>
+
+<file path=ppt/notesMasters/notesMaster1.xml><?xml version="1.0" encoding="utf-8"?>
+<p:notesMaster xmlns:a="http://schemas.openxmlformats.org/drawingml/2006/main" xmlns:r="http://schemas.openxmlformats.org/officeDocument/2006/relationships" xmlns:p="http://schemas.openxmlformats.org/presentationml/2006/main">
+  <p:cSld>
+    <p:bg>
+      <p:bgRef idx="1001">
+        <a:schemeClr val="bg1"/>
+      </p:bgRef>
+    </p:bg>
+    <p:spTree>
+      <p:nvGrpSpPr>
+        <p:cNvPr id="1" name=""/>
+        <p:cNvGrpSpPr/>
+        <p:nvPr/>
+      </p:nvGrpSpPr>
+      <p:grpSpPr>
+        <a:xfrm>
+          <a:off x="0" y="0"/>
+          <a:ext cx="0" cy="0"/>
+          <a:chOff x="0" y="0"/>
+          <a:chExt cx="0" cy="0"/>
+        </a:xfrm>
+      </p:grpSpPr>
+      <p:sp>
+        <p:nvSpPr>
+          <p:cNvPr id="2" name="Pladsholder til sidehoved 1"/>
+          <p:cNvSpPr>
+            <a:spLocks noGrp="1"/>
+          </p:cNvSpPr>
+          <p:nvPr>
+            <p:ph type="hdr" sz="quarter"/>
+          </p:nvPr>
+        </p:nvSpPr>
+        <p:spPr>
+          <a:xfrm>
+            <a:off x="0" y="0"/>
+            <a:ext cx="2971800" cy="458788"/>
+          </a:xfrm>
+          <a:prstGeom prst="rect">
+            <a:avLst/>
+          </a:prstGeom>
+        </p:spPr>
+        <p:txBody>
+          <a:bodyPr vert="horz" lIns="91440" tIns="45720" rIns="91440" bIns="45720" rtlCol="0"/>
+          <a:lstStyle>
+            <a:lvl1pPr algn="l">
+              <a:defRPr sz="1200"/>
+            </a:lvl1pPr>
+          </a:lstStyle>
+          <a:p>
+            <a:endParaRPr lang="da-DK"/>
+          </a:p>
+        </p:txBody>
+      </p:sp>
+      <p:sp>
+        <p:nvSpPr>
+          <p:cNvPr id="3" name="Pladsholder til dato 2"/>
+          <p:cNvSpPr>
+            <a:spLocks noGrp="1"/>
+          </p:cNvSpPr>
+          <p:nvPr>
+            <p:ph type="dt" idx="1"/>
+          </p:nvPr>
+        </p:nvSpPr>
+        <p:spPr>
+          <a:xfrm>
+            <a:off x="3884613" y="0"/>
+            <a:ext cx="2971800" cy="458788"/>
+          </a:xfrm>
+          <a:prstGeom prst="rect">
+            <a:avLst/>
+          </a:prstGeom>
+        </p:spPr>
+        <p:txBody>
+          <a:bodyPr vert="horz" lIns="91440" tIns="45720" rIns="91440" bIns="45720" rtlCol="0"/>
+          <a:lstStyle>
+            <a:lvl1pPr algn="r">
+              <a:defRPr sz="1200"/>
+            </a:lvl1pPr>
+          </a:lstStyle>
+          <a:p>
+            <a:fld id="{86FDA1C0-1334-4D8B-BA9D-24D0A591AB05}" type="datetimeFigureOut">
+              <a:rPr lang="da-DK" smtClean="0"/>
+              <a:t>10-06-2020</a:t>
+            </a:fld>
+            <a:endParaRPr lang="da-DK"/>
+          </a:p>
+        </p:txBody>
+      </p:sp>
+      <p:sp>
+        <p:nvSpPr>
+          <p:cNvPr id="4" name="Pladsholder til slidebillede 3"/>
+          <p:cNvSpPr>
+            <a:spLocks noGrp="1" noRot="1" noChangeAspect="1"/>
+          </p:cNvSpPr>
+          <p:nvPr>
+            <p:ph type="sldImg" idx="2"/>
+          </p:nvPr>
+        </p:nvSpPr>
+        <p:spPr>
+          <a:xfrm>
+            <a:off x="685800" y="1143000"/>
+            <a:ext cx="5486400" cy="3086100"/>
+          </a:xfrm>
+          <a:prstGeom prst="rect">
+            <a:avLst/>
+          </a:prstGeom>
+          <a:noFill/>
+          <a:ln w="12700">
+            <a:solidFill>
+              <a:prstClr val="black"/>
+            </a:solidFill>
+          </a:ln>
+        </p:spPr>
+        <p:txBody>
+          <a:bodyPr vert="horz" lIns="91440" tIns="45720" rIns="91440" bIns="45720" rtlCol="0" anchor="ctr"/>
+          <a:lstStyle/>
+          <a:p>
+            <a:endParaRPr lang="da-DK"/>
+          </a:p>
+        </p:txBody>
+      </p:sp>
+      <p:sp>
+        <p:nvSpPr>
+          <p:cNvPr id="5" name="Pladsholder til noter 4"/>
+          <p:cNvSpPr>
+            <a:spLocks noGrp="1"/>
+          </p:cNvSpPr>
+          <p:nvPr>
+            <p:ph type="body" sz="quarter" idx="3"/>
+          </p:nvPr>
+        </p:nvSpPr>
+        <p:spPr>
+          <a:xfrm>
+            <a:off x="685800" y="4400550"/>
+            <a:ext cx="5486400" cy="3600450"/>
+          </a:xfrm>
+          <a:prstGeom prst="rect">
+            <a:avLst/>
+          </a:prstGeom>
+        </p:spPr>
+        <p:txBody>
+          <a:bodyPr vert="horz" lIns="91440" tIns="45720" rIns="91440" bIns="45720" rtlCol="0"/>
+          <a:lstStyle/>
+          <a:p>
+            <a:pPr lvl="0"/>
+            <a:r>
+              <a:rPr lang="da-DK"/>
+              <a:t>Klik for at redigere teksttypografierne i masteren</a:t>
+            </a:r>
+          </a:p>
+          <a:p>
+            <a:pPr lvl="1"/>
+            <a:r>
+              <a:rPr lang="da-DK"/>
+              <a:t>Andet niveau</a:t>
+            </a:r>
+          </a:p>
+          <a:p>
+            <a:pPr lvl="2"/>
+            <a:r>
+              <a:rPr lang="da-DK"/>
+              <a:t>Tredje niveau</a:t>
+            </a:r>
+          </a:p>
+          <a:p>
+            <a:pPr lvl="3"/>
+            <a:r>
+              <a:rPr lang="da-DK"/>
+              <a:t>Fjerde niveau</a:t>
+            </a:r>
+          </a:p>
+          <a:p>
+            <a:pPr lvl="4"/>
+            <a:r>
+              <a:rPr lang="da-DK"/>
+              <a:t>Femte niveau</a:t>
+            </a:r>
+          </a:p>
+        </p:txBody>
+      </p:sp>
+      <p:sp>
+        <p:nvSpPr>
+          <p:cNvPr id="6" name="Pladsholder til sidefod 5"/>
+          <p:cNvSpPr>
+            <a:spLocks noGrp="1"/>
+          </p:cNvSpPr>
+          <p:nvPr>
+            <p:ph type="ftr" sz="quarter" idx="4"/>
+          </p:nvPr>
+        </p:nvSpPr>
+        <p:spPr>
+          <a:xfrm>
+            <a:off x="0" y="8685213"/>
+            <a:ext cx="2971800" cy="458787"/>
+          </a:xfrm>
+          <a:prstGeom prst="rect">
+            <a:avLst/>
+          </a:prstGeom>
+        </p:spPr>
+        <p:txBody>
+          <a:bodyPr vert="horz" lIns="91440" tIns="45720" rIns="91440" bIns="45720" rtlCol="0" anchor="b"/>
+          <a:lstStyle>
+            <a:lvl1pPr algn="l">
+              <a:defRPr sz="1200"/>
+            </a:lvl1pPr>
+          </a:lstStyle>
+          <a:p>
+            <a:endParaRPr lang="da-DK"/>
+          </a:p>
+        </p:txBody>
+      </p:sp>
+      <p:sp>
+        <p:nvSpPr>
+          <p:cNvPr id="7" name="Pladsholder til slidenummer 6"/>
+          <p:cNvSpPr>
+            <a:spLocks noGrp="1"/>
+          </p:cNvSpPr>
+          <p:nvPr>
+            <p:ph type="sldNum" sz="quarter" idx="5"/>
+          </p:nvPr>
+        </p:nvSpPr>
+        <p:spPr>
+          <a:xfrm>
+            <a:off x="3884613" y="8685213"/>
+            <a:ext cx="2971800" cy="458787"/>
+          </a:xfrm>
+          <a:prstGeom prst="rect">
+            <a:avLst/>
+          </a:prstGeom>
+        </p:spPr>
+        <p:txBody>
+          <a:bodyPr vert="horz" lIns="91440" tIns="45720" rIns="91440" bIns="45720" rtlCol="0" anchor="b"/>
+          <a:lstStyle>
+            <a:lvl1pPr algn="r">
+              <a:defRPr sz="1200"/>
+            </a:lvl1pPr>
+          </a:lstStyle>
+          <a:p>
+            <a:fld id="{19D01764-F0EC-40E5-8FE4-8AD99C465247}" type="slidenum">
+              <a:rPr lang="da-DK" smtClean="0"/>
+              <a:t>‹nr.›</a:t>
+            </a:fld>
+            <a:endParaRPr lang="da-DK"/>
+          </a:p>
+        </p:txBody>
+      </p:sp>
+    </p:spTree>
+    <p:extLst>
+      <p:ext uri="{BB962C8B-B14F-4D97-AF65-F5344CB8AC3E}">
+        <p14:creationId xmlns:p14="http://schemas.microsoft.com/office/powerpoint/2010/main" val="413803275"/>
+      </p:ext>
+    </p:extLst>
+  </p:cSld>
+  <p:clrMap bg1="lt1" tx1="dk1" bg2="lt2" tx2="dk2" accent1="accent1" accent2="accent2" accent3="accent3" accent4="accent4" accent5="accent5" accent6="accent6" hlink="hlink" folHlink="folHlink"/>
+  <p:hf hdr="0" ftr="0" dt="0"/>
+  <p:notesStyle>
+    <a:lvl1pPr marL="0" algn="l" defTabSz="914400" rtl="0" eaLnBrk="1" latinLnBrk="0" hangingPunct="1">
+      <a:defRPr sz="1200" kern="1200">
+        <a:solidFill>
+          <a:schemeClr val="tx1"/>
+        </a:solidFill>
+        <a:latin typeface="+mn-lt"/>
+        <a:ea typeface="+mn-ea"/>
+        <a:cs typeface="+mn-cs"/>
+      </a:defRPr>
+    </a:lvl1pPr>
+    <a:lvl2pPr marL="457200" algn="l" defTabSz="914400" rtl="0" eaLnBrk="1" latinLnBrk="0" hangingPunct="1">
+      <a:defRPr sz="1200" kern="1200">
+        <a:solidFill>
+          <a:schemeClr val="tx1"/>
+        </a:solidFill>
+        <a:latin typeface="+mn-lt"/>
+        <a:ea typeface="+mn-ea"/>
+        <a:cs typeface="+mn-cs"/>
+      </a:defRPr>
+    </a:lvl2pPr>
+    <a:lvl3pPr marL="914400" algn="l" defTabSz="914400" rtl="0" eaLnBrk="1" latinLnBrk="0" hangingPunct="1">
+      <a:defRPr sz="1200" kern="1200">
+        <a:solidFill>
+          <a:schemeClr val="tx1"/>
+        </a:solidFill>
+        <a:latin typeface="+mn-lt"/>
+        <a:ea typeface="+mn-ea"/>
+        <a:cs typeface="+mn-cs"/>
+      </a:defRPr>
+    </a:lvl3pPr>
+    <a:lvl4pPr marL="1371600" algn="l" defTabSz="914400" rtl="0" eaLnBrk="1" latinLnBrk="0" hangingPunct="1">
+      <a:defRPr sz="1200" kern="1200">
+        <a:solidFill>
+          <a:schemeClr val="tx1"/>
+        </a:solidFill>
+        <a:latin typeface="+mn-lt"/>
+        <a:ea typeface="+mn-ea"/>
+        <a:cs typeface="+mn-cs"/>
+      </a:defRPr>
+    </a:lvl4pPr>
+    <a:lvl5pPr marL="1828800" algn="l" defTabSz="914400" rtl="0" eaLnBrk="1" latinLnBrk="0" hangingPunct="1">
+      <a:defRPr sz="1200" kern="1200">
+        <a:solidFill>
+          <a:schemeClr val="tx1"/>
+        </a:solidFill>
+        <a:latin typeface="+mn-lt"/>
+        <a:ea typeface="+mn-ea"/>
+        <a:cs typeface="+mn-cs"/>
+      </a:defRPr>
+    </a:lvl5pPr>
+    <a:lvl6pPr marL="2286000" algn="l" defTabSz="914400" rtl="0" eaLnBrk="1" latinLnBrk="0" hangingPunct="1">
+      <a:defRPr sz="1200" kern="1200">
+        <a:solidFill>
+          <a:schemeClr val="tx1"/>
+        </a:solidFill>
+        <a:latin typeface="+mn-lt"/>
+        <a:ea typeface="+mn-ea"/>
+        <a:cs typeface="+mn-cs"/>
+      </a:defRPr>
+    </a:lvl6pPr>
+    <a:lvl7pPr marL="2743200" algn="l" defTabSz="914400" rtl="0" eaLnBrk="1" latinLnBrk="0" hangingPunct="1">
+      <a:defRPr sz="1200" kern="1200">
+        <a:solidFill>
+          <a:schemeClr val="tx1"/>
+        </a:solidFill>
+        <a:latin typeface="+mn-lt"/>
+        <a:ea typeface="+mn-ea"/>
+        <a:cs typeface="+mn-cs"/>
+      </a:defRPr>
+    </a:lvl7pPr>
+    <a:lvl8pPr marL="3200400" algn="l" defTabSz="914400" rtl="0" eaLnBrk="1" latinLnBrk="0" hangingPunct="1">
+      <a:defRPr sz="1200" kern="1200">
+        <a:solidFill>
+          <a:schemeClr val="tx1"/>
+        </a:solidFill>
+        <a:latin typeface="+mn-lt"/>
+        <a:ea typeface="+mn-ea"/>
+        <a:cs typeface="+mn-cs"/>
+      </a:defRPr>
+    </a:lvl8pPr>
+    <a:lvl9pPr marL="3657600" algn="l" defTabSz="914400" rtl="0" eaLnBrk="1" latinLnBrk="0" hangingPunct="1">
+      <a:defRPr sz="1200" kern="1200">
+        <a:solidFill>
+          <a:schemeClr val="tx1"/>
+        </a:solidFill>
+        <a:latin typeface="+mn-lt"/>
+        <a:ea typeface="+mn-ea"/>
+        <a:cs typeface="+mn-cs"/>
+      </a:defRPr>
+    </a:lvl9pPr>
+  </p:notesStyle>
+</p:notesMaster>
 </file>
 
 <file path=ppt/slideLayouts/slideLayout1.xml><?xml version="1.0" encoding="utf-8"?>
@@ -19189,78 +19767,367 @@
       </p:grpSpPr>
       <p:sp>
         <p:nvSpPr>
+          <p:cNvPr id="6" name="Rektangel: afrundede hjørner 5">
+            <a:extLst>
+              <a:ext uri="{FF2B5EF4-FFF2-40B4-BE49-F238E27FC236}">
+                <a16:creationId xmlns:a16="http://schemas.microsoft.com/office/drawing/2014/main" id="{47D0F251-C01C-4856-AA55-6706C7F937AC}"/>
+              </a:ext>
+            </a:extLst>
+          </p:cNvPr>
+          <p:cNvSpPr/>
+          <p:nvPr/>
+        </p:nvSpPr>
+        <p:spPr>
+          <a:xfrm>
+            <a:off x="4811473" y="466437"/>
+            <a:ext cx="2558473" cy="655782"/>
+          </a:xfrm>
+          <a:prstGeom prst="roundRect">
+            <a:avLst/>
+          </a:prstGeom>
+          <a:solidFill>
+            <a:schemeClr val="accent2"/>
+          </a:solidFill>
+        </p:spPr>
+        <p:style>
+          <a:lnRef idx="2">
+            <a:schemeClr val="accent6">
+              <a:shade val="50000"/>
+            </a:schemeClr>
+          </a:lnRef>
+          <a:fillRef idx="1">
+            <a:schemeClr val="accent6"/>
+          </a:fillRef>
+          <a:effectRef idx="0">
+            <a:schemeClr val="accent6"/>
+          </a:effectRef>
+          <a:fontRef idx="minor">
+            <a:schemeClr val="lt1"/>
+          </a:fontRef>
+        </p:style>
+        <p:txBody>
+          <a:bodyPr rtlCol="0" anchor="ctr"/>
+          <a:lstStyle/>
+          <a:p>
+            <a:pPr algn="ctr"/>
+            <a:endParaRPr lang="da-DK"/>
+          </a:p>
+        </p:txBody>
+      </p:sp>
+      <p:sp>
+        <p:nvSpPr>
           <p:cNvPr id="7" name="Titel 6">
             <a:extLst>
               <a:ext uri="{FF2B5EF4-FFF2-40B4-BE49-F238E27FC236}">
-                <a16:creationId xmlns:a16="http://schemas.microsoft.com/office/drawing/2014/main" id="{DFAD9969-1160-40EE-B454-1D32BED6F313}"/>
-              </a:ext>
-            </a:extLst>
-          </p:cNvPr>
-          <p:cNvSpPr>
-            <a:spLocks noGrp="1"/>
-          </p:cNvSpPr>
-          <p:nvPr>
-            <p:ph type="ctrTitle"/>
-          </p:nvPr>
-        </p:nvSpPr>
-        <p:spPr>
-          <a:xfrm>
-            <a:off x="1370693" y="337352"/>
-            <a:ext cx="9440034" cy="935040"/>
+                <a16:creationId xmlns:a16="http://schemas.microsoft.com/office/drawing/2014/main" id="{99A1E751-788C-495E-88EB-498C71D150D8}"/>
+              </a:ext>
+            </a:extLst>
+          </p:cNvPr>
+          <p:cNvSpPr txBox="1">
+            <a:spLocks/>
+          </p:cNvSpPr>
+          <p:nvPr/>
+        </p:nvSpPr>
+        <p:spPr>
+          <a:xfrm>
+            <a:off x="4930936" y="401783"/>
+            <a:ext cx="2319545" cy="785089"/>
           </a:xfrm>
         </p:spPr>
         <p:txBody>
           <a:bodyPr>
-            <a:normAutofit/>
+            <a:noAutofit/>
           </a:bodyPr>
-          <a:lstStyle/>
-          <a:p>
+          <a:lstStyle>
+            <a:lvl1pPr algn="l" defTabSz="914400" rtl="0" eaLnBrk="1" latinLnBrk="0" hangingPunct="1">
+              <a:lnSpc>
+                <a:spcPct val="90000"/>
+              </a:lnSpc>
+              <a:spcBef>
+                <a:spcPct val="0"/>
+              </a:spcBef>
+              <a:buNone/>
+              <a:defRPr sz="4400" kern="1200">
+                <a:solidFill>
+                  <a:schemeClr val="tx1"/>
+                </a:solidFill>
+                <a:latin typeface="+mj-lt"/>
+                <a:ea typeface="+mj-ea"/>
+                <a:cs typeface="+mj-cs"/>
+              </a:defRPr>
+            </a:lvl1pPr>
+          </a:lstStyle>
+          <a:p>
+            <a:r>
+              <a:rPr lang="da-DK" sz="5400" dirty="0"/>
+              <a:t>Indhold </a:t>
+            </a:r>
+            <a:endParaRPr lang="en-US" sz="5400" dirty="0"/>
+          </a:p>
+        </p:txBody>
+      </p:sp>
+      <p:sp>
+        <p:nvSpPr>
+          <p:cNvPr id="8" name="Undertitel 7">
+            <a:extLst>
+              <a:ext uri="{FF2B5EF4-FFF2-40B4-BE49-F238E27FC236}">
+                <a16:creationId xmlns:a16="http://schemas.microsoft.com/office/drawing/2014/main" id="{EAB00A05-8A23-4BC9-B40E-3A1CEFFD9CA2}"/>
+              </a:ext>
+            </a:extLst>
+          </p:cNvPr>
+          <p:cNvSpPr txBox="1">
+            <a:spLocks/>
+          </p:cNvSpPr>
+          <p:nvPr/>
+        </p:nvSpPr>
+        <p:spPr>
+          <a:xfrm>
+            <a:off x="1370693" y="1734672"/>
+            <a:ext cx="9440034" cy="3388656"/>
+          </a:xfrm>
+        </p:spPr>
+        <p:txBody>
+          <a:bodyPr/>
+          <a:lstStyle>
+            <a:lvl1pPr marL="228600" indent="-228600" algn="l" defTabSz="914400" rtl="0" eaLnBrk="1" latinLnBrk="0" hangingPunct="1">
+              <a:lnSpc>
+                <a:spcPct val="90000"/>
+              </a:lnSpc>
+              <a:spcBef>
+                <a:spcPts val="1000"/>
+              </a:spcBef>
+              <a:buFont typeface="Arial" panose="020B0604020202020204" pitchFamily="34" charset="0"/>
+              <a:buChar char="•"/>
+              <a:defRPr sz="2800" kern="1200">
+                <a:solidFill>
+                  <a:schemeClr val="tx1"/>
+                </a:solidFill>
+                <a:latin typeface="+mn-lt"/>
+                <a:ea typeface="+mn-ea"/>
+                <a:cs typeface="+mn-cs"/>
+              </a:defRPr>
+            </a:lvl1pPr>
+            <a:lvl2pPr marL="685800" indent="-228600" algn="l" defTabSz="914400" rtl="0" eaLnBrk="1" latinLnBrk="0" hangingPunct="1">
+              <a:lnSpc>
+                <a:spcPct val="90000"/>
+              </a:lnSpc>
+              <a:spcBef>
+                <a:spcPts val="500"/>
+              </a:spcBef>
+              <a:buFont typeface="Arial" panose="020B0604020202020204" pitchFamily="34" charset="0"/>
+              <a:buChar char="•"/>
+              <a:defRPr sz="2400" kern="1200">
+                <a:solidFill>
+                  <a:schemeClr val="tx1"/>
+                </a:solidFill>
+                <a:latin typeface="+mn-lt"/>
+                <a:ea typeface="+mn-ea"/>
+                <a:cs typeface="+mn-cs"/>
+              </a:defRPr>
+            </a:lvl2pPr>
+            <a:lvl3pPr marL="1143000" indent="-228600" algn="l" defTabSz="914400" rtl="0" eaLnBrk="1" latinLnBrk="0" hangingPunct="1">
+              <a:lnSpc>
+                <a:spcPct val="90000"/>
+              </a:lnSpc>
+              <a:spcBef>
+                <a:spcPts val="500"/>
+              </a:spcBef>
+              <a:buFont typeface="Arial" panose="020B0604020202020204" pitchFamily="34" charset="0"/>
+              <a:buChar char="•"/>
+              <a:defRPr sz="2000" kern="1200">
+                <a:solidFill>
+                  <a:schemeClr val="tx1"/>
+                </a:solidFill>
+                <a:latin typeface="+mn-lt"/>
+                <a:ea typeface="+mn-ea"/>
+                <a:cs typeface="+mn-cs"/>
+              </a:defRPr>
+            </a:lvl3pPr>
+            <a:lvl4pPr marL="1600200" indent="-228600" algn="l" defTabSz="914400" rtl="0" eaLnBrk="1" latinLnBrk="0" hangingPunct="1">
+              <a:lnSpc>
+                <a:spcPct val="90000"/>
+              </a:lnSpc>
+              <a:spcBef>
+                <a:spcPts val="500"/>
+              </a:spcBef>
+              <a:buFont typeface="Arial" panose="020B0604020202020204" pitchFamily="34" charset="0"/>
+              <a:buChar char="•"/>
+              <a:defRPr sz="1800" kern="1200">
+                <a:solidFill>
+                  <a:schemeClr val="tx1"/>
+                </a:solidFill>
+                <a:latin typeface="+mn-lt"/>
+                <a:ea typeface="+mn-ea"/>
+                <a:cs typeface="+mn-cs"/>
+              </a:defRPr>
+            </a:lvl4pPr>
+            <a:lvl5pPr marL="2057400" indent="-228600" algn="l" defTabSz="914400" rtl="0" eaLnBrk="1" latinLnBrk="0" hangingPunct="1">
+              <a:lnSpc>
+                <a:spcPct val="90000"/>
+              </a:lnSpc>
+              <a:spcBef>
+                <a:spcPts val="500"/>
+              </a:spcBef>
+              <a:buFont typeface="Arial" panose="020B0604020202020204" pitchFamily="34" charset="0"/>
+              <a:buChar char="•"/>
+              <a:defRPr sz="1800" kern="1200">
+                <a:solidFill>
+                  <a:schemeClr val="tx1"/>
+                </a:solidFill>
+                <a:latin typeface="+mn-lt"/>
+                <a:ea typeface="+mn-ea"/>
+                <a:cs typeface="+mn-cs"/>
+              </a:defRPr>
+            </a:lvl5pPr>
+            <a:lvl6pPr marL="2514600" indent="-228600" algn="l" defTabSz="914400" rtl="0" eaLnBrk="1" latinLnBrk="0" hangingPunct="1">
+              <a:lnSpc>
+                <a:spcPct val="90000"/>
+              </a:lnSpc>
+              <a:spcBef>
+                <a:spcPts val="500"/>
+              </a:spcBef>
+              <a:buFont typeface="Arial" panose="020B0604020202020204" pitchFamily="34" charset="0"/>
+              <a:buChar char="•"/>
+              <a:defRPr sz="1800" kern="1200">
+                <a:solidFill>
+                  <a:schemeClr val="tx1"/>
+                </a:solidFill>
+                <a:latin typeface="+mn-lt"/>
+                <a:ea typeface="+mn-ea"/>
+                <a:cs typeface="+mn-cs"/>
+              </a:defRPr>
+            </a:lvl6pPr>
+            <a:lvl7pPr marL="2971800" indent="-228600" algn="l" defTabSz="914400" rtl="0" eaLnBrk="1" latinLnBrk="0" hangingPunct="1">
+              <a:lnSpc>
+                <a:spcPct val="90000"/>
+              </a:lnSpc>
+              <a:spcBef>
+                <a:spcPts val="500"/>
+              </a:spcBef>
+              <a:buFont typeface="Arial" panose="020B0604020202020204" pitchFamily="34" charset="0"/>
+              <a:buChar char="•"/>
+              <a:defRPr sz="1800" kern="1200">
+                <a:solidFill>
+                  <a:schemeClr val="tx1"/>
+                </a:solidFill>
+                <a:latin typeface="+mn-lt"/>
+                <a:ea typeface="+mn-ea"/>
+                <a:cs typeface="+mn-cs"/>
+              </a:defRPr>
+            </a:lvl7pPr>
+            <a:lvl8pPr marL="3429000" indent="-228600" algn="l" defTabSz="914400" rtl="0" eaLnBrk="1" latinLnBrk="0" hangingPunct="1">
+              <a:lnSpc>
+                <a:spcPct val="90000"/>
+              </a:lnSpc>
+              <a:spcBef>
+                <a:spcPts val="500"/>
+              </a:spcBef>
+              <a:buFont typeface="Arial" panose="020B0604020202020204" pitchFamily="34" charset="0"/>
+              <a:buChar char="•"/>
+              <a:defRPr sz="1800" kern="1200">
+                <a:solidFill>
+                  <a:schemeClr val="tx1"/>
+                </a:solidFill>
+                <a:latin typeface="+mn-lt"/>
+                <a:ea typeface="+mn-ea"/>
+                <a:cs typeface="+mn-cs"/>
+              </a:defRPr>
+            </a:lvl8pPr>
+            <a:lvl9pPr marL="3886200" indent="-228600" algn="l" defTabSz="914400" rtl="0" eaLnBrk="1" latinLnBrk="0" hangingPunct="1">
+              <a:lnSpc>
+                <a:spcPct val="90000"/>
+              </a:lnSpc>
+              <a:spcBef>
+                <a:spcPts val="500"/>
+              </a:spcBef>
+              <a:buFont typeface="Arial" panose="020B0604020202020204" pitchFamily="34" charset="0"/>
+              <a:buChar char="•"/>
+              <a:defRPr sz="1800" kern="1200">
+                <a:solidFill>
+                  <a:schemeClr val="tx1"/>
+                </a:solidFill>
+                <a:latin typeface="+mn-lt"/>
+                <a:ea typeface="+mn-ea"/>
+                <a:cs typeface="+mn-cs"/>
+              </a:defRPr>
+            </a:lvl9pPr>
+          </a:lstStyle>
+          <a:p>
+            <a:pPr marL="457200" indent="-457200">
+              <a:buFont typeface="Courier New" panose="02070309020205020404" pitchFamily="49" charset="0"/>
+              <a:buChar char="o"/>
+            </a:pPr>
             <a:r>
               <a:rPr lang="da-DK" dirty="0"/>
-              <a:t>Indhold </a:t>
-            </a:r>
-            <a:endParaRPr lang="en-US" dirty="0"/>
-          </a:p>
-        </p:txBody>
-      </p:sp>
-      <p:sp>
-        <p:nvSpPr>
-          <p:cNvPr id="8" name="Undertitel 7">
-            <a:extLst>
-              <a:ext uri="{FF2B5EF4-FFF2-40B4-BE49-F238E27FC236}">
-                <a16:creationId xmlns:a16="http://schemas.microsoft.com/office/drawing/2014/main" id="{8572E68B-DF0E-43AE-8EFD-F54AA5A9476C}"/>
-              </a:ext>
-            </a:extLst>
-          </p:cNvPr>
-          <p:cNvSpPr>
-            <a:spLocks noGrp="1"/>
-          </p:cNvSpPr>
-          <p:nvPr>
-            <p:ph type="subTitle" idx="1"/>
-          </p:nvPr>
-        </p:nvSpPr>
-        <p:spPr>
-          <a:xfrm>
-            <a:off x="1370693" y="2240055"/>
-            <a:ext cx="9440034" cy="1049867"/>
-          </a:xfrm>
-        </p:spPr>
-        <p:txBody>
-          <a:bodyPr/>
-          <a:lstStyle/>
-          <a:p>
+              <a:t>Fremvisning af programmet</a:t>
+            </a:r>
+          </a:p>
+          <a:p>
+            <a:pPr marL="457200" indent="-457200">
+              <a:buFont typeface="Courier New" panose="02070309020205020404" pitchFamily="49" charset="0"/>
+              <a:buChar char="o"/>
+            </a:pPr>
             <a:r>
               <a:rPr lang="da-DK" dirty="0"/>
-              <a:t>Lavet af: Max Hansen</a:t>
-            </a:r>
-            <a:endParaRPr lang="en-US" dirty="0"/>
+              <a:t>Kravene til programmet</a:t>
+            </a:r>
+          </a:p>
+          <a:p>
+            <a:pPr marL="457200" indent="-457200">
+              <a:buFont typeface="Courier New" panose="02070309020205020404" pitchFamily="49" charset="0"/>
+              <a:buChar char="o"/>
+            </a:pPr>
+            <a:r>
+              <a:rPr lang="da-DK" dirty="0"/>
+              <a:t>Begrundelse for design – Krav 1</a:t>
+            </a:r>
+          </a:p>
+          <a:p>
+            <a:pPr marL="914400" lvl="1" indent="-457200">
+              <a:buFont typeface="Courier New" panose="02070309020205020404" pitchFamily="49" charset="0"/>
+              <a:buChar char="o"/>
+            </a:pPr>
+            <a:r>
+              <a:rPr lang="da-DK" dirty="0"/>
+              <a:t>Hoved skærmen</a:t>
+            </a:r>
+          </a:p>
+          <a:p>
+            <a:pPr marL="914400" lvl="1" indent="-457200">
+              <a:buFont typeface="Courier New" panose="02070309020205020404" pitchFamily="49" charset="0"/>
+              <a:buChar char="o"/>
+            </a:pPr>
+            <a:r>
+              <a:rPr lang="da-DK" dirty="0"/>
+              <a:t>Login-systemet</a:t>
+            </a:r>
+          </a:p>
+          <a:p>
+            <a:pPr marL="457200" indent="-457200">
+              <a:buFont typeface="Courier New" panose="02070309020205020404" pitchFamily="49" charset="0"/>
+              <a:buChar char="o"/>
+            </a:pPr>
+            <a:r>
+              <a:rPr lang="da-DK" dirty="0"/>
+              <a:t>Udførelsen af Iteration 1 – Login-system</a:t>
+            </a:r>
+          </a:p>
+          <a:p>
+            <a:pPr marL="457200" indent="-457200">
+              <a:buFont typeface="Courier New" panose="02070309020205020404" pitchFamily="49" charset="0"/>
+              <a:buChar char="o"/>
+            </a:pPr>
+            <a:r>
+              <a:rPr lang="da-DK" dirty="0"/>
+              <a:t>Forbedringer af programmet</a:t>
+            </a:r>
           </a:p>
         </p:txBody>
       </p:sp>
     </p:spTree>
     <p:extLst>
       <p:ext uri="{BB962C8B-B14F-4D97-AF65-F5344CB8AC3E}">
-        <p14:creationId xmlns:p14="http://schemas.microsoft.com/office/powerpoint/2010/main" val="2376078811"/>
+        <p14:creationId xmlns:p14="http://schemas.microsoft.com/office/powerpoint/2010/main" val="741305131"/>
       </p:ext>
     </p:extLst>
   </p:cSld>
@@ -19670,4 +20537,594 @@
     </a:ext>
   </a:extLst>
 </a:theme>
+</file>
+
+<file path=ppt/theme/theme3.xml><?xml version="1.0" encoding="utf-8"?>
+<a:theme xmlns:a="http://schemas.openxmlformats.org/drawingml/2006/main" name="Office-tema">
+  <a:themeElements>
+    <a:clrScheme name="Office">
+      <a:dk1>
+        <a:sysClr val="windowText" lastClr="000000"/>
+      </a:dk1>
+      <a:lt1>
+        <a:sysClr val="window" lastClr="FFFFFF"/>
+      </a:lt1>
+      <a:dk2>
+        <a:srgbClr val="44546A"/>
+      </a:dk2>
+      <a:lt2>
+        <a:srgbClr val="E7E6E6"/>
+      </a:lt2>
+      <a:accent1>
+        <a:srgbClr val="4472C4"/>
+      </a:accent1>
+      <a:accent2>
+        <a:srgbClr val="ED7D31"/>
+      </a:accent2>
+      <a:accent3>
+        <a:srgbClr val="A5A5A5"/>
+      </a:accent3>
+      <a:accent4>
+        <a:srgbClr val="FFC000"/>
+      </a:accent4>
+      <a:accent5>
+        <a:srgbClr val="5B9BD5"/>
+      </a:accent5>
+      <a:accent6>
+        <a:srgbClr val="70AD47"/>
+      </a:accent6>
+      <a:hlink>
+        <a:srgbClr val="0563C1"/>
+      </a:hlink>
+      <a:folHlink>
+        <a:srgbClr val="954F72"/>
+      </a:folHlink>
+    </a:clrScheme>
+    <a:fontScheme name="Office">
+      <a:majorFont>
+        <a:latin typeface="Calibri Light" panose="020F0302020204030204"/>
+        <a:ea typeface=""/>
+        <a:cs typeface=""/>
+        <a:font script="Jpan" typeface="游ゴシック Light"/>
+        <a:font script="Hang" typeface="맑은 고딕"/>
+        <a:font script="Hans" typeface="等线 Light"/>
+        <a:font script="Hant" typeface="新細明體"/>
+        <a:font script="Arab" typeface="Times New Roman"/>
+        <a:font script="Hebr" typeface="Times New Roman"/>
+        <a:font script="Thai" typeface="Angsana New"/>
+        <a:font script="Ethi" typeface="Nyala"/>
+        <a:font script="Beng" typeface="Vrinda"/>
+        <a:font script="Gujr" typeface="Shruti"/>
+        <a:font script="Khmr" typeface="MoolBoran"/>
+        <a:font script="Knda" typeface="Tunga"/>
+        <a:font script="Guru" typeface="Raavi"/>
+        <a:font script="Cans" typeface="Euphemia"/>
+        <a:font script="Cher" typeface="Plantagenet Cherokee"/>
+        <a:font script="Yiii" typeface="Microsoft Yi Baiti"/>
+        <a:font script="Tibt" typeface="Microsoft Himalaya"/>
+        <a:font script="Thaa" typeface="MV Boli"/>
+        <a:font script="Deva" typeface="Mangal"/>
+        <a:font script="Telu" typeface="Gautami"/>
+        <a:font script="Taml" typeface="Latha"/>
+        <a:font script="Syrc" typeface="Estrangelo Edessa"/>
+        <a:font script="Orya" typeface="Kalinga"/>
+        <a:font script="Mlym" typeface="Kartika"/>
+        <a:font script="Laoo" typeface="DokChampa"/>
+        <a:font script="Sinh" typeface="Iskoola Pota"/>
+        <a:font script="Mong" typeface="Mongolian Baiti"/>
+        <a:font script="Viet" typeface="Times New Roman"/>
+        <a:font script="Uigh" typeface="Microsoft Uighur"/>
+        <a:font script="Geor" typeface="Sylfaen"/>
+        <a:font script="Armn" typeface="Arial"/>
+        <a:font script="Bugi" typeface="Leelawadee UI"/>
+        <a:font script="Bopo" typeface="Microsoft JhengHei"/>
+        <a:font script="Java" typeface="Javanese Text"/>
+        <a:font script="Lisu" typeface="Segoe UI"/>
+        <a:font script="Mymr" typeface="Myanmar Text"/>
+        <a:font script="Nkoo" typeface="Ebrima"/>
+        <a:font script="Olck" typeface="Nirmala UI"/>
+        <a:font script="Osma" typeface="Ebrima"/>
+        <a:font script="Phag" typeface="Phagspa"/>
+        <a:font script="Syrn" typeface="Estrangelo Edessa"/>
+        <a:font script="Syrj" typeface="Estrangelo Edessa"/>
+        <a:font script="Syre" typeface="Estrangelo Edessa"/>
+        <a:font script="Sora" typeface="Nirmala UI"/>
+        <a:font script="Tale" typeface="Microsoft Tai Le"/>
+        <a:font script="Talu" typeface="Microsoft New Tai Lue"/>
+        <a:font script="Tfng" typeface="Ebrima"/>
+      </a:majorFont>
+      <a:minorFont>
+        <a:latin typeface="Calibri" panose="020F0502020204030204"/>
+        <a:ea typeface=""/>
+        <a:cs typeface=""/>
+        <a:font script="Jpan" typeface="游ゴシック"/>
+        <a:font script="Hang" typeface="맑은 고딕"/>
+        <a:font script="Hans" typeface="等线"/>
+        <a:font script="Hant" typeface="新細明體"/>
+        <a:font script="Arab" typeface="Arial"/>
+        <a:font script="Hebr" typeface="Arial"/>
+        <a:font script="Thai" typeface="Cordia New"/>
+        <a:font script="Ethi" typeface="Nyala"/>
+        <a:font script="Beng" typeface="Vrinda"/>
+        <a:font script="Gujr" typeface="Shruti"/>
+        <a:font script="Khmr" typeface="DaunPenh"/>
+        <a:font script="Knda" typeface="Tunga"/>
+        <a:font script="Guru" typeface="Raavi"/>
+        <a:font script="Cans" typeface="Euphemia"/>
+        <a:font script="Cher" typeface="Plantagenet Cherokee"/>
+        <a:font script="Yiii" typeface="Microsoft Yi Baiti"/>
+        <a:font script="Tibt" typeface="Microsoft Himalaya"/>
+        <a:font script="Thaa" typeface="MV Boli"/>
+        <a:font script="Deva" typeface="Mangal"/>
+        <a:font script="Telu" typeface="Gautami"/>
+        <a:font script="Taml" typeface="Latha"/>
+        <a:font script="Syrc" typeface="Estrangelo Edessa"/>
+        <a:font script="Orya" typeface="Kalinga"/>
+        <a:font script="Mlym" typeface="Kartika"/>
+        <a:font script="Laoo" typeface="DokChampa"/>
+        <a:font script="Sinh" typeface="Iskoola Pota"/>
+        <a:font script="Mong" typeface="Mongolian Baiti"/>
+        <a:font script="Viet" typeface="Arial"/>
+        <a:font script="Uigh" typeface="Microsoft Uighur"/>
+        <a:font script="Geor" typeface="Sylfaen"/>
+        <a:font script="Armn" typeface="Arial"/>
+        <a:font script="Bugi" typeface="Leelawadee UI"/>
+        <a:font script="Bopo" typeface="Microsoft JhengHei"/>
+        <a:font script="Java" typeface="Javanese Text"/>
+        <a:font script="Lisu" typeface="Segoe UI"/>
+        <a:font script="Mymr" typeface="Myanmar Text"/>
+        <a:font script="Nkoo" typeface="Ebrima"/>
+        <a:font script="Olck" typeface="Nirmala UI"/>
+        <a:font script="Osma" typeface="Ebrima"/>
+        <a:font script="Phag" typeface="Phagspa"/>
+        <a:font script="Syrn" typeface="Estrangelo Edessa"/>
+        <a:font script="Syrj" typeface="Estrangelo Edessa"/>
+        <a:font script="Syre" typeface="Estrangelo Edessa"/>
+        <a:font script="Sora" typeface="Nirmala UI"/>
+        <a:font script="Tale" typeface="Microsoft Tai Le"/>
+        <a:font script="Talu" typeface="Microsoft New Tai Lue"/>
+        <a:font script="Tfng" typeface="Ebrima"/>
+      </a:minorFont>
+    </a:fontScheme>
+    <a:fmtScheme name="Office">
+      <a:fillStyleLst>
+        <a:solidFill>
+          <a:schemeClr val="phClr"/>
+        </a:solidFill>
+        <a:gradFill rotWithShape="1">
+          <a:gsLst>
+            <a:gs pos="0">
+              <a:schemeClr val="phClr">
+                <a:lumMod val="110000"/>
+                <a:satMod val="105000"/>
+                <a:tint val="67000"/>
+              </a:schemeClr>
+            </a:gs>
+            <a:gs pos="50000">
+              <a:schemeClr val="phClr">
+                <a:lumMod val="105000"/>
+                <a:satMod val="103000"/>
+                <a:tint val="73000"/>
+              </a:schemeClr>
+            </a:gs>
+            <a:gs pos="100000">
+              <a:schemeClr val="phClr">
+                <a:lumMod val="105000"/>
+                <a:satMod val="109000"/>
+                <a:tint val="81000"/>
+              </a:schemeClr>
+            </a:gs>
+          </a:gsLst>
+          <a:lin ang="5400000" scaled="0"/>
+        </a:gradFill>
+        <a:gradFill rotWithShape="1">
+          <a:gsLst>
+            <a:gs pos="0">
+              <a:schemeClr val="phClr">
+                <a:satMod val="103000"/>
+                <a:lumMod val="102000"/>
+                <a:tint val="94000"/>
+              </a:schemeClr>
+            </a:gs>
+            <a:gs pos="50000">
+              <a:schemeClr val="phClr">
+                <a:satMod val="110000"/>
+                <a:lumMod val="100000"/>
+                <a:shade val="100000"/>
+              </a:schemeClr>
+            </a:gs>
+            <a:gs pos="100000">
+              <a:schemeClr val="phClr">
+                <a:lumMod val="99000"/>
+                <a:satMod val="120000"/>
+                <a:shade val="78000"/>
+              </a:schemeClr>
+            </a:gs>
+          </a:gsLst>
+          <a:lin ang="5400000" scaled="0"/>
+        </a:gradFill>
+      </a:fillStyleLst>
+      <a:lnStyleLst>
+        <a:ln w="6350" cap="flat" cmpd="sng" algn="ctr">
+          <a:solidFill>
+            <a:schemeClr val="phClr"/>
+          </a:solidFill>
+          <a:prstDash val="solid"/>
+          <a:miter lim="800000"/>
+        </a:ln>
+        <a:ln w="12700" cap="flat" cmpd="sng" algn="ctr">
+          <a:solidFill>
+            <a:schemeClr val="phClr"/>
+          </a:solidFill>
+          <a:prstDash val="solid"/>
+          <a:miter lim="800000"/>
+        </a:ln>
+        <a:ln w="19050" cap="flat" cmpd="sng" algn="ctr">
+          <a:solidFill>
+            <a:schemeClr val="phClr"/>
+          </a:solidFill>
+          <a:prstDash val="solid"/>
+          <a:miter lim="800000"/>
+        </a:ln>
+      </a:lnStyleLst>
+      <a:effectStyleLst>
+        <a:effectStyle>
+          <a:effectLst/>
+        </a:effectStyle>
+        <a:effectStyle>
+          <a:effectLst/>
+        </a:effectStyle>
+        <a:effectStyle>
+          <a:effectLst>
+            <a:outerShdw blurRad="57150" dist="19050" dir="5400000" algn="ctr" rotWithShape="0">
+              <a:srgbClr val="000000">
+                <a:alpha val="63000"/>
+              </a:srgbClr>
+            </a:outerShdw>
+          </a:effectLst>
+        </a:effectStyle>
+      </a:effectStyleLst>
+      <a:bgFillStyleLst>
+        <a:solidFill>
+          <a:schemeClr val="phClr"/>
+        </a:solidFill>
+        <a:solidFill>
+          <a:schemeClr val="phClr">
+            <a:tint val="95000"/>
+            <a:satMod val="170000"/>
+          </a:schemeClr>
+        </a:solidFill>
+        <a:gradFill rotWithShape="1">
+          <a:gsLst>
+            <a:gs pos="0">
+              <a:schemeClr val="phClr">
+                <a:tint val="93000"/>
+                <a:satMod val="150000"/>
+                <a:shade val="98000"/>
+                <a:lumMod val="102000"/>
+              </a:schemeClr>
+            </a:gs>
+            <a:gs pos="50000">
+              <a:schemeClr val="phClr">
+                <a:tint val="98000"/>
+                <a:satMod val="130000"/>
+                <a:shade val="90000"/>
+                <a:lumMod val="103000"/>
+              </a:schemeClr>
+            </a:gs>
+            <a:gs pos="100000">
+              <a:schemeClr val="phClr">
+                <a:shade val="63000"/>
+                <a:satMod val="120000"/>
+              </a:schemeClr>
+            </a:gs>
+          </a:gsLst>
+          <a:lin ang="5400000" scaled="0"/>
+        </a:gradFill>
+      </a:bgFillStyleLst>
+    </a:fmtScheme>
+  </a:themeElements>
+  <a:objectDefaults/>
+  <a:extraClrSchemeLst/>
+  <a:extLst>
+    <a:ext uri="{05A4C25C-085E-4340-85A3-A5531E510DB2}">
+      <thm15:themeFamily xmlns:thm15="http://schemas.microsoft.com/office/thememl/2012/main" name="Office Theme" id="{62F939B6-93AF-4DB8-9C6B-D6C7DFDC589F}" vid="{4A3C46E8-61CC-4603-A589-7422A47A8E4A}"/>
+    </a:ext>
+  </a:extLst>
+</a:theme>
+</file>
+
+<file path=ppt/theme/theme4.xml><?xml version="1.0" encoding="utf-8"?>
+<a:theme xmlns:a="http://schemas.openxmlformats.org/drawingml/2006/main" name="Office-tema">
+  <a:themeElements>
+    <a:clrScheme name="Office">
+      <a:dk1>
+        <a:sysClr val="windowText" lastClr="000000"/>
+      </a:dk1>
+      <a:lt1>
+        <a:sysClr val="window" lastClr="FFFFFF"/>
+      </a:lt1>
+      <a:dk2>
+        <a:srgbClr val="44546A"/>
+      </a:dk2>
+      <a:lt2>
+        <a:srgbClr val="E7E6E6"/>
+      </a:lt2>
+      <a:accent1>
+        <a:srgbClr val="4472C4"/>
+      </a:accent1>
+      <a:accent2>
+        <a:srgbClr val="ED7D31"/>
+      </a:accent2>
+      <a:accent3>
+        <a:srgbClr val="A5A5A5"/>
+      </a:accent3>
+      <a:accent4>
+        <a:srgbClr val="FFC000"/>
+      </a:accent4>
+      <a:accent5>
+        <a:srgbClr val="5B9BD5"/>
+      </a:accent5>
+      <a:accent6>
+        <a:srgbClr val="70AD47"/>
+      </a:accent6>
+      <a:hlink>
+        <a:srgbClr val="0563C1"/>
+      </a:hlink>
+      <a:folHlink>
+        <a:srgbClr val="954F72"/>
+      </a:folHlink>
+    </a:clrScheme>
+    <a:fontScheme name="Office">
+      <a:majorFont>
+        <a:latin typeface="Calibri Light" panose="020F0302020204030204"/>
+        <a:ea typeface=""/>
+        <a:cs typeface=""/>
+        <a:font script="Jpan" typeface="游ゴシック Light"/>
+        <a:font script="Hang" typeface="맑은 고딕"/>
+        <a:font script="Hans" typeface="等线 Light"/>
+        <a:font script="Hant" typeface="新細明體"/>
+        <a:font script="Arab" typeface="Times New Roman"/>
+        <a:font script="Hebr" typeface="Times New Roman"/>
+        <a:font script="Thai" typeface="Angsana New"/>
+        <a:font script="Ethi" typeface="Nyala"/>
+        <a:font script="Beng" typeface="Vrinda"/>
+        <a:font script="Gujr" typeface="Shruti"/>
+        <a:font script="Khmr" typeface="MoolBoran"/>
+        <a:font script="Knda" typeface="Tunga"/>
+        <a:font script="Guru" typeface="Raavi"/>
+        <a:font script="Cans" typeface="Euphemia"/>
+        <a:font script="Cher" typeface="Plantagenet Cherokee"/>
+        <a:font script="Yiii" typeface="Microsoft Yi Baiti"/>
+        <a:font script="Tibt" typeface="Microsoft Himalaya"/>
+        <a:font script="Thaa" typeface="MV Boli"/>
+        <a:font script="Deva" typeface="Mangal"/>
+        <a:font script="Telu" typeface="Gautami"/>
+        <a:font script="Taml" typeface="Latha"/>
+        <a:font script="Syrc" typeface="Estrangelo Edessa"/>
+        <a:font script="Orya" typeface="Kalinga"/>
+        <a:font script="Mlym" typeface="Kartika"/>
+        <a:font script="Laoo" typeface="DokChampa"/>
+        <a:font script="Sinh" typeface="Iskoola Pota"/>
+        <a:font script="Mong" typeface="Mongolian Baiti"/>
+        <a:font script="Viet" typeface="Times New Roman"/>
+        <a:font script="Uigh" typeface="Microsoft Uighur"/>
+        <a:font script="Geor" typeface="Sylfaen"/>
+        <a:font script="Armn" typeface="Arial"/>
+        <a:font script="Bugi" typeface="Leelawadee UI"/>
+        <a:font script="Bopo" typeface="Microsoft JhengHei"/>
+        <a:font script="Java" typeface="Javanese Text"/>
+        <a:font script="Lisu" typeface="Segoe UI"/>
+        <a:font script="Mymr" typeface="Myanmar Text"/>
+        <a:font script="Nkoo" typeface="Ebrima"/>
+        <a:font script="Olck" typeface="Nirmala UI"/>
+        <a:font script="Osma" typeface="Ebrima"/>
+        <a:font script="Phag" typeface="Phagspa"/>
+        <a:font script="Syrn" typeface="Estrangelo Edessa"/>
+        <a:font script="Syrj" typeface="Estrangelo Edessa"/>
+        <a:font script="Syre" typeface="Estrangelo Edessa"/>
+        <a:font script="Sora" typeface="Nirmala UI"/>
+        <a:font script="Tale" typeface="Microsoft Tai Le"/>
+        <a:font script="Talu" typeface="Microsoft New Tai Lue"/>
+        <a:font script="Tfng" typeface="Ebrima"/>
+      </a:majorFont>
+      <a:minorFont>
+        <a:latin typeface="Calibri" panose="020F0502020204030204"/>
+        <a:ea typeface=""/>
+        <a:cs typeface=""/>
+        <a:font script="Jpan" typeface="游ゴシック"/>
+        <a:font script="Hang" typeface="맑은 고딕"/>
+        <a:font script="Hans" typeface="等线"/>
+        <a:font script="Hant" typeface="新細明體"/>
+        <a:font script="Arab" typeface="Arial"/>
+        <a:font script="Hebr" typeface="Arial"/>
+        <a:font script="Thai" typeface="Cordia New"/>
+        <a:font script="Ethi" typeface="Nyala"/>
+        <a:font script="Beng" typeface="Vrinda"/>
+        <a:font script="Gujr" typeface="Shruti"/>
+        <a:font script="Khmr" typeface="DaunPenh"/>
+        <a:font script="Knda" typeface="Tunga"/>
+        <a:font script="Guru" typeface="Raavi"/>
+        <a:font script="Cans" typeface="Euphemia"/>
+        <a:font script="Cher" typeface="Plantagenet Cherokee"/>
+        <a:font script="Yiii" typeface="Microsoft Yi Baiti"/>
+        <a:font script="Tibt" typeface="Microsoft Himalaya"/>
+        <a:font script="Thaa" typeface="MV Boli"/>
+        <a:font script="Deva" typeface="Mangal"/>
+        <a:font script="Telu" typeface="Gautami"/>
+        <a:font script="Taml" typeface="Latha"/>
+        <a:font script="Syrc" typeface="Estrangelo Edessa"/>
+        <a:font script="Orya" typeface="Kalinga"/>
+        <a:font script="Mlym" typeface="Kartika"/>
+        <a:font script="Laoo" typeface="DokChampa"/>
+        <a:font script="Sinh" typeface="Iskoola Pota"/>
+        <a:font script="Mong" typeface="Mongolian Baiti"/>
+        <a:font script="Viet" typeface="Arial"/>
+        <a:font script="Uigh" typeface="Microsoft Uighur"/>
+        <a:font script="Geor" typeface="Sylfaen"/>
+        <a:font script="Armn" typeface="Arial"/>
+        <a:font script="Bugi" typeface="Leelawadee UI"/>
+        <a:font script="Bopo" typeface="Microsoft JhengHei"/>
+        <a:font script="Java" typeface="Javanese Text"/>
+        <a:font script="Lisu" typeface="Segoe UI"/>
+        <a:font script="Mymr" typeface="Myanmar Text"/>
+        <a:font script="Nkoo" typeface="Ebrima"/>
+        <a:font script="Olck" typeface="Nirmala UI"/>
+        <a:font script="Osma" typeface="Ebrima"/>
+        <a:font script="Phag" typeface="Phagspa"/>
+        <a:font script="Syrn" typeface="Estrangelo Edessa"/>
+        <a:font script="Syrj" typeface="Estrangelo Edessa"/>
+        <a:font script="Syre" typeface="Estrangelo Edessa"/>
+        <a:font script="Sora" typeface="Nirmala UI"/>
+        <a:font script="Tale" typeface="Microsoft Tai Le"/>
+        <a:font script="Talu" typeface="Microsoft New Tai Lue"/>
+        <a:font script="Tfng" typeface="Ebrima"/>
+      </a:minorFont>
+    </a:fontScheme>
+    <a:fmtScheme name="Office">
+      <a:fillStyleLst>
+        <a:solidFill>
+          <a:schemeClr val="phClr"/>
+        </a:solidFill>
+        <a:gradFill rotWithShape="1">
+          <a:gsLst>
+            <a:gs pos="0">
+              <a:schemeClr val="phClr">
+                <a:lumMod val="110000"/>
+                <a:satMod val="105000"/>
+                <a:tint val="67000"/>
+              </a:schemeClr>
+            </a:gs>
+            <a:gs pos="50000">
+              <a:schemeClr val="phClr">
+                <a:lumMod val="105000"/>
+                <a:satMod val="103000"/>
+                <a:tint val="73000"/>
+              </a:schemeClr>
+            </a:gs>
+            <a:gs pos="100000">
+              <a:schemeClr val="phClr">
+                <a:lumMod val="105000"/>
+                <a:satMod val="109000"/>
+                <a:tint val="81000"/>
+              </a:schemeClr>
+            </a:gs>
+          </a:gsLst>
+          <a:lin ang="5400000" scaled="0"/>
+        </a:gradFill>
+        <a:gradFill rotWithShape="1">
+          <a:gsLst>
+            <a:gs pos="0">
+              <a:schemeClr val="phClr">
+                <a:satMod val="103000"/>
+                <a:lumMod val="102000"/>
+                <a:tint val="94000"/>
+              </a:schemeClr>
+            </a:gs>
+            <a:gs pos="50000">
+              <a:schemeClr val="phClr">
+                <a:satMod val="110000"/>
+                <a:lumMod val="100000"/>
+                <a:shade val="100000"/>
+              </a:schemeClr>
+            </a:gs>
+            <a:gs pos="100000">
+              <a:schemeClr val="phClr">
+                <a:lumMod val="99000"/>
+                <a:satMod val="120000"/>
+                <a:shade val="78000"/>
+              </a:schemeClr>
+            </a:gs>
+          </a:gsLst>
+          <a:lin ang="5400000" scaled="0"/>
+        </a:gradFill>
+      </a:fillStyleLst>
+      <a:lnStyleLst>
+        <a:ln w="6350" cap="flat" cmpd="sng" algn="ctr">
+          <a:solidFill>
+            <a:schemeClr val="phClr"/>
+          </a:solidFill>
+          <a:prstDash val="solid"/>
+          <a:miter lim="800000"/>
+        </a:ln>
+        <a:ln w="12700" cap="flat" cmpd="sng" algn="ctr">
+          <a:solidFill>
+            <a:schemeClr val="phClr"/>
+          </a:solidFill>
+          <a:prstDash val="solid"/>
+          <a:miter lim="800000"/>
+        </a:ln>
+        <a:ln w="19050" cap="flat" cmpd="sng" algn="ctr">
+          <a:solidFill>
+            <a:schemeClr val="phClr"/>
+          </a:solidFill>
+          <a:prstDash val="solid"/>
+          <a:miter lim="800000"/>
+        </a:ln>
+      </a:lnStyleLst>
+      <a:effectStyleLst>
+        <a:effectStyle>
+          <a:effectLst/>
+        </a:effectStyle>
+        <a:effectStyle>
+          <a:effectLst/>
+        </a:effectStyle>
+        <a:effectStyle>
+          <a:effectLst>
+            <a:outerShdw blurRad="57150" dist="19050" dir="5400000" algn="ctr" rotWithShape="0">
+              <a:srgbClr val="000000">
+                <a:alpha val="63000"/>
+              </a:srgbClr>
+            </a:outerShdw>
+          </a:effectLst>
+        </a:effectStyle>
+      </a:effectStyleLst>
+      <a:bgFillStyleLst>
+        <a:solidFill>
+          <a:schemeClr val="phClr"/>
+        </a:solidFill>
+        <a:solidFill>
+          <a:schemeClr val="phClr">
+            <a:tint val="95000"/>
+            <a:satMod val="170000"/>
+          </a:schemeClr>
+        </a:solidFill>
+        <a:gradFill rotWithShape="1">
+          <a:gsLst>
+            <a:gs pos="0">
+              <a:schemeClr val="phClr">
+                <a:tint val="93000"/>
+                <a:satMod val="150000"/>
+                <a:shade val="98000"/>
+                <a:lumMod val="102000"/>
+              </a:schemeClr>
+            </a:gs>
+            <a:gs pos="50000">
+              <a:schemeClr val="phClr">
+                <a:tint val="98000"/>
+                <a:satMod val="130000"/>
+                <a:shade val="90000"/>
+                <a:lumMod val="103000"/>
+              </a:schemeClr>
+            </a:gs>
+            <a:gs pos="100000">
+              <a:schemeClr val="phClr">
+                <a:shade val="63000"/>
+                <a:satMod val="120000"/>
+              </a:schemeClr>
+            </a:gs>
+          </a:gsLst>
+          <a:lin ang="5400000" scaled="0"/>
+        </a:gradFill>
+      </a:bgFillStyleLst>
+    </a:fmtScheme>
+  </a:themeElements>
+  <a:objectDefaults/>
+  <a:extraClrSchemeLst/>
+  <a:extLst>
+    <a:ext uri="{05A4C25C-085E-4340-85A3-A5531E510DB2}">
+      <thm15:themeFamily xmlns:thm15="http://schemas.microsoft.com/office/thememl/2012/main" name="Office Theme" id="{62F939B6-93AF-4DB8-9C6B-D6C7DFDC589F}" vid="{4A3C46E8-61CC-4603-A589-7422A47A8E4A}"/>
+    </a:ext>
+  </a:extLst>
+</a:theme>
 </file>
--- a/Eksamensprojekt - Max/Præsentation/Præsentation af eksamensprojekt.pptx
+++ b/Eksamensprojekt - Max/Præsentation/Præsentation af eksamensprojekt.pptx
@@ -241,7 +241,7 @@
           <a:p>
             <a:fld id="{496FCD50-C1A0-482B-BC86-90B92CB2FE42}" type="datetimeFigureOut">
               <a:rPr lang="da-DK" smtClean="0"/>
-              <a:t>10-06-2020</a:t>
+              <a:t>11-06-2020</a:t>
             </a:fld>
             <a:endParaRPr lang="da-DK"/>
           </a:p>
@@ -419,7 +419,7 @@
           <a:p>
             <a:fld id="{86FDA1C0-1334-4D8B-BA9D-24D0A591AB05}" type="datetimeFigureOut">
               <a:rPr lang="da-DK" smtClean="0"/>
-              <a:t>10-06-2020</a:t>
+              <a:t>11-06-2020</a:t>
             </a:fld>
             <a:endParaRPr lang="da-DK"/>
           </a:p>
@@ -5379,7 +5379,7 @@
           <a:p>
             <a:fld id="{FF082D74-0F04-403B-AC9F-887F607CB20D}" type="datetimeFigureOut">
               <a:rPr lang="en-US" smtClean="0"/>
-              <a:t>6/10/2020</a:t>
+              <a:t>6/11/2020</a:t>
             </a:fld>
             <a:endParaRPr lang="en-US"/>
           </a:p>
@@ -15210,7 +15210,7 @@
           <a:p>
             <a:fld id="{FF082D74-0F04-403B-AC9F-887F607CB20D}" type="datetimeFigureOut">
               <a:rPr lang="en-US" smtClean="0"/>
-              <a:t>6/10/2020</a:t>
+              <a:t>6/11/2020</a:t>
             </a:fld>
             <a:endParaRPr lang="en-US"/>
           </a:p>
@@ -20059,7 +20059,7 @@
             </a:pPr>
             <a:r>
               <a:rPr lang="da-DK" dirty="0"/>
-              <a:t>Fremvisning af programmet</a:t>
+              <a:t>Fremvisning af programmet (Krav til program?)</a:t>
             </a:r>
           </a:p>
           <a:p>
@@ -20069,8 +20069,13 @@
             </a:pPr>
             <a:r>
               <a:rPr lang="da-DK" dirty="0"/>
-              <a:t>Kravene til programmet</a:t>
-            </a:r>
+              <a:t>Kravene til programmet </a:t>
+            </a:r>
+            <a:r>
+              <a:rPr lang="da-DK"/>
+              <a:t>(Fremvisning?)</a:t>
+            </a:r>
+            <a:endParaRPr lang="da-DK" dirty="0"/>
           </a:p>
           <a:p>
             <a:pPr marL="457200" indent="-457200">

--- a/Eksamensprojekt - Max/Præsentation/Præsentation af eksamensprojekt.pptx
+++ b/Eksamensprojekt - Max/Præsentation/Præsentation af eksamensprojekt.pptx
@@ -6,14 +6,16 @@
     <p:sldMasterId id="2147483698" r:id="rId2"/>
   </p:sldMasterIdLst>
   <p:notesMasterIdLst>
-    <p:notesMasterId r:id="rId5"/>
+    <p:notesMasterId r:id="rId7"/>
   </p:notesMasterIdLst>
   <p:handoutMasterIdLst>
-    <p:handoutMasterId r:id="rId6"/>
+    <p:handoutMasterId r:id="rId8"/>
   </p:handoutMasterIdLst>
   <p:sldIdLst>
     <p:sldId id="256" r:id="rId3"/>
     <p:sldId id="258" r:id="rId4"/>
+    <p:sldId id="259" r:id="rId5"/>
+    <p:sldId id="260" r:id="rId6"/>
   </p:sldIdLst>
   <p:sldSz cx="12192000" cy="6858000"/>
   <p:notesSz cx="6858000" cy="9144000"/>
@@ -241,7 +243,7 @@
           <a:p>
             <a:fld id="{496FCD50-C1A0-482B-BC86-90B92CB2FE42}" type="datetimeFigureOut">
               <a:rPr lang="da-DK" smtClean="0"/>
-              <a:t>11-06-2020</a:t>
+              <a:t>14-06-2020</a:t>
             </a:fld>
             <a:endParaRPr lang="da-DK"/>
           </a:p>
@@ -419,7 +421,7 @@
           <a:p>
             <a:fld id="{86FDA1C0-1334-4D8B-BA9D-24D0A591AB05}" type="datetimeFigureOut">
               <a:rPr lang="da-DK" smtClean="0"/>
-              <a:t>11-06-2020</a:t>
+              <a:t>14-06-2020</a:t>
             </a:fld>
             <a:endParaRPr lang="da-DK"/>
           </a:p>
@@ -5379,7 +5381,7 @@
           <a:p>
             <a:fld id="{FF082D74-0F04-403B-AC9F-887F607CB20D}" type="datetimeFigureOut">
               <a:rPr lang="en-US" smtClean="0"/>
-              <a:t>6/11/2020</a:t>
+              <a:t>6/14/2020</a:t>
             </a:fld>
             <a:endParaRPr lang="en-US"/>
           </a:p>
@@ -15210,7 +15212,7 @@
           <a:p>
             <a:fld id="{FF082D74-0F04-403B-AC9F-887F607CB20D}" type="datetimeFigureOut">
               <a:rPr lang="en-US" smtClean="0"/>
-              <a:t>6/11/2020</a:t>
+              <a:t>6/14/2020</a:t>
             </a:fld>
             <a:endParaRPr lang="en-US"/>
           </a:p>
@@ -19767,10 +19769,10 @@
       </p:grpSpPr>
       <p:sp>
         <p:nvSpPr>
-          <p:cNvPr id="6" name="Rektangel: afrundede hjørner 5">
-            <a:extLst>
-              <a:ext uri="{FF2B5EF4-FFF2-40B4-BE49-F238E27FC236}">
-                <a16:creationId xmlns:a16="http://schemas.microsoft.com/office/drawing/2014/main" id="{47D0F251-C01C-4856-AA55-6706C7F937AC}"/>
+          <p:cNvPr id="5" name="Rektangel: afrundede hjørner 4">
+            <a:extLst>
+              <a:ext uri="{FF2B5EF4-FFF2-40B4-BE49-F238E27FC236}">
+                <a16:creationId xmlns:a16="http://schemas.microsoft.com/office/drawing/2014/main" id="{92226F3C-A449-48F0-8343-C5B113A85076}"/>
               </a:ext>
             </a:extLst>
           </p:cNvPr>
@@ -19779,27 +19781,35 @@
         </p:nvSpPr>
         <p:spPr>
           <a:xfrm>
-            <a:off x="4811473" y="466437"/>
+            <a:off x="4811473" y="447387"/>
             <a:ext cx="2558473" cy="655782"/>
           </a:xfrm>
           <a:prstGeom prst="roundRect">
             <a:avLst/>
           </a:prstGeom>
-          <a:solidFill>
+          <a:gradFill>
+            <a:gsLst>
+              <a:gs pos="0">
+                <a:srgbClr val="0070C0"/>
+              </a:gs>
+              <a:gs pos="50000">
+                <a:srgbClr val="0070C0"/>
+              </a:gs>
+              <a:gs pos="100000">
+                <a:srgbClr val="0070C0"/>
+              </a:gs>
+            </a:gsLst>
+          </a:gradFill>
+        </p:spPr>
+        <p:style>
+          <a:lnRef idx="0">
             <a:schemeClr val="accent2"/>
-          </a:solidFill>
-        </p:spPr>
-        <p:style>
-          <a:lnRef idx="2">
-            <a:schemeClr val="accent6">
-              <a:shade val="50000"/>
-            </a:schemeClr>
           </a:lnRef>
-          <a:fillRef idx="1">
-            <a:schemeClr val="accent6"/>
+          <a:fillRef idx="3">
+            <a:schemeClr val="accent2"/>
           </a:fillRef>
-          <a:effectRef idx="0">
-            <a:schemeClr val="accent6"/>
+          <a:effectRef idx="3">
+            <a:schemeClr val="accent2"/>
           </a:effectRef>
           <a:fontRef idx="minor">
             <a:schemeClr val="lt1"/>
@@ -20069,13 +20079,8 @@
             </a:pPr>
             <a:r>
               <a:rPr lang="da-DK" dirty="0"/>
-              <a:t>Kravene til programmet </a:t>
-            </a:r>
-            <a:r>
-              <a:rPr lang="da-DK"/>
-              <a:t>(Fremvisning?)</a:t>
-            </a:r>
-            <a:endParaRPr lang="da-DK" dirty="0"/>
+              <a:t>Kravene til programmet (Fremvisning?)</a:t>
+            </a:r>
           </a:p>
           <a:p>
             <a:pPr marL="457200" indent="-457200">
@@ -20133,6 +20138,763 @@
     <p:extLst>
       <p:ext uri="{BB962C8B-B14F-4D97-AF65-F5344CB8AC3E}">
         <p14:creationId xmlns:p14="http://schemas.microsoft.com/office/powerpoint/2010/main" val="741305131"/>
+      </p:ext>
+    </p:extLst>
+  </p:cSld>
+  <p:clrMapOvr>
+    <a:masterClrMapping/>
+  </p:clrMapOvr>
+</p:sld>
+</file>
+
+<file path=ppt/slides/slide3.xml><?xml version="1.0" encoding="utf-8"?>
+<p:sld xmlns:a="http://schemas.openxmlformats.org/drawingml/2006/main" xmlns:r="http://schemas.openxmlformats.org/officeDocument/2006/relationships" xmlns:p="http://schemas.openxmlformats.org/presentationml/2006/main">
+  <p:cSld>
+    <p:spTree>
+      <p:nvGrpSpPr>
+        <p:cNvPr id="1" name=""/>
+        <p:cNvGrpSpPr/>
+        <p:nvPr/>
+      </p:nvGrpSpPr>
+      <p:grpSpPr>
+        <a:xfrm>
+          <a:off x="0" y="0"/>
+          <a:ext cx="0" cy="0"/>
+          <a:chOff x="0" y="0"/>
+          <a:chExt cx="0" cy="0"/>
+        </a:xfrm>
+      </p:grpSpPr>
+      <p:sp>
+        <p:nvSpPr>
+          <p:cNvPr id="7" name="Rektangel 6">
+            <a:extLst>
+              <a:ext uri="{FF2B5EF4-FFF2-40B4-BE49-F238E27FC236}">
+                <a16:creationId xmlns:a16="http://schemas.microsoft.com/office/drawing/2014/main" id="{7DFC937C-063D-4CDB-9FA8-AAEAC164CB4B}"/>
+              </a:ext>
+            </a:extLst>
+          </p:cNvPr>
+          <p:cNvSpPr/>
+          <p:nvPr/>
+        </p:nvSpPr>
+        <p:spPr>
+          <a:xfrm>
+            <a:off x="1646693" y="1698450"/>
+            <a:ext cx="2417354" cy="2408166"/>
+          </a:xfrm>
+          <a:prstGeom prst="rect">
+            <a:avLst/>
+          </a:prstGeom>
+          <a:solidFill>
+            <a:schemeClr val="accent2">
+              <a:alpha val="50000"/>
+            </a:schemeClr>
+          </a:solidFill>
+          <a:ln>
+            <a:noFill/>
+          </a:ln>
+          <a:effectLst>
+            <a:outerShdw blurRad="50800" dist="38100" dir="2700000" algn="tl" rotWithShape="0">
+              <a:prstClr val="black">
+                <a:alpha val="40000"/>
+              </a:prstClr>
+            </a:outerShdw>
+          </a:effectLst>
+        </p:spPr>
+        <p:style>
+          <a:lnRef idx="0">
+            <a:scrgbClr r="0" g="0" b="0"/>
+          </a:lnRef>
+          <a:fillRef idx="0">
+            <a:scrgbClr r="0" g="0" b="0"/>
+          </a:fillRef>
+          <a:effectRef idx="0">
+            <a:scrgbClr r="0" g="0" b="0"/>
+          </a:effectRef>
+          <a:fontRef idx="minor">
+            <a:schemeClr val="lt1"/>
+          </a:fontRef>
+        </p:style>
+        <p:txBody>
+          <a:bodyPr rtlCol="0" anchor="ctr"/>
+          <a:lstStyle/>
+          <a:p>
+            <a:pPr algn="ctr"/>
+            <a:endParaRPr lang="da-DK" dirty="0"/>
+          </a:p>
+        </p:txBody>
+      </p:sp>
+      <p:sp>
+        <p:nvSpPr>
+          <p:cNvPr id="28" name="Rektangel: afrundede hjørner 27">
+            <a:extLst>
+              <a:ext uri="{FF2B5EF4-FFF2-40B4-BE49-F238E27FC236}">
+                <a16:creationId xmlns:a16="http://schemas.microsoft.com/office/drawing/2014/main" id="{C51AF428-CDF9-496D-BB19-EEC1E93E903F}"/>
+              </a:ext>
+            </a:extLst>
+          </p:cNvPr>
+          <p:cNvSpPr/>
+          <p:nvPr/>
+        </p:nvSpPr>
+        <p:spPr>
+          <a:xfrm>
+            <a:off x="4811473" y="409287"/>
+            <a:ext cx="2558473" cy="655782"/>
+          </a:xfrm>
+          <a:prstGeom prst="roundRect">
+            <a:avLst/>
+          </a:prstGeom>
+          <a:gradFill>
+            <a:gsLst>
+              <a:gs pos="0">
+                <a:srgbClr val="0070C0"/>
+              </a:gs>
+              <a:gs pos="50000">
+                <a:srgbClr val="0070C0"/>
+              </a:gs>
+              <a:gs pos="100000">
+                <a:srgbClr val="0070C0"/>
+              </a:gs>
+            </a:gsLst>
+          </a:gradFill>
+        </p:spPr>
+        <p:style>
+          <a:lnRef idx="0">
+            <a:schemeClr val="accent2"/>
+          </a:lnRef>
+          <a:fillRef idx="3">
+            <a:schemeClr val="accent2"/>
+          </a:fillRef>
+          <a:effectRef idx="3">
+            <a:schemeClr val="accent2"/>
+          </a:effectRef>
+          <a:fontRef idx="minor">
+            <a:schemeClr val="lt1"/>
+          </a:fontRef>
+        </p:style>
+        <p:txBody>
+          <a:bodyPr rtlCol="0" anchor="ctr"/>
+          <a:lstStyle/>
+          <a:p>
+            <a:pPr algn="ctr"/>
+            <a:endParaRPr lang="da-DK"/>
+          </a:p>
+        </p:txBody>
+      </p:sp>
+      <p:sp>
+        <p:nvSpPr>
+          <p:cNvPr id="9" name="Rektangel 8">
+            <a:extLst>
+              <a:ext uri="{FF2B5EF4-FFF2-40B4-BE49-F238E27FC236}">
+                <a16:creationId xmlns:a16="http://schemas.microsoft.com/office/drawing/2014/main" id="{20F03E24-D869-4700-9577-03E3F833D6C8}"/>
+              </a:ext>
+            </a:extLst>
+          </p:cNvPr>
+          <p:cNvSpPr/>
+          <p:nvPr/>
+        </p:nvSpPr>
+        <p:spPr>
+          <a:xfrm>
+            <a:off x="8127953" y="1698450"/>
+            <a:ext cx="2417354" cy="2408166"/>
+          </a:xfrm>
+          <a:prstGeom prst="rect">
+            <a:avLst/>
+          </a:prstGeom>
+          <a:solidFill>
+            <a:schemeClr val="accent6">
+              <a:alpha val="50000"/>
+            </a:schemeClr>
+          </a:solidFill>
+          <a:ln>
+            <a:noFill/>
+          </a:ln>
+          <a:effectLst>
+            <a:outerShdw blurRad="50800" dist="38100" dir="8100000" algn="tr" rotWithShape="0">
+              <a:prstClr val="black">
+                <a:alpha val="40000"/>
+              </a:prstClr>
+            </a:outerShdw>
+          </a:effectLst>
+        </p:spPr>
+        <p:style>
+          <a:lnRef idx="0">
+            <a:scrgbClr r="0" g="0" b="0"/>
+          </a:lnRef>
+          <a:fillRef idx="0">
+            <a:scrgbClr r="0" g="0" b="0"/>
+          </a:fillRef>
+          <a:effectRef idx="0">
+            <a:scrgbClr r="0" g="0" b="0"/>
+          </a:effectRef>
+          <a:fontRef idx="minor">
+            <a:schemeClr val="lt1"/>
+          </a:fontRef>
+        </p:style>
+        <p:txBody>
+          <a:bodyPr rtlCol="0" anchor="ctr"/>
+          <a:lstStyle/>
+          <a:p>
+            <a:pPr algn="ctr"/>
+            <a:endParaRPr lang="da-DK"/>
+          </a:p>
+        </p:txBody>
+      </p:sp>
+      <p:sp>
+        <p:nvSpPr>
+          <p:cNvPr id="8" name="Rektangel 7">
+            <a:extLst>
+              <a:ext uri="{FF2B5EF4-FFF2-40B4-BE49-F238E27FC236}">
+                <a16:creationId xmlns:a16="http://schemas.microsoft.com/office/drawing/2014/main" id="{4E704495-452A-432D-9258-5C51C2367F78}"/>
+              </a:ext>
+            </a:extLst>
+          </p:cNvPr>
+          <p:cNvSpPr/>
+          <p:nvPr/>
+        </p:nvSpPr>
+        <p:spPr>
+          <a:xfrm>
+            <a:off x="4882727" y="1698450"/>
+            <a:ext cx="2417354" cy="2408166"/>
+          </a:xfrm>
+          <a:prstGeom prst="rect">
+            <a:avLst/>
+          </a:prstGeom>
+          <a:solidFill>
+            <a:schemeClr val="accent1">
+              <a:alpha val="50000"/>
+            </a:schemeClr>
+          </a:solidFill>
+          <a:ln>
+            <a:noFill/>
+          </a:ln>
+          <a:effectLst>
+            <a:outerShdw blurRad="50800" dist="38100" dir="5400000" algn="t" rotWithShape="0">
+              <a:prstClr val="black">
+                <a:alpha val="40000"/>
+              </a:prstClr>
+            </a:outerShdw>
+          </a:effectLst>
+        </p:spPr>
+        <p:style>
+          <a:lnRef idx="0">
+            <a:scrgbClr r="0" g="0" b="0"/>
+          </a:lnRef>
+          <a:fillRef idx="0">
+            <a:scrgbClr r="0" g="0" b="0"/>
+          </a:fillRef>
+          <a:effectRef idx="0">
+            <a:scrgbClr r="0" g="0" b="0"/>
+          </a:effectRef>
+          <a:fontRef idx="minor">
+            <a:schemeClr val="lt1"/>
+          </a:fontRef>
+        </p:style>
+        <p:txBody>
+          <a:bodyPr rtlCol="0" anchor="ctr"/>
+          <a:lstStyle/>
+          <a:p>
+            <a:pPr algn="ctr"/>
+            <a:endParaRPr lang="da-DK"/>
+          </a:p>
+        </p:txBody>
+      </p:sp>
+      <p:sp>
+        <p:nvSpPr>
+          <p:cNvPr id="6" name="Pladsholder til tekst 5">
+            <a:extLst>
+              <a:ext uri="{FF2B5EF4-FFF2-40B4-BE49-F238E27FC236}">
+                <a16:creationId xmlns:a16="http://schemas.microsoft.com/office/drawing/2014/main" id="{69A0224E-9153-4C6A-9396-0256A6C33ABE}"/>
+              </a:ext>
+            </a:extLst>
+          </p:cNvPr>
+          <p:cNvSpPr>
+            <a:spLocks noGrp="1"/>
+          </p:cNvSpPr>
+          <p:nvPr>
+            <p:ph type="body" sz="quarter" idx="10"/>
+          </p:nvPr>
+        </p:nvSpPr>
+        <p:spPr/>
+        <p:txBody>
+          <a:bodyPr/>
+          <a:lstStyle/>
+          <a:p>
+            <a:r>
+              <a:rPr lang="da-DK" sz="5400" dirty="0"/>
+              <a:t>Kravene</a:t>
+            </a:r>
+          </a:p>
+        </p:txBody>
+      </p:sp>
+      <p:sp>
+        <p:nvSpPr>
+          <p:cNvPr id="10" name="Tekstfelt 9">
+            <a:extLst>
+              <a:ext uri="{FF2B5EF4-FFF2-40B4-BE49-F238E27FC236}">
+                <a16:creationId xmlns:a16="http://schemas.microsoft.com/office/drawing/2014/main" id="{7231CCB3-8354-47CD-98EF-74151BC4DA5E}"/>
+              </a:ext>
+            </a:extLst>
+          </p:cNvPr>
+          <p:cNvSpPr txBox="1"/>
+          <p:nvPr/>
+        </p:nvSpPr>
+        <p:spPr>
+          <a:xfrm>
+            <a:off x="1646693" y="1698450"/>
+            <a:ext cx="2417354" cy="369332"/>
+          </a:xfrm>
+          <a:prstGeom prst="rect">
+            <a:avLst/>
+          </a:prstGeom>
+          <a:noFill/>
+        </p:spPr>
+        <p:txBody>
+          <a:bodyPr wrap="square" rtlCol="0">
+            <a:spAutoFit/>
+          </a:bodyPr>
+          <a:lstStyle/>
+          <a:p>
+            <a:pPr algn="ctr"/>
+            <a:r>
+              <a:rPr lang="da-DK" dirty="0"/>
+              <a:t>Krav 1 – GUI</a:t>
+            </a:r>
+          </a:p>
+        </p:txBody>
+      </p:sp>
+      <p:sp>
+        <p:nvSpPr>
+          <p:cNvPr id="11" name="Tekstfelt 10">
+            <a:extLst>
+              <a:ext uri="{FF2B5EF4-FFF2-40B4-BE49-F238E27FC236}">
+                <a16:creationId xmlns:a16="http://schemas.microsoft.com/office/drawing/2014/main" id="{29AB4DD6-6564-421E-8CD3-065A8AF78B17}"/>
+              </a:ext>
+            </a:extLst>
+          </p:cNvPr>
+          <p:cNvSpPr txBox="1"/>
+          <p:nvPr/>
+        </p:nvSpPr>
+        <p:spPr>
+          <a:xfrm>
+            <a:off x="4882727" y="1698450"/>
+            <a:ext cx="2417354" cy="646331"/>
+          </a:xfrm>
+          <a:prstGeom prst="rect">
+            <a:avLst/>
+          </a:prstGeom>
+          <a:noFill/>
+        </p:spPr>
+        <p:txBody>
+          <a:bodyPr wrap="square" rtlCol="0">
+            <a:spAutoFit/>
+          </a:bodyPr>
+          <a:lstStyle/>
+          <a:p>
+            <a:pPr algn="ctr"/>
+            <a:r>
+              <a:rPr lang="da-DK" dirty="0"/>
+              <a:t>Krav 2 – </a:t>
+            </a:r>
+            <a:r>
+              <a:rPr lang="da-DK" dirty="0" err="1"/>
+              <a:t>Admini-strering</a:t>
+            </a:r>
+            <a:r>
+              <a:rPr lang="da-DK" dirty="0"/>
+              <a:t> af økonomi</a:t>
+            </a:r>
+          </a:p>
+        </p:txBody>
+      </p:sp>
+      <p:sp>
+        <p:nvSpPr>
+          <p:cNvPr id="12" name="Tekstfelt 11">
+            <a:extLst>
+              <a:ext uri="{FF2B5EF4-FFF2-40B4-BE49-F238E27FC236}">
+                <a16:creationId xmlns:a16="http://schemas.microsoft.com/office/drawing/2014/main" id="{BD7F9D07-BDBE-44D7-ADAB-5C84CC2D8E19}"/>
+              </a:ext>
+            </a:extLst>
+          </p:cNvPr>
+          <p:cNvSpPr txBox="1"/>
+          <p:nvPr/>
+        </p:nvSpPr>
+        <p:spPr>
+          <a:xfrm>
+            <a:off x="8127639" y="1698450"/>
+            <a:ext cx="2417354" cy="646331"/>
+          </a:xfrm>
+          <a:prstGeom prst="rect">
+            <a:avLst/>
+          </a:prstGeom>
+          <a:noFill/>
+        </p:spPr>
+        <p:txBody>
+          <a:bodyPr wrap="square" rtlCol="0">
+            <a:spAutoFit/>
+          </a:bodyPr>
+          <a:lstStyle/>
+          <a:p>
+            <a:pPr algn="ctr"/>
+            <a:r>
+              <a:rPr lang="da-DK" dirty="0"/>
+              <a:t>Krav 3 – Visning af økonomi </a:t>
+            </a:r>
+          </a:p>
+        </p:txBody>
+      </p:sp>
+      <p:cxnSp>
+        <p:nvCxnSpPr>
+          <p:cNvPr id="16" name="Lige forbindelse 15">
+            <a:extLst>
+              <a:ext uri="{FF2B5EF4-FFF2-40B4-BE49-F238E27FC236}">
+                <a16:creationId xmlns:a16="http://schemas.microsoft.com/office/drawing/2014/main" id="{E102B222-7F88-42B5-8175-1387DADAFCD7}"/>
+              </a:ext>
+            </a:extLst>
+          </p:cNvPr>
+          <p:cNvCxnSpPr>
+            <a:cxnSpLocks/>
+          </p:cNvCxnSpPr>
+          <p:nvPr/>
+        </p:nvCxnSpPr>
+        <p:spPr>
+          <a:xfrm>
+            <a:off x="4882727" y="2414726"/>
+            <a:ext cx="2419735" cy="0"/>
+          </a:xfrm>
+          <a:prstGeom prst="line">
+            <a:avLst/>
+          </a:prstGeom>
+          <a:ln w="38100">
+            <a:solidFill>
+              <a:schemeClr val="tx1"/>
+            </a:solidFill>
+          </a:ln>
+        </p:spPr>
+        <p:style>
+          <a:lnRef idx="1">
+            <a:schemeClr val="accent1"/>
+          </a:lnRef>
+          <a:fillRef idx="0">
+            <a:schemeClr val="accent1"/>
+          </a:fillRef>
+          <a:effectRef idx="0">
+            <a:schemeClr val="accent1"/>
+          </a:effectRef>
+          <a:fontRef idx="minor">
+            <a:schemeClr val="tx1"/>
+          </a:fontRef>
+        </p:style>
+      </p:cxnSp>
+      <p:cxnSp>
+        <p:nvCxnSpPr>
+          <p:cNvPr id="17" name="Lige forbindelse 16">
+            <a:extLst>
+              <a:ext uri="{FF2B5EF4-FFF2-40B4-BE49-F238E27FC236}">
+                <a16:creationId xmlns:a16="http://schemas.microsoft.com/office/drawing/2014/main" id="{8EAA8C6C-CEEF-47AF-88BA-B62E11CB22DE}"/>
+              </a:ext>
+            </a:extLst>
+          </p:cNvPr>
+          <p:cNvCxnSpPr/>
+          <p:nvPr/>
+        </p:nvCxnSpPr>
+        <p:spPr>
+          <a:xfrm>
+            <a:off x="1646693" y="2416205"/>
+            <a:ext cx="2417354" cy="0"/>
+          </a:xfrm>
+          <a:prstGeom prst="line">
+            <a:avLst/>
+          </a:prstGeom>
+          <a:ln w="38100">
+            <a:solidFill>
+              <a:schemeClr val="tx1"/>
+            </a:solidFill>
+          </a:ln>
+        </p:spPr>
+        <p:style>
+          <a:lnRef idx="1">
+            <a:schemeClr val="accent1"/>
+          </a:lnRef>
+          <a:fillRef idx="0">
+            <a:schemeClr val="accent1"/>
+          </a:fillRef>
+          <a:effectRef idx="0">
+            <a:schemeClr val="accent1"/>
+          </a:effectRef>
+          <a:fontRef idx="minor">
+            <a:schemeClr val="tx1"/>
+          </a:fontRef>
+        </p:style>
+      </p:cxnSp>
+      <p:cxnSp>
+        <p:nvCxnSpPr>
+          <p:cNvPr id="18" name="Lige forbindelse 17">
+            <a:extLst>
+              <a:ext uri="{FF2B5EF4-FFF2-40B4-BE49-F238E27FC236}">
+                <a16:creationId xmlns:a16="http://schemas.microsoft.com/office/drawing/2014/main" id="{E5CB2675-4D18-49C2-A6C9-0960FE792B6A}"/>
+              </a:ext>
+            </a:extLst>
+          </p:cNvPr>
+          <p:cNvCxnSpPr/>
+          <p:nvPr/>
+        </p:nvCxnSpPr>
+        <p:spPr>
+          <a:xfrm>
+            <a:off x="8127639" y="2414726"/>
+            <a:ext cx="2417354" cy="0"/>
+          </a:xfrm>
+          <a:prstGeom prst="line">
+            <a:avLst/>
+          </a:prstGeom>
+          <a:ln w="38100">
+            <a:solidFill>
+              <a:schemeClr val="tx1"/>
+            </a:solidFill>
+          </a:ln>
+        </p:spPr>
+        <p:style>
+          <a:lnRef idx="1">
+            <a:schemeClr val="accent1"/>
+          </a:lnRef>
+          <a:fillRef idx="0">
+            <a:schemeClr val="accent1"/>
+          </a:fillRef>
+          <a:effectRef idx="0">
+            <a:schemeClr val="accent1"/>
+          </a:effectRef>
+          <a:fontRef idx="minor">
+            <a:schemeClr val="tx1"/>
+          </a:fontRef>
+        </p:style>
+      </p:cxnSp>
+      <p:sp>
+        <p:nvSpPr>
+          <p:cNvPr id="23" name="Tekstfelt 22">
+            <a:extLst>
+              <a:ext uri="{FF2B5EF4-FFF2-40B4-BE49-F238E27FC236}">
+                <a16:creationId xmlns:a16="http://schemas.microsoft.com/office/drawing/2014/main" id="{DD418DAE-A7BA-49DD-B6A9-307207F51B3E}"/>
+              </a:ext>
+            </a:extLst>
+          </p:cNvPr>
+          <p:cNvSpPr txBox="1"/>
+          <p:nvPr/>
+        </p:nvSpPr>
+        <p:spPr>
+          <a:xfrm>
+            <a:off x="1703843" y="2543175"/>
+            <a:ext cx="2296657" cy="1077218"/>
+          </a:xfrm>
+          <a:prstGeom prst="rect">
+            <a:avLst/>
+          </a:prstGeom>
+          <a:noFill/>
+        </p:spPr>
+        <p:txBody>
+          <a:bodyPr wrap="square" rtlCol="0">
+            <a:spAutoFit/>
+          </a:bodyPr>
+          <a:lstStyle/>
+          <a:p>
+            <a:pPr marL="285750" indent="-285750">
+              <a:buFont typeface="Wingdings" panose="05000000000000000000" pitchFamily="2" charset="2"/>
+              <a:buChar char="q"/>
+            </a:pPr>
+            <a:r>
+              <a:rPr lang="da-DK" sz="1600" dirty="0"/>
+              <a:t>Indtaste oplysninger</a:t>
+            </a:r>
+          </a:p>
+          <a:p>
+            <a:pPr marL="285750" indent="-285750">
+              <a:buFont typeface="Wingdings" panose="05000000000000000000" pitchFamily="2" charset="2"/>
+              <a:buChar char="q"/>
+            </a:pPr>
+            <a:r>
+              <a:rPr lang="da-DK" sz="1600" dirty="0"/>
+              <a:t>Oprette kategorier</a:t>
+            </a:r>
+          </a:p>
+          <a:p>
+            <a:pPr marL="285750" indent="-285750">
+              <a:buFont typeface="Wingdings" panose="05000000000000000000" pitchFamily="2" charset="2"/>
+              <a:buChar char="q"/>
+            </a:pPr>
+            <a:r>
+              <a:rPr lang="da-DK" sz="1600" dirty="0"/>
+              <a:t>Vise oplysninger</a:t>
+            </a:r>
+            <a:endParaRPr lang="da-DK" sz="200" dirty="0"/>
+          </a:p>
+          <a:p>
+            <a:pPr marL="285750" indent="-285750">
+              <a:buFont typeface="Wingdings" panose="05000000000000000000" pitchFamily="2" charset="2"/>
+              <a:buChar char="q"/>
+            </a:pPr>
+            <a:endParaRPr lang="da-DK" sz="1600" dirty="0"/>
+          </a:p>
+        </p:txBody>
+      </p:sp>
+      <p:sp>
+        <p:nvSpPr>
+          <p:cNvPr id="26" name="Tekstfelt 25">
+            <a:extLst>
+              <a:ext uri="{FF2B5EF4-FFF2-40B4-BE49-F238E27FC236}">
+                <a16:creationId xmlns:a16="http://schemas.microsoft.com/office/drawing/2014/main" id="{01CB82C3-97F1-42E0-80A8-26D948983A89}"/>
+              </a:ext>
+            </a:extLst>
+          </p:cNvPr>
+          <p:cNvSpPr txBox="1"/>
+          <p:nvPr/>
+        </p:nvSpPr>
+        <p:spPr>
+          <a:xfrm>
+            <a:off x="4943075" y="2540474"/>
+            <a:ext cx="2296657" cy="584775"/>
+          </a:xfrm>
+          <a:prstGeom prst="rect">
+            <a:avLst/>
+          </a:prstGeom>
+          <a:noFill/>
+        </p:spPr>
+        <p:txBody>
+          <a:bodyPr wrap="square" rtlCol="0">
+            <a:spAutoFit/>
+          </a:bodyPr>
+          <a:lstStyle/>
+          <a:p>
+            <a:pPr marL="285750" indent="-285750">
+              <a:buFont typeface="Wingdings" panose="05000000000000000000" pitchFamily="2" charset="2"/>
+              <a:buChar char="q"/>
+            </a:pPr>
+            <a:r>
+              <a:rPr lang="da-DK" sz="1600" dirty="0"/>
+              <a:t>Udregne kontosaldo</a:t>
+            </a:r>
+          </a:p>
+          <a:p>
+            <a:pPr marL="285750" indent="-285750">
+              <a:buFont typeface="Wingdings" panose="05000000000000000000" pitchFamily="2" charset="2"/>
+              <a:buChar char="q"/>
+            </a:pPr>
+            <a:r>
+              <a:rPr lang="da-DK" sz="1600" dirty="0"/>
+              <a:t>Løn fra arbejde</a:t>
+            </a:r>
+          </a:p>
+        </p:txBody>
+      </p:sp>
+      <p:sp>
+        <p:nvSpPr>
+          <p:cNvPr id="27" name="Tekstfelt 26">
+            <a:extLst>
+              <a:ext uri="{FF2B5EF4-FFF2-40B4-BE49-F238E27FC236}">
+                <a16:creationId xmlns:a16="http://schemas.microsoft.com/office/drawing/2014/main" id="{16FDB17F-74DB-4D7E-8E43-EF2748B3083E}"/>
+              </a:ext>
+            </a:extLst>
+          </p:cNvPr>
+          <p:cNvSpPr txBox="1"/>
+          <p:nvPr/>
+        </p:nvSpPr>
+        <p:spPr>
+          <a:xfrm>
+            <a:off x="8191500" y="2540474"/>
+            <a:ext cx="2296657" cy="1323439"/>
+          </a:xfrm>
+          <a:prstGeom prst="rect">
+            <a:avLst/>
+          </a:prstGeom>
+          <a:noFill/>
+        </p:spPr>
+        <p:txBody>
+          <a:bodyPr wrap="square" rtlCol="0">
+            <a:spAutoFit/>
+          </a:bodyPr>
+          <a:lstStyle/>
+          <a:p>
+            <a:pPr marL="285750" indent="-285750">
+              <a:buFont typeface="Wingdings" panose="05000000000000000000" pitchFamily="2" charset="2"/>
+              <a:buChar char="q"/>
+            </a:pPr>
+            <a:r>
+              <a:rPr lang="da-DK" sz="1600" dirty="0"/>
+              <a:t>Nuværende konto-saldo</a:t>
+            </a:r>
+          </a:p>
+          <a:p>
+            <a:pPr marL="285750" indent="-285750">
+              <a:buFont typeface="Wingdings" panose="05000000000000000000" pitchFamily="2" charset="2"/>
+              <a:buChar char="q"/>
+            </a:pPr>
+            <a:r>
+              <a:rPr lang="da-DK" sz="1600" dirty="0"/>
+              <a:t>Kontosaldo for forskellige dage på graf</a:t>
+            </a:r>
+          </a:p>
+        </p:txBody>
+      </p:sp>
+    </p:spTree>
+    <p:extLst>
+      <p:ext uri="{BB962C8B-B14F-4D97-AF65-F5344CB8AC3E}">
+        <p14:creationId xmlns:p14="http://schemas.microsoft.com/office/powerpoint/2010/main" val="1682857704"/>
+      </p:ext>
+    </p:extLst>
+  </p:cSld>
+  <p:clrMapOvr>
+    <a:masterClrMapping/>
+  </p:clrMapOvr>
+</p:sld>
+</file>
+
+<file path=ppt/slides/slide4.xml><?xml version="1.0" encoding="utf-8"?>
+<p:sld xmlns:a="http://schemas.openxmlformats.org/drawingml/2006/main" xmlns:r="http://schemas.openxmlformats.org/officeDocument/2006/relationships" xmlns:p="http://schemas.openxmlformats.org/presentationml/2006/main">
+  <p:cSld>
+    <p:spTree>
+      <p:nvGrpSpPr>
+        <p:cNvPr id="1" name=""/>
+        <p:cNvGrpSpPr/>
+        <p:nvPr/>
+      </p:nvGrpSpPr>
+      <p:grpSpPr>
+        <a:xfrm>
+          <a:off x="0" y="0"/>
+          <a:ext cx="0" cy="0"/>
+          <a:chOff x="0" y="0"/>
+          <a:chExt cx="0" cy="0"/>
+        </a:xfrm>
+      </p:grpSpPr>
+      <p:sp>
+        <p:nvSpPr>
+          <p:cNvPr id="7" name="Pladsholder til tekst 6">
+            <a:extLst>
+              <a:ext uri="{FF2B5EF4-FFF2-40B4-BE49-F238E27FC236}">
+                <a16:creationId xmlns:a16="http://schemas.microsoft.com/office/drawing/2014/main" id="{FCA0AA39-1CD0-4FDB-A545-079F662DFBD7}"/>
+              </a:ext>
+            </a:extLst>
+          </p:cNvPr>
+          <p:cNvSpPr>
+            <a:spLocks noGrp="1"/>
+          </p:cNvSpPr>
+          <p:nvPr>
+            <p:ph type="body" sz="quarter" idx="10"/>
+          </p:nvPr>
+        </p:nvSpPr>
+        <p:spPr/>
+        <p:txBody>
+          <a:bodyPr/>
+          <a:lstStyle/>
+          <a:p>
+            <a:pPr algn="ctr"/>
+            <a:r>
+              <a:rPr lang="da-DK" dirty="0"/>
+              <a:t>Begrundelse for design – Hoved skærm </a:t>
+            </a:r>
+          </a:p>
+        </p:txBody>
+      </p:sp>
+    </p:spTree>
+    <p:extLst>
+      <p:ext uri="{BB962C8B-B14F-4D97-AF65-F5344CB8AC3E}">
+        <p14:creationId xmlns:p14="http://schemas.microsoft.com/office/powerpoint/2010/main" val="2402991267"/>
       </p:ext>
     </p:extLst>
   </p:cSld>

--- a/Eksamensprojekt - Max/Præsentation/Præsentation af eksamensprojekt.pptx
+++ b/Eksamensprojekt - Max/Præsentation/Præsentation af eksamensprojekt.pptx
@@ -6,16 +6,19 @@
     <p:sldMasterId id="2147483698" r:id="rId2"/>
   </p:sldMasterIdLst>
   <p:notesMasterIdLst>
-    <p:notesMasterId r:id="rId7"/>
+    <p:notesMasterId r:id="rId10"/>
   </p:notesMasterIdLst>
   <p:handoutMasterIdLst>
-    <p:handoutMasterId r:id="rId8"/>
+    <p:handoutMasterId r:id="rId11"/>
   </p:handoutMasterIdLst>
   <p:sldIdLst>
     <p:sldId id="256" r:id="rId3"/>
     <p:sldId id="258" r:id="rId4"/>
     <p:sldId id="259" r:id="rId5"/>
     <p:sldId id="260" r:id="rId6"/>
+    <p:sldId id="261" r:id="rId7"/>
+    <p:sldId id="262" r:id="rId8"/>
+    <p:sldId id="263" r:id="rId9"/>
   </p:sldIdLst>
   <p:sldSz cx="12192000" cy="6858000"/>
   <p:notesSz cx="6858000" cy="9144000"/>
@@ -124,7 +127,7 @@
 
 <file path=ppt/commentAuthors.xml><?xml version="1.0" encoding="utf-8"?>
 <p:cmAuthorLst xmlns:a="http://schemas.openxmlformats.org/drawingml/2006/main" xmlns:r="http://schemas.openxmlformats.org/officeDocument/2006/relationships" xmlns:p="http://schemas.openxmlformats.org/presentationml/2006/main">
-  <p:cmAuthor id="1" name="Max Hansen" initials="MH" lastIdx="2" clrIdx="0">
+  <p:cmAuthor id="1" name="Max Hansen" initials="MH" lastIdx="3" clrIdx="0">
     <p:extLst>
       <p:ext uri="{19B8F6BF-5375-455C-9EA6-DF929625EA0E}">
         <p15:presenceInfo xmlns:p15="http://schemas.microsoft.com/office/powerpoint/2012/main" userId="788b532f834497d9" providerId="Windows Live"/>
@@ -140,6 +143,20 @@
     <p:pos x="5213" y="2502"/>
     <p:text>Max Hansen	10-06-2020
 Flowdiagram</p:text>
+    <p:extLst>
+      <p:ext uri="{C676402C-5697-4E1C-873F-D02D1690AC5C}">
+        <p15:threadingInfo xmlns:p15="http://schemas.microsoft.com/office/powerpoint/2012/main" timeZoneBias="-120"/>
+      </p:ext>
+    </p:extLst>
+  </p:cm>
+</p:cmLst>
+</file>
+
+<file path=ppt/comments/comment2.xml><?xml version="1.0" encoding="utf-8"?>
+<p:cmLst xmlns:a="http://schemas.openxmlformats.org/drawingml/2006/main" xmlns:r="http://schemas.openxmlformats.org/officeDocument/2006/relationships" xmlns:p="http://schemas.openxmlformats.org/presentationml/2006/main">
+  <p:cm authorId="1" dt="2020-06-17T10:20:49.261" idx="3">
+    <p:pos x="6868" y="1259"/>
+    <p:text>HUSK AT VERIFY_PASSWORD OG HASH_PASSWORD ER FRA NETTET</p:text>
     <p:extLst>
       <p:ext uri="{C676402C-5697-4E1C-873F-D02D1690AC5C}">
         <p15:threadingInfo xmlns:p15="http://schemas.microsoft.com/office/powerpoint/2012/main" timeZoneBias="-120"/>
@@ -243,7 +260,7 @@
           <a:p>
             <a:fld id="{496FCD50-C1A0-482B-BC86-90B92CB2FE42}" type="datetimeFigureOut">
               <a:rPr lang="da-DK" smtClean="0"/>
-              <a:t>14-06-2020</a:t>
+              <a:t>17-06-2020</a:t>
             </a:fld>
             <a:endParaRPr lang="da-DK"/>
           </a:p>
@@ -421,7 +438,7 @@
           <a:p>
             <a:fld id="{86FDA1C0-1334-4D8B-BA9D-24D0A591AB05}" type="datetimeFigureOut">
               <a:rPr lang="da-DK" smtClean="0"/>
-              <a:t>14-06-2020</a:t>
+              <a:t>17-06-2020</a:t>
             </a:fld>
             <a:endParaRPr lang="da-DK"/>
           </a:p>
@@ -5381,7 +5398,7 @@
           <a:p>
             <a:fld id="{FF082D74-0F04-403B-AC9F-887F607CB20D}" type="datetimeFigureOut">
               <a:rPr lang="en-US" smtClean="0"/>
-              <a:t>6/14/2020</a:t>
+              <a:t>6/17/2020</a:t>
             </a:fld>
             <a:endParaRPr lang="en-US"/>
           </a:p>
@@ -15212,7 +15229,7 @@
           <a:p>
             <a:fld id="{FF082D74-0F04-403B-AC9F-887F607CB20D}" type="datetimeFigureOut">
               <a:rPr lang="en-US" smtClean="0"/>
-              <a:t>6/14/2020</a:t>
+              <a:t>6/17/2020</a:t>
             </a:fld>
             <a:endParaRPr lang="en-US"/>
           </a:p>
@@ -20864,6 +20881,63 @@
       </p:grpSpPr>
       <p:sp>
         <p:nvSpPr>
+          <p:cNvPr id="5" name="Rektangel: afrundede hjørner 4">
+            <a:extLst>
+              <a:ext uri="{FF2B5EF4-FFF2-40B4-BE49-F238E27FC236}">
+                <a16:creationId xmlns:a16="http://schemas.microsoft.com/office/drawing/2014/main" id="{5FFD3DF5-2D43-4ECE-BA4E-F52CC8436116}"/>
+              </a:ext>
+            </a:extLst>
+          </p:cNvPr>
+          <p:cNvSpPr/>
+          <p:nvPr/>
+        </p:nvSpPr>
+        <p:spPr>
+          <a:xfrm>
+            <a:off x="570451" y="116735"/>
+            <a:ext cx="11056689" cy="655782"/>
+          </a:xfrm>
+          <a:prstGeom prst="roundRect">
+            <a:avLst/>
+          </a:prstGeom>
+          <a:gradFill>
+            <a:gsLst>
+              <a:gs pos="0">
+                <a:srgbClr val="0070C0"/>
+              </a:gs>
+              <a:gs pos="50000">
+                <a:srgbClr val="0070C0"/>
+              </a:gs>
+              <a:gs pos="100000">
+                <a:srgbClr val="0070C0"/>
+              </a:gs>
+            </a:gsLst>
+          </a:gradFill>
+        </p:spPr>
+        <p:style>
+          <a:lnRef idx="0">
+            <a:schemeClr val="accent2"/>
+          </a:lnRef>
+          <a:fillRef idx="3">
+            <a:schemeClr val="accent2"/>
+          </a:fillRef>
+          <a:effectRef idx="3">
+            <a:schemeClr val="accent2"/>
+          </a:effectRef>
+          <a:fontRef idx="minor">
+            <a:schemeClr val="lt1"/>
+          </a:fontRef>
+        </p:style>
+        <p:txBody>
+          <a:bodyPr rtlCol="0" anchor="ctr"/>
+          <a:lstStyle/>
+          <a:p>
+            <a:pPr algn="ctr"/>
+            <a:endParaRPr lang="da-DK"/>
+          </a:p>
+        </p:txBody>
+      </p:sp>
+      <p:sp>
+        <p:nvSpPr>
           <p:cNvPr id="7" name="Pladsholder til tekst 6">
             <a:extLst>
               <a:ext uri="{FF2B5EF4-FFF2-40B4-BE49-F238E27FC236}">
@@ -20878,23 +20952,558 @@
             <p:ph type="body" sz="quarter" idx="10"/>
           </p:nvPr>
         </p:nvSpPr>
-        <p:spPr/>
+        <p:spPr>
+          <a:xfrm>
+            <a:off x="414444" y="150516"/>
+            <a:ext cx="11363111" cy="588220"/>
+          </a:xfrm>
+        </p:spPr>
         <p:txBody>
           <a:bodyPr/>
           <a:lstStyle/>
           <a:p>
             <a:pPr algn="ctr"/>
             <a:r>
-              <a:rPr lang="da-DK" dirty="0"/>
+              <a:rPr lang="da-DK" sz="5400" dirty="0"/>
               <a:t>Begrundelse for design – Hoved skærm </a:t>
             </a:r>
           </a:p>
         </p:txBody>
       </p:sp>
+      <p:pic>
+        <p:nvPicPr>
+          <p:cNvPr id="3" name="Billede 2">
+            <a:extLst>
+              <a:ext uri="{FF2B5EF4-FFF2-40B4-BE49-F238E27FC236}">
+                <a16:creationId xmlns:a16="http://schemas.microsoft.com/office/drawing/2014/main" id="{CB19D949-51A2-4677-BC77-084A2E3D9A1B}"/>
+              </a:ext>
+            </a:extLst>
+          </p:cNvPr>
+          <p:cNvPicPr>
+            <a:picLocks noChangeAspect="1"/>
+          </p:cNvPicPr>
+          <p:nvPr/>
+        </p:nvPicPr>
+        <p:blipFill>
+          <a:blip r:embed="rId2">
+            <a:extLst>
+              <a:ext uri="{28A0092B-C50C-407E-A947-70E740481C1C}">
+                <a14:useLocalDpi xmlns:a14="http://schemas.microsoft.com/office/drawing/2010/main" val="0"/>
+              </a:ext>
+            </a:extLst>
+          </a:blip>
+          <a:srcRect/>
+          <a:stretch/>
+        </p:blipFill>
+        <p:spPr>
+          <a:xfrm>
+            <a:off x="1296098" y="970200"/>
+            <a:ext cx="9599802" cy="5199892"/>
+          </a:xfrm>
+          <a:prstGeom prst="rect">
+            <a:avLst/>
+          </a:prstGeom>
+        </p:spPr>
+      </p:pic>
     </p:spTree>
     <p:extLst>
       <p:ext uri="{BB962C8B-B14F-4D97-AF65-F5344CB8AC3E}">
         <p14:creationId xmlns:p14="http://schemas.microsoft.com/office/powerpoint/2010/main" val="2402991267"/>
+      </p:ext>
+    </p:extLst>
+  </p:cSld>
+  <p:clrMapOvr>
+    <a:masterClrMapping/>
+  </p:clrMapOvr>
+</p:sld>
+</file>
+
+<file path=ppt/slides/slide5.xml><?xml version="1.0" encoding="utf-8"?>
+<p:sld xmlns:a="http://schemas.openxmlformats.org/drawingml/2006/main" xmlns:r="http://schemas.openxmlformats.org/officeDocument/2006/relationships" xmlns:p="http://schemas.openxmlformats.org/presentationml/2006/main">
+  <p:cSld>
+    <p:spTree>
+      <p:nvGrpSpPr>
+        <p:cNvPr id="1" name=""/>
+        <p:cNvGrpSpPr/>
+        <p:nvPr/>
+      </p:nvGrpSpPr>
+      <p:grpSpPr>
+        <a:xfrm>
+          <a:off x="0" y="0"/>
+          <a:ext cx="0" cy="0"/>
+          <a:chOff x="0" y="0"/>
+          <a:chExt cx="0" cy="0"/>
+        </a:xfrm>
+      </p:grpSpPr>
+      <p:sp>
+        <p:nvSpPr>
+          <p:cNvPr id="4" name="Rektangel: afrundede hjørner 3">
+            <a:extLst>
+              <a:ext uri="{FF2B5EF4-FFF2-40B4-BE49-F238E27FC236}">
+                <a16:creationId xmlns:a16="http://schemas.microsoft.com/office/drawing/2014/main" id="{F2D50217-59D9-4850-8595-3EAD4FB40E27}"/>
+              </a:ext>
+            </a:extLst>
+          </p:cNvPr>
+          <p:cNvSpPr/>
+          <p:nvPr/>
+        </p:nvSpPr>
+        <p:spPr>
+          <a:xfrm>
+            <a:off x="570451" y="116735"/>
+            <a:ext cx="11056689" cy="655782"/>
+          </a:xfrm>
+          <a:prstGeom prst="roundRect">
+            <a:avLst/>
+          </a:prstGeom>
+          <a:gradFill>
+            <a:gsLst>
+              <a:gs pos="0">
+                <a:srgbClr val="0070C0"/>
+              </a:gs>
+              <a:gs pos="50000">
+                <a:srgbClr val="0070C0"/>
+              </a:gs>
+              <a:gs pos="100000">
+                <a:srgbClr val="0070C0"/>
+              </a:gs>
+            </a:gsLst>
+          </a:gradFill>
+        </p:spPr>
+        <p:style>
+          <a:lnRef idx="0">
+            <a:schemeClr val="accent2"/>
+          </a:lnRef>
+          <a:fillRef idx="3">
+            <a:schemeClr val="accent2"/>
+          </a:fillRef>
+          <a:effectRef idx="3">
+            <a:schemeClr val="accent2"/>
+          </a:effectRef>
+          <a:fontRef idx="minor">
+            <a:schemeClr val="lt1"/>
+          </a:fontRef>
+        </p:style>
+        <p:txBody>
+          <a:bodyPr rtlCol="0" anchor="ctr"/>
+          <a:lstStyle/>
+          <a:p>
+            <a:pPr algn="ctr"/>
+            <a:endParaRPr lang="da-DK"/>
+          </a:p>
+        </p:txBody>
+      </p:sp>
+      <p:sp>
+        <p:nvSpPr>
+          <p:cNvPr id="3" name="Pladsholder til tekst 2">
+            <a:extLst>
+              <a:ext uri="{FF2B5EF4-FFF2-40B4-BE49-F238E27FC236}">
+                <a16:creationId xmlns:a16="http://schemas.microsoft.com/office/drawing/2014/main" id="{2F7A50E8-0359-4765-A749-40C8E5750F42}"/>
+              </a:ext>
+            </a:extLst>
+          </p:cNvPr>
+          <p:cNvSpPr>
+            <a:spLocks noGrp="1"/>
+          </p:cNvSpPr>
+          <p:nvPr>
+            <p:ph type="body" sz="quarter" idx="10"/>
+          </p:nvPr>
+        </p:nvSpPr>
+        <p:spPr>
+          <a:xfrm>
+            <a:off x="414444" y="150516"/>
+            <a:ext cx="11363111" cy="588220"/>
+          </a:xfrm>
+        </p:spPr>
+        <p:txBody>
+          <a:bodyPr/>
+          <a:lstStyle/>
+          <a:p>
+            <a:pPr algn="ctr"/>
+            <a:r>
+              <a:rPr lang="da-DK" sz="5400" dirty="0"/>
+              <a:t>Begrundelse for design – Login-system</a:t>
+            </a:r>
+          </a:p>
+        </p:txBody>
+      </p:sp>
+      <p:pic>
+        <p:nvPicPr>
+          <p:cNvPr id="7" name="Billede 6" descr="Et billede, der indeholder skærmbillede&#10;&#10;Automatisk genereret beskrivelse">
+            <a:extLst>
+              <a:ext uri="{FF2B5EF4-FFF2-40B4-BE49-F238E27FC236}">
+                <a16:creationId xmlns:a16="http://schemas.microsoft.com/office/drawing/2014/main" id="{0A44E8BE-6760-44E1-B261-C1ECA56A03A0}"/>
+              </a:ext>
+            </a:extLst>
+          </p:cNvPr>
+          <p:cNvPicPr>
+            <a:picLocks noChangeAspect="1"/>
+          </p:cNvPicPr>
+          <p:nvPr/>
+        </p:nvPicPr>
+        <p:blipFill>
+          <a:blip r:embed="rId2">
+            <a:extLst>
+              <a:ext uri="{28A0092B-C50C-407E-A947-70E740481C1C}">
+                <a14:useLocalDpi xmlns:a14="http://schemas.microsoft.com/office/drawing/2010/main" val="0"/>
+              </a:ext>
+            </a:extLst>
+          </a:blip>
+          <a:stretch>
+            <a:fillRect/>
+          </a:stretch>
+        </p:blipFill>
+        <p:spPr>
+          <a:xfrm>
+            <a:off x="481821" y="1826463"/>
+            <a:ext cx="3067478" cy="2172003"/>
+          </a:xfrm>
+          <a:prstGeom prst="rect">
+            <a:avLst/>
+          </a:prstGeom>
+        </p:spPr>
+      </p:pic>
+      <p:pic>
+        <p:nvPicPr>
+          <p:cNvPr id="9" name="Billede 8" descr="Et billede, der indeholder skærmbillede&#10;&#10;Automatisk genereret beskrivelse">
+            <a:extLst>
+              <a:ext uri="{FF2B5EF4-FFF2-40B4-BE49-F238E27FC236}">
+                <a16:creationId xmlns:a16="http://schemas.microsoft.com/office/drawing/2014/main" id="{EB53DF09-7C3B-4261-8CFC-1C1936DE411E}"/>
+              </a:ext>
+            </a:extLst>
+          </p:cNvPr>
+          <p:cNvPicPr>
+            <a:picLocks noChangeAspect="1"/>
+          </p:cNvPicPr>
+          <p:nvPr/>
+        </p:nvPicPr>
+        <p:blipFill>
+          <a:blip r:embed="rId3">
+            <a:extLst>
+              <a:ext uri="{28A0092B-C50C-407E-A947-70E740481C1C}">
+                <a14:useLocalDpi xmlns:a14="http://schemas.microsoft.com/office/drawing/2010/main" val="0"/>
+              </a:ext>
+            </a:extLst>
+          </a:blip>
+          <a:stretch>
+            <a:fillRect/>
+          </a:stretch>
+        </p:blipFill>
+        <p:spPr>
+          <a:xfrm>
+            <a:off x="6253597" y="1045305"/>
+            <a:ext cx="2305372" cy="3734321"/>
+          </a:xfrm>
+          <a:prstGeom prst="rect">
+            <a:avLst/>
+          </a:prstGeom>
+        </p:spPr>
+      </p:pic>
+      <p:pic>
+        <p:nvPicPr>
+          <p:cNvPr id="11" name="Billede 10">
+            <a:extLst>
+              <a:ext uri="{FF2B5EF4-FFF2-40B4-BE49-F238E27FC236}">
+                <a16:creationId xmlns:a16="http://schemas.microsoft.com/office/drawing/2014/main" id="{45E74FC3-2461-41F2-B254-9B6D2B02F49B}"/>
+              </a:ext>
+            </a:extLst>
+          </p:cNvPr>
+          <p:cNvPicPr>
+            <a:picLocks noChangeAspect="1"/>
+          </p:cNvPicPr>
+          <p:nvPr/>
+        </p:nvPicPr>
+        <p:blipFill>
+          <a:blip r:embed="rId4">
+            <a:extLst>
+              <a:ext uri="{28A0092B-C50C-407E-A947-70E740481C1C}">
+                <a14:useLocalDpi xmlns:a14="http://schemas.microsoft.com/office/drawing/2010/main" val="0"/>
+              </a:ext>
+            </a:extLst>
+          </a:blip>
+          <a:srcRect/>
+          <a:stretch/>
+        </p:blipFill>
+        <p:spPr>
+          <a:xfrm>
+            <a:off x="8874162" y="2383216"/>
+            <a:ext cx="2305372" cy="3734321"/>
+          </a:xfrm>
+          <a:prstGeom prst="rect">
+            <a:avLst/>
+          </a:prstGeom>
+        </p:spPr>
+      </p:pic>
+      <p:pic>
+        <p:nvPicPr>
+          <p:cNvPr id="13" name="Billede 12">
+            <a:extLst>
+              <a:ext uri="{FF2B5EF4-FFF2-40B4-BE49-F238E27FC236}">
+                <a16:creationId xmlns:a16="http://schemas.microsoft.com/office/drawing/2014/main" id="{E037027E-C070-48CA-AB31-DE1682DB2002}"/>
+              </a:ext>
+            </a:extLst>
+          </p:cNvPr>
+          <p:cNvPicPr>
+            <a:picLocks noChangeAspect="1"/>
+          </p:cNvPicPr>
+          <p:nvPr/>
+        </p:nvPicPr>
+        <p:blipFill>
+          <a:blip r:embed="rId5">
+            <a:extLst>
+              <a:ext uri="{28A0092B-C50C-407E-A947-70E740481C1C}">
+                <a14:useLocalDpi xmlns:a14="http://schemas.microsoft.com/office/drawing/2010/main" val="0"/>
+              </a:ext>
+            </a:extLst>
+          </a:blip>
+          <a:srcRect/>
+          <a:stretch/>
+        </p:blipFill>
+        <p:spPr>
+          <a:xfrm>
+            <a:off x="2870926" y="4372163"/>
+            <a:ext cx="3067478" cy="2172003"/>
+          </a:xfrm>
+          <a:prstGeom prst="rect">
+            <a:avLst/>
+          </a:prstGeom>
+        </p:spPr>
+      </p:pic>
+    </p:spTree>
+    <p:extLst>
+      <p:ext uri="{BB962C8B-B14F-4D97-AF65-F5344CB8AC3E}">
+        <p14:creationId xmlns:p14="http://schemas.microsoft.com/office/powerpoint/2010/main" val="2327709917"/>
+      </p:ext>
+    </p:extLst>
+  </p:cSld>
+  <p:clrMapOvr>
+    <a:masterClrMapping/>
+  </p:clrMapOvr>
+</p:sld>
+</file>
+
+<file path=ppt/slides/slide6.xml><?xml version="1.0" encoding="utf-8"?>
+<p:sld xmlns:a="http://schemas.openxmlformats.org/drawingml/2006/main" xmlns:r="http://schemas.openxmlformats.org/officeDocument/2006/relationships" xmlns:p="http://schemas.openxmlformats.org/presentationml/2006/main">
+  <p:cSld>
+    <p:spTree>
+      <p:nvGrpSpPr>
+        <p:cNvPr id="1" name=""/>
+        <p:cNvGrpSpPr/>
+        <p:nvPr/>
+      </p:nvGrpSpPr>
+      <p:grpSpPr>
+        <a:xfrm>
+          <a:off x="0" y="0"/>
+          <a:ext cx="0" cy="0"/>
+          <a:chOff x="0" y="0"/>
+          <a:chExt cx="0" cy="0"/>
+        </a:xfrm>
+      </p:grpSpPr>
+      <p:sp>
+        <p:nvSpPr>
+          <p:cNvPr id="2" name="Pladsholder til tekst 1">
+            <a:extLst>
+              <a:ext uri="{FF2B5EF4-FFF2-40B4-BE49-F238E27FC236}">
+                <a16:creationId xmlns:a16="http://schemas.microsoft.com/office/drawing/2014/main" id="{12D8E343-2A0D-4B56-80D5-B58B2241A96C}"/>
+              </a:ext>
+            </a:extLst>
+          </p:cNvPr>
+          <p:cNvSpPr>
+            <a:spLocks noGrp="1"/>
+          </p:cNvSpPr>
+          <p:nvPr>
+            <p:ph type="body" sz="quarter" idx="11"/>
+          </p:nvPr>
+        </p:nvSpPr>
+        <p:spPr/>
+        <p:txBody>
+          <a:bodyPr/>
+          <a:lstStyle/>
+          <a:p>
+            <a:endParaRPr lang="da-DK"/>
+          </a:p>
+        </p:txBody>
+      </p:sp>
+      <p:sp>
+        <p:nvSpPr>
+          <p:cNvPr id="3" name="Pladsholder til tekst 2">
+            <a:extLst>
+              <a:ext uri="{FF2B5EF4-FFF2-40B4-BE49-F238E27FC236}">
+                <a16:creationId xmlns:a16="http://schemas.microsoft.com/office/drawing/2014/main" id="{CA6BD9EF-6CC4-4A5D-A45C-37C1D7777779}"/>
+              </a:ext>
+            </a:extLst>
+          </p:cNvPr>
+          <p:cNvSpPr>
+            <a:spLocks noGrp="1"/>
+          </p:cNvSpPr>
+          <p:nvPr>
+            <p:ph type="body" sz="quarter" idx="10"/>
+          </p:nvPr>
+        </p:nvSpPr>
+        <p:spPr/>
+        <p:txBody>
+          <a:bodyPr/>
+          <a:lstStyle/>
+          <a:p>
+            <a:endParaRPr lang="da-DK" dirty="0"/>
+          </a:p>
+        </p:txBody>
+      </p:sp>
+      <p:pic>
+        <p:nvPicPr>
+          <p:cNvPr id="6" name="Billede 5" descr="Et billede, der indeholder monitor, skærmbillede, skærm, bord&#10;&#10;Automatisk genereret beskrivelse">
+            <a:extLst>
+              <a:ext uri="{FF2B5EF4-FFF2-40B4-BE49-F238E27FC236}">
+                <a16:creationId xmlns:a16="http://schemas.microsoft.com/office/drawing/2014/main" id="{DA2D8EF3-55A9-4BB9-94D9-25C5B23E4B07}"/>
+              </a:ext>
+            </a:extLst>
+          </p:cNvPr>
+          <p:cNvPicPr>
+            <a:picLocks noChangeAspect="1"/>
+          </p:cNvPicPr>
+          <p:nvPr/>
+        </p:nvPicPr>
+        <p:blipFill>
+          <a:blip r:embed="rId2">
+            <a:extLst>
+              <a:ext uri="{28A0092B-C50C-407E-A947-70E740481C1C}">
+                <a14:useLocalDpi xmlns:a14="http://schemas.microsoft.com/office/drawing/2010/main" val="0"/>
+              </a:ext>
+            </a:extLst>
+          </a:blip>
+          <a:stretch>
+            <a:fillRect/>
+          </a:stretch>
+        </p:blipFill>
+        <p:spPr>
+          <a:xfrm>
+            <a:off x="2983832" y="1545779"/>
+            <a:ext cx="6949641" cy="3612437"/>
+          </a:xfrm>
+          <a:prstGeom prst="rect">
+            <a:avLst/>
+          </a:prstGeom>
+        </p:spPr>
+      </p:pic>
+    </p:spTree>
+    <p:extLst>
+      <p:ext uri="{BB962C8B-B14F-4D97-AF65-F5344CB8AC3E}">
+        <p14:creationId xmlns:p14="http://schemas.microsoft.com/office/powerpoint/2010/main" val="2091101883"/>
+      </p:ext>
+    </p:extLst>
+  </p:cSld>
+  <p:clrMapOvr>
+    <a:masterClrMapping/>
+  </p:clrMapOvr>
+</p:sld>
+</file>
+
+<file path=ppt/slides/slide7.xml><?xml version="1.0" encoding="utf-8"?>
+<p:sld xmlns:a="http://schemas.openxmlformats.org/drawingml/2006/main" xmlns:r="http://schemas.openxmlformats.org/officeDocument/2006/relationships" xmlns:p="http://schemas.openxmlformats.org/presentationml/2006/main">
+  <p:cSld>
+    <p:spTree>
+      <p:nvGrpSpPr>
+        <p:cNvPr id="1" name=""/>
+        <p:cNvGrpSpPr/>
+        <p:nvPr/>
+      </p:nvGrpSpPr>
+      <p:grpSpPr>
+        <a:xfrm>
+          <a:off x="0" y="0"/>
+          <a:ext cx="0" cy="0"/>
+          <a:chOff x="0" y="0"/>
+          <a:chExt cx="0" cy="0"/>
+        </a:xfrm>
+      </p:grpSpPr>
+      <p:sp>
+        <p:nvSpPr>
+          <p:cNvPr id="2" name="Pladsholder til tekst 1">
+            <a:extLst>
+              <a:ext uri="{FF2B5EF4-FFF2-40B4-BE49-F238E27FC236}">
+                <a16:creationId xmlns:a16="http://schemas.microsoft.com/office/drawing/2014/main" id="{3CFC8388-752C-411C-93EF-713C88C444D0}"/>
+              </a:ext>
+            </a:extLst>
+          </p:cNvPr>
+          <p:cNvSpPr>
+            <a:spLocks noGrp="1"/>
+          </p:cNvSpPr>
+          <p:nvPr>
+            <p:ph type="body" sz="quarter" idx="11"/>
+          </p:nvPr>
+        </p:nvSpPr>
+        <p:spPr/>
+        <p:txBody>
+          <a:bodyPr/>
+          <a:lstStyle/>
+          <a:p>
+            <a:endParaRPr lang="da-DK"/>
+          </a:p>
+        </p:txBody>
+      </p:sp>
+      <p:sp>
+        <p:nvSpPr>
+          <p:cNvPr id="3" name="Pladsholder til tekst 2">
+            <a:extLst>
+              <a:ext uri="{FF2B5EF4-FFF2-40B4-BE49-F238E27FC236}">
+                <a16:creationId xmlns:a16="http://schemas.microsoft.com/office/drawing/2014/main" id="{58BF35F5-DCEA-49D9-8338-1B72F05E0D59}"/>
+              </a:ext>
+            </a:extLst>
+          </p:cNvPr>
+          <p:cNvSpPr>
+            <a:spLocks noGrp="1"/>
+          </p:cNvSpPr>
+          <p:nvPr>
+            <p:ph type="body" sz="quarter" idx="10"/>
+          </p:nvPr>
+        </p:nvSpPr>
+        <p:spPr/>
+        <p:txBody>
+          <a:bodyPr/>
+          <a:lstStyle/>
+          <a:p>
+            <a:endParaRPr lang="da-DK"/>
+          </a:p>
+        </p:txBody>
+      </p:sp>
+      <p:pic>
+        <p:nvPicPr>
+          <p:cNvPr id="6" name="Billede 5" descr="Et billede, der indeholder monitor, skærmbillede, skærm, bærbar computer&#10;&#10;Automatisk genereret beskrivelse">
+            <a:extLst>
+              <a:ext uri="{FF2B5EF4-FFF2-40B4-BE49-F238E27FC236}">
+                <a16:creationId xmlns:a16="http://schemas.microsoft.com/office/drawing/2014/main" id="{816DAE25-7DD9-4C60-8783-886111D7001B}"/>
+              </a:ext>
+            </a:extLst>
+          </p:cNvPr>
+          <p:cNvPicPr>
+            <a:picLocks noChangeAspect="1"/>
+          </p:cNvPicPr>
+          <p:nvPr/>
+        </p:nvPicPr>
+        <p:blipFill>
+          <a:blip r:embed="rId2">
+            <a:extLst>
+              <a:ext uri="{28A0092B-C50C-407E-A947-70E740481C1C}">
+                <a14:useLocalDpi xmlns:a14="http://schemas.microsoft.com/office/drawing/2010/main" val="0"/>
+              </a:ext>
+            </a:extLst>
+          </a:blip>
+          <a:stretch>
+            <a:fillRect/>
+          </a:stretch>
+        </p:blipFill>
+        <p:spPr>
+          <a:xfrm>
+            <a:off x="2483317" y="1731401"/>
+            <a:ext cx="7496977" cy="3522827"/>
+          </a:xfrm>
+          <a:prstGeom prst="rect">
+            <a:avLst/>
+          </a:prstGeom>
+        </p:spPr>
+      </p:pic>
+    </p:spTree>
+    <p:extLst>
+      <p:ext uri="{BB962C8B-B14F-4D97-AF65-F5344CB8AC3E}">
+        <p14:creationId xmlns:p14="http://schemas.microsoft.com/office/powerpoint/2010/main" val="2355373429"/>
       </p:ext>
     </p:extLst>
   </p:cSld>

--- a/Eksamensprojekt - Max/Præsentation/Præsentation af eksamensprojekt.pptx
+++ b/Eksamensprojekt - Max/Præsentation/Præsentation af eksamensprojekt.pptx
@@ -6,10 +6,10 @@
     <p:sldMasterId id="2147483698" r:id="rId2"/>
   </p:sldMasterIdLst>
   <p:notesMasterIdLst>
-    <p:notesMasterId r:id="rId10"/>
+    <p:notesMasterId r:id="rId11"/>
   </p:notesMasterIdLst>
   <p:handoutMasterIdLst>
-    <p:handoutMasterId r:id="rId11"/>
+    <p:handoutMasterId r:id="rId12"/>
   </p:handoutMasterIdLst>
   <p:sldIdLst>
     <p:sldId id="256" r:id="rId3"/>
@@ -19,6 +19,7 @@
     <p:sldId id="261" r:id="rId7"/>
     <p:sldId id="262" r:id="rId8"/>
     <p:sldId id="263" r:id="rId9"/>
+    <p:sldId id="264" r:id="rId10"/>
   </p:sldIdLst>
   <p:sldSz cx="12192000" cy="6858000"/>
   <p:notesSz cx="6858000" cy="9144000"/>
@@ -119,7 +120,13 @@
   </p:defaultTextStyle>
   <p:extLst>
     <p:ext uri="{EFAFB233-063F-42B5-8137-9DF3F51BA10A}">
-      <p15:sldGuideLst xmlns:p15="http://schemas.microsoft.com/office/powerpoint/2012/main"/>
+      <p15:sldGuideLst xmlns:p15="http://schemas.microsoft.com/office/powerpoint/2012/main">
+        <p15:guide id="1" pos="3840" userDrawn="1">
+          <p15:clr>
+            <a:srgbClr val="A4A3A4"/>
+          </p15:clr>
+        </p15:guide>
+      </p15:sldGuideLst>
     </p:ext>
   </p:extLst>
 </p:presentation>
@@ -260,7 +267,7 @@
           <a:p>
             <a:fld id="{496FCD50-C1A0-482B-BC86-90B92CB2FE42}" type="datetimeFigureOut">
               <a:rPr lang="da-DK" smtClean="0"/>
-              <a:t>17-06-2020</a:t>
+              <a:t>18-06-2020</a:t>
             </a:fld>
             <a:endParaRPr lang="da-DK"/>
           </a:p>
@@ -438,7 +445,7 @@
           <a:p>
             <a:fld id="{86FDA1C0-1334-4D8B-BA9D-24D0A591AB05}" type="datetimeFigureOut">
               <a:rPr lang="da-DK" smtClean="0"/>
-              <a:t>17-06-2020</a:t>
+              <a:t>18-06-2020</a:t>
             </a:fld>
             <a:endParaRPr lang="da-DK"/>
           </a:p>
@@ -5398,7 +5405,7 @@
           <a:p>
             <a:fld id="{FF082D74-0F04-403B-AC9F-887F607CB20D}" type="datetimeFigureOut">
               <a:rPr lang="en-US" smtClean="0"/>
-              <a:t>6/17/2020</a:t>
+              <a:t>6/18/2020</a:t>
             </a:fld>
             <a:endParaRPr lang="en-US"/>
           </a:p>
@@ -15229,7 +15236,7 @@
           <a:p>
             <a:fld id="{FF082D74-0F04-403B-AC9F-887F607CB20D}" type="datetimeFigureOut">
               <a:rPr lang="en-US" smtClean="0"/>
-              <a:t>6/17/2020</a:t>
+              <a:t>6/18/2020</a:t>
             </a:fld>
             <a:endParaRPr lang="en-US"/>
           </a:p>
@@ -19798,8 +19805,8 @@
         </p:nvSpPr>
         <p:spPr>
           <a:xfrm>
-            <a:off x="4811473" y="447387"/>
-            <a:ext cx="2558473" cy="655782"/>
+            <a:off x="516311" y="480943"/>
+            <a:ext cx="1832608" cy="467013"/>
           </a:xfrm>
           <a:prstGeom prst="roundRect">
             <a:avLst/>
@@ -19857,8 +19864,8 @@
         </p:nvSpPr>
         <p:spPr>
           <a:xfrm>
-            <a:off x="4930936" y="401783"/>
-            <a:ext cx="2319545" cy="785089"/>
+            <a:off x="516311" y="435340"/>
+            <a:ext cx="1832608" cy="579728"/>
           </a:xfrm>
         </p:spPr>
         <p:txBody>
@@ -19885,11 +19892,12 @@
             </a:lvl1pPr>
           </a:lstStyle>
           <a:p>
-            <a:r>
-              <a:rPr lang="da-DK" sz="5400" dirty="0"/>
+            <a:pPr algn="ctr"/>
+            <a:r>
+              <a:rPr lang="da-DK" sz="3600" dirty="0"/>
               <a:t>Indhold </a:t>
             </a:r>
-            <a:endParaRPr lang="en-US" sz="5400" dirty="0"/>
+            <a:endParaRPr lang="en-US" sz="3600" dirty="0"/>
           </a:p>
         </p:txBody>
       </p:sp>
@@ -20254,8 +20262,8 @@
         </p:nvSpPr>
         <p:spPr>
           <a:xfrm>
-            <a:off x="4811473" y="409287"/>
-            <a:ext cx="2558473" cy="655782"/>
+            <a:off x="5240322" y="357793"/>
+            <a:ext cx="1711355" cy="588220"/>
           </a:xfrm>
           <a:prstGeom prst="roundRect">
             <a:avLst/>
@@ -20431,13 +20439,18 @@
             <p:ph type="body" sz="quarter" idx="10"/>
           </p:nvPr>
         </p:nvSpPr>
-        <p:spPr/>
+        <p:spPr>
+          <a:xfrm>
+            <a:off x="404088" y="351187"/>
+            <a:ext cx="11363111" cy="588220"/>
+          </a:xfrm>
+        </p:spPr>
         <p:txBody>
           <a:bodyPr/>
           <a:lstStyle/>
           <a:p>
             <a:r>
-              <a:rPr lang="da-DK" sz="5400" dirty="0"/>
+              <a:rPr lang="da-DK" dirty="0"/>
               <a:t>Kravene</a:t>
             </a:r>
           </a:p>
@@ -20893,8 +20906,8 @@
         </p:nvSpPr>
         <p:spPr>
           <a:xfrm>
-            <a:off x="570451" y="116735"/>
-            <a:ext cx="11056689" cy="655782"/>
+            <a:off x="1661020" y="116735"/>
+            <a:ext cx="8061820" cy="655782"/>
           </a:xfrm>
           <a:prstGeom prst="roundRect">
             <a:avLst/>
@@ -20949,22 +20962,27 @@
             <a:spLocks noGrp="1"/>
           </p:cNvSpPr>
           <p:nvPr>
-            <p:ph type="body" sz="quarter" idx="10"/>
+            <p:ph type="body" sz="quarter" idx="4294967295"/>
           </p:nvPr>
         </p:nvSpPr>
         <p:spPr>
           <a:xfrm>
-            <a:off x="414444" y="150516"/>
-            <a:ext cx="11363111" cy="588220"/>
-          </a:xfrm>
+            <a:off x="0" y="150813"/>
+            <a:ext cx="11363325" cy="587375"/>
+          </a:xfrm>
+          <a:prstGeom prst="rect">
+            <a:avLst/>
+          </a:prstGeom>
         </p:spPr>
         <p:txBody>
           <a:bodyPr/>
           <a:lstStyle/>
           <a:p>
-            <a:pPr algn="ctr"/>
-            <a:r>
-              <a:rPr lang="da-DK" sz="5400" dirty="0"/>
+            <a:pPr marL="0" indent="0" algn="ctr">
+              <a:buNone/>
+            </a:pPr>
+            <a:r>
+              <a:rPr lang="da-DK" sz="3600" dirty="0"/>
               <a:t>Begrundelse for design – Hoved skærm </a:t>
             </a:r>
           </a:p>
@@ -21003,6 +21021,13 @@
           <a:prstGeom prst="rect">
             <a:avLst/>
           </a:prstGeom>
+          <a:effectLst>
+            <a:outerShdw blurRad="50800" dist="38100" dir="2700000" algn="tl" rotWithShape="0">
+              <a:prstClr val="black">
+                <a:alpha val="40000"/>
+              </a:prstClr>
+            </a:outerShdw>
+          </a:effectLst>
         </p:spPr>
       </p:pic>
     </p:spTree>
@@ -21049,8 +21074,8 @@
         </p:nvSpPr>
         <p:spPr>
           <a:xfrm>
-            <a:off x="570451" y="116735"/>
-            <a:ext cx="11056689" cy="655782"/>
+            <a:off x="2084398" y="284447"/>
+            <a:ext cx="8036237" cy="655782"/>
           </a:xfrm>
           <a:prstGeom prst="roundRect">
             <a:avLst/>
@@ -21105,22 +21130,27 @@
             <a:spLocks noGrp="1"/>
           </p:cNvSpPr>
           <p:nvPr>
-            <p:ph type="body" sz="quarter" idx="10"/>
+            <p:ph type="body" sz="quarter" idx="4294967295"/>
           </p:nvPr>
         </p:nvSpPr>
         <p:spPr>
           <a:xfrm>
-            <a:off x="414444" y="150516"/>
-            <a:ext cx="11363111" cy="588220"/>
-          </a:xfrm>
+            <a:off x="2084399" y="302520"/>
+            <a:ext cx="8036238" cy="587375"/>
+          </a:xfrm>
+          <a:prstGeom prst="rect">
+            <a:avLst/>
+          </a:prstGeom>
         </p:spPr>
         <p:txBody>
           <a:bodyPr/>
           <a:lstStyle/>
           <a:p>
-            <a:pPr algn="ctr"/>
-            <a:r>
-              <a:rPr lang="da-DK" sz="5400" dirty="0"/>
+            <a:pPr marL="0" indent="0" algn="ctr">
+              <a:buNone/>
+            </a:pPr>
+            <a:r>
+              <a:rPr lang="da-DK" sz="3600" dirty="0"/>
               <a:t>Begrundelse for design – Login-system</a:t>
             </a:r>
           </a:p>
@@ -21154,12 +21184,19 @@
         </p:blipFill>
         <p:spPr>
           <a:xfrm>
-            <a:off x="481821" y="1826463"/>
+            <a:off x="725102" y="1399835"/>
             <a:ext cx="3067478" cy="2172003"/>
           </a:xfrm>
           <a:prstGeom prst="rect">
             <a:avLst/>
           </a:prstGeom>
+          <a:effectLst>
+            <a:outerShdw blurRad="50800" dist="38100" dir="2700000" algn="tl" rotWithShape="0">
+              <a:prstClr val="black">
+                <a:alpha val="40000"/>
+              </a:prstClr>
+            </a:outerShdw>
+          </a:effectLst>
         </p:spPr>
       </p:pic>
       <p:pic>
@@ -21190,12 +21227,19 @@
         </p:blipFill>
         <p:spPr>
           <a:xfrm>
-            <a:off x="6253597" y="1045305"/>
+            <a:off x="6219963" y="1399835"/>
             <a:ext cx="2305372" cy="3734321"/>
           </a:xfrm>
           <a:prstGeom prst="rect">
             <a:avLst/>
           </a:prstGeom>
+          <a:effectLst>
+            <a:outerShdw blurRad="50800" dist="38100" dir="2700000" algn="tl" rotWithShape="0">
+              <a:prstClr val="black">
+                <a:alpha val="40000"/>
+              </a:prstClr>
+            </a:outerShdw>
+          </a:effectLst>
         </p:spPr>
       </p:pic>
       <p:pic>
@@ -21225,12 +21269,19 @@
         </p:blipFill>
         <p:spPr>
           <a:xfrm>
-            <a:off x="8874162" y="2383216"/>
+            <a:off x="8899172" y="2272950"/>
             <a:ext cx="2305372" cy="3734321"/>
           </a:xfrm>
           <a:prstGeom prst="rect">
             <a:avLst/>
           </a:prstGeom>
+          <a:effectLst>
+            <a:outerShdw blurRad="50800" dist="38100" dir="2700000" algn="tl" rotWithShape="0">
+              <a:prstClr val="black">
+                <a:alpha val="40000"/>
+              </a:prstClr>
+            </a:outerShdw>
+          </a:effectLst>
         </p:spPr>
       </p:pic>
       <p:pic>
@@ -21260,12 +21311,19 @@
         </p:blipFill>
         <p:spPr>
           <a:xfrm>
-            <a:off x="2870926" y="4372163"/>
+            <a:off x="2778648" y="3835268"/>
             <a:ext cx="3067478" cy="2172003"/>
           </a:xfrm>
           <a:prstGeom prst="rect">
             <a:avLst/>
           </a:prstGeom>
+          <a:effectLst>
+            <a:outerShdw blurRad="50800" dist="38100" dir="2700000" algn="tl" rotWithShape="0">
+              <a:prstClr val="black">
+                <a:alpha val="40000"/>
+              </a:prstClr>
+            </a:outerShdw>
+          </a:effectLst>
         </p:spPr>
       </p:pic>
     </p:spTree>
@@ -21300,25 +21358,57 @@
       </p:grpSpPr>
       <p:sp>
         <p:nvSpPr>
-          <p:cNvPr id="2" name="Pladsholder til tekst 1">
-            <a:extLst>
-              <a:ext uri="{FF2B5EF4-FFF2-40B4-BE49-F238E27FC236}">
-                <a16:creationId xmlns:a16="http://schemas.microsoft.com/office/drawing/2014/main" id="{12D8E343-2A0D-4B56-80D5-B58B2241A96C}"/>
-              </a:ext>
-            </a:extLst>
-          </p:cNvPr>
-          <p:cNvSpPr>
-            <a:spLocks noGrp="1"/>
-          </p:cNvSpPr>
-          <p:nvPr>
-            <p:ph type="body" sz="quarter" idx="11"/>
-          </p:nvPr>
-        </p:nvSpPr>
-        <p:spPr/>
-        <p:txBody>
-          <a:bodyPr/>
+          <p:cNvPr id="5" name="Rektangel: afrundede hjørner 4">
+            <a:extLst>
+              <a:ext uri="{FF2B5EF4-FFF2-40B4-BE49-F238E27FC236}">
+                <a16:creationId xmlns:a16="http://schemas.microsoft.com/office/drawing/2014/main" id="{0436107D-5C64-421A-B2A4-7CB4A52D8AEB}"/>
+              </a:ext>
+            </a:extLst>
+          </p:cNvPr>
+          <p:cNvSpPr/>
+          <p:nvPr/>
+        </p:nvSpPr>
+        <p:spPr>
+          <a:xfrm>
+            <a:off x="521612" y="477775"/>
+            <a:ext cx="7466203" cy="655782"/>
+          </a:xfrm>
+          <a:prstGeom prst="roundRect">
+            <a:avLst/>
+          </a:prstGeom>
+          <a:gradFill>
+            <a:gsLst>
+              <a:gs pos="0">
+                <a:srgbClr val="0070C0"/>
+              </a:gs>
+              <a:gs pos="50000">
+                <a:srgbClr val="0070C0"/>
+              </a:gs>
+              <a:gs pos="100000">
+                <a:srgbClr val="0070C0"/>
+              </a:gs>
+            </a:gsLst>
+          </a:gradFill>
+        </p:spPr>
+        <p:style>
+          <a:lnRef idx="0">
+            <a:schemeClr val="accent2"/>
+          </a:lnRef>
+          <a:fillRef idx="3">
+            <a:schemeClr val="accent2"/>
+          </a:fillRef>
+          <a:effectRef idx="3">
+            <a:schemeClr val="accent2"/>
+          </a:effectRef>
+          <a:fontRef idx="minor">
+            <a:schemeClr val="lt1"/>
+          </a:fontRef>
+        </p:style>
+        <p:txBody>
+          <a:bodyPr rtlCol="0" anchor="ctr"/>
           <a:lstStyle/>
           <a:p>
+            <a:pPr algn="ctr"/>
             <a:endParaRPr lang="da-DK"/>
           </a:p>
         </p:txBody>
@@ -21339,12 +21429,21 @@
             <p:ph type="body" sz="quarter" idx="10"/>
           </p:nvPr>
         </p:nvSpPr>
-        <p:spPr/>
+        <p:spPr>
+          <a:xfrm>
+            <a:off x="-1429638" y="520441"/>
+            <a:ext cx="11363111" cy="588220"/>
+          </a:xfrm>
+        </p:spPr>
         <p:txBody>
           <a:bodyPr/>
           <a:lstStyle/>
           <a:p>
-            <a:endParaRPr lang="da-DK" dirty="0"/>
+            <a:pPr algn="ctr"/>
+            <a:r>
+              <a:rPr lang="da-DK" dirty="0"/>
+              <a:t>Udførelsen af iteration 1 – Login-system</a:t>
+            </a:r>
           </a:p>
         </p:txBody>
       </p:sp>
@@ -21382,6 +21481,13 @@
           <a:prstGeom prst="rect">
             <a:avLst/>
           </a:prstGeom>
+          <a:effectLst>
+            <a:outerShdw blurRad="50800" dist="38100" dir="2700000" algn="tl" rotWithShape="0">
+              <a:prstClr val="black">
+                <a:alpha val="40000"/>
+              </a:prstClr>
+            </a:outerShdw>
+          </a:effectLst>
         </p:spPr>
       </p:pic>
     </p:spTree>
@@ -21414,56 +21520,6 @@
           <a:chExt cx="0" cy="0"/>
         </a:xfrm>
       </p:grpSpPr>
-      <p:sp>
-        <p:nvSpPr>
-          <p:cNvPr id="2" name="Pladsholder til tekst 1">
-            <a:extLst>
-              <a:ext uri="{FF2B5EF4-FFF2-40B4-BE49-F238E27FC236}">
-                <a16:creationId xmlns:a16="http://schemas.microsoft.com/office/drawing/2014/main" id="{3CFC8388-752C-411C-93EF-713C88C444D0}"/>
-              </a:ext>
-            </a:extLst>
-          </p:cNvPr>
-          <p:cNvSpPr>
-            <a:spLocks noGrp="1"/>
-          </p:cNvSpPr>
-          <p:nvPr>
-            <p:ph type="body" sz="quarter" idx="11"/>
-          </p:nvPr>
-        </p:nvSpPr>
-        <p:spPr/>
-        <p:txBody>
-          <a:bodyPr/>
-          <a:lstStyle/>
-          <a:p>
-            <a:endParaRPr lang="da-DK"/>
-          </a:p>
-        </p:txBody>
-      </p:sp>
-      <p:sp>
-        <p:nvSpPr>
-          <p:cNvPr id="3" name="Pladsholder til tekst 2">
-            <a:extLst>
-              <a:ext uri="{FF2B5EF4-FFF2-40B4-BE49-F238E27FC236}">
-                <a16:creationId xmlns:a16="http://schemas.microsoft.com/office/drawing/2014/main" id="{58BF35F5-DCEA-49D9-8338-1B72F05E0D59}"/>
-              </a:ext>
-            </a:extLst>
-          </p:cNvPr>
-          <p:cNvSpPr>
-            <a:spLocks noGrp="1"/>
-          </p:cNvSpPr>
-          <p:nvPr>
-            <p:ph type="body" sz="quarter" idx="10"/>
-          </p:nvPr>
-        </p:nvSpPr>
-        <p:spPr/>
-        <p:txBody>
-          <a:bodyPr/>
-          <a:lstStyle/>
-          <a:p>
-            <a:endParaRPr lang="da-DK"/>
-          </a:p>
-        </p:txBody>
-      </p:sp>
       <p:pic>
         <p:nvPicPr>
           <p:cNvPr id="6" name="Billede 5" descr="Et billede, der indeholder monitor, skærmbillede, skærm, bærbar computer&#10;&#10;Automatisk genereret beskrivelse">
@@ -21498,12 +21554,628 @@
           <a:prstGeom prst="rect">
             <a:avLst/>
           </a:prstGeom>
+          <a:effectLst>
+            <a:outerShdw blurRad="50800" dist="38100" dir="2700000" algn="tl" rotWithShape="0">
+              <a:prstClr val="black">
+                <a:alpha val="40000"/>
+              </a:prstClr>
+            </a:outerShdw>
+          </a:effectLst>
         </p:spPr>
       </p:pic>
+      <p:sp>
+        <p:nvSpPr>
+          <p:cNvPr id="5" name="Rektangel: afrundede hjørner 4">
+            <a:extLst>
+              <a:ext uri="{FF2B5EF4-FFF2-40B4-BE49-F238E27FC236}">
+                <a16:creationId xmlns:a16="http://schemas.microsoft.com/office/drawing/2014/main" id="{FD85D8D5-8769-4F0E-87B7-4A03AFAAB57E}"/>
+              </a:ext>
+            </a:extLst>
+          </p:cNvPr>
+          <p:cNvSpPr/>
+          <p:nvPr/>
+        </p:nvSpPr>
+        <p:spPr>
+          <a:xfrm>
+            <a:off x="521612" y="477775"/>
+            <a:ext cx="7466203" cy="655782"/>
+          </a:xfrm>
+          <a:prstGeom prst="roundRect">
+            <a:avLst/>
+          </a:prstGeom>
+          <a:gradFill>
+            <a:gsLst>
+              <a:gs pos="0">
+                <a:srgbClr val="0070C0"/>
+              </a:gs>
+              <a:gs pos="50000">
+                <a:srgbClr val="0070C0"/>
+              </a:gs>
+              <a:gs pos="100000">
+                <a:srgbClr val="0070C0"/>
+              </a:gs>
+            </a:gsLst>
+          </a:gradFill>
+        </p:spPr>
+        <p:style>
+          <a:lnRef idx="0">
+            <a:schemeClr val="accent2"/>
+          </a:lnRef>
+          <a:fillRef idx="3">
+            <a:schemeClr val="accent2"/>
+          </a:fillRef>
+          <a:effectRef idx="3">
+            <a:schemeClr val="accent2"/>
+          </a:effectRef>
+          <a:fontRef idx="minor">
+            <a:schemeClr val="lt1"/>
+          </a:fontRef>
+        </p:style>
+        <p:txBody>
+          <a:bodyPr rtlCol="0" anchor="ctr"/>
+          <a:lstStyle/>
+          <a:p>
+            <a:pPr algn="ctr"/>
+            <a:endParaRPr lang="da-DK"/>
+          </a:p>
+        </p:txBody>
+      </p:sp>
+      <p:sp>
+        <p:nvSpPr>
+          <p:cNvPr id="7" name="Pladsholder til tekst 2">
+            <a:extLst>
+              <a:ext uri="{FF2B5EF4-FFF2-40B4-BE49-F238E27FC236}">
+                <a16:creationId xmlns:a16="http://schemas.microsoft.com/office/drawing/2014/main" id="{E59C4222-18ED-42D7-BF71-5008343C689D}"/>
+              </a:ext>
+            </a:extLst>
+          </p:cNvPr>
+          <p:cNvSpPr txBox="1">
+            <a:spLocks/>
+          </p:cNvSpPr>
+          <p:nvPr/>
+        </p:nvSpPr>
+        <p:spPr>
+          <a:xfrm>
+            <a:off x="-1429638" y="520441"/>
+            <a:ext cx="11363111" cy="588220"/>
+          </a:xfrm>
+          <a:prstGeom prst="rect">
+            <a:avLst/>
+          </a:prstGeom>
+        </p:spPr>
+        <p:txBody>
+          <a:bodyPr anchor="ctr"/>
+          <a:lstStyle>
+            <a:lvl1pPr marL="0" indent="0" algn="l" defTabSz="914400" rtl="0" eaLnBrk="1" latinLnBrk="0" hangingPunct="1">
+              <a:lnSpc>
+                <a:spcPct val="90000"/>
+              </a:lnSpc>
+              <a:spcBef>
+                <a:spcPts val="1000"/>
+              </a:spcBef>
+              <a:buFont typeface="Arial" panose="020B0604020202020204" pitchFamily="34" charset="0"/>
+              <a:buNone/>
+              <a:defRPr sz="3600" kern="1200">
+                <a:solidFill>
+                  <a:schemeClr val="tx1"/>
+                </a:solidFill>
+                <a:latin typeface="+mj-lt"/>
+                <a:ea typeface="+mn-ea"/>
+                <a:cs typeface="+mn-cs"/>
+              </a:defRPr>
+            </a:lvl1pPr>
+            <a:lvl2pPr marL="685800" indent="-228600" algn="l" defTabSz="914400" rtl="0" eaLnBrk="1" latinLnBrk="0" hangingPunct="1">
+              <a:lnSpc>
+                <a:spcPct val="90000"/>
+              </a:lnSpc>
+              <a:spcBef>
+                <a:spcPts val="500"/>
+              </a:spcBef>
+              <a:buFont typeface="Arial" panose="020B0604020202020204" pitchFamily="34" charset="0"/>
+              <a:buChar char="•"/>
+              <a:defRPr sz="2400" kern="1200">
+                <a:solidFill>
+                  <a:schemeClr val="tx1"/>
+                </a:solidFill>
+                <a:latin typeface="+mn-lt"/>
+                <a:ea typeface="+mn-ea"/>
+                <a:cs typeface="+mn-cs"/>
+              </a:defRPr>
+            </a:lvl2pPr>
+            <a:lvl3pPr marL="1143000" indent="-228600" algn="l" defTabSz="914400" rtl="0" eaLnBrk="1" latinLnBrk="0" hangingPunct="1">
+              <a:lnSpc>
+                <a:spcPct val="90000"/>
+              </a:lnSpc>
+              <a:spcBef>
+                <a:spcPts val="500"/>
+              </a:spcBef>
+              <a:buFont typeface="Arial" panose="020B0604020202020204" pitchFamily="34" charset="0"/>
+              <a:buChar char="•"/>
+              <a:defRPr sz="2000" kern="1200">
+                <a:solidFill>
+                  <a:schemeClr val="tx1"/>
+                </a:solidFill>
+                <a:latin typeface="+mn-lt"/>
+                <a:ea typeface="+mn-ea"/>
+                <a:cs typeface="+mn-cs"/>
+              </a:defRPr>
+            </a:lvl3pPr>
+            <a:lvl4pPr marL="1600200" indent="-228600" algn="l" defTabSz="914400" rtl="0" eaLnBrk="1" latinLnBrk="0" hangingPunct="1">
+              <a:lnSpc>
+                <a:spcPct val="90000"/>
+              </a:lnSpc>
+              <a:spcBef>
+                <a:spcPts val="500"/>
+              </a:spcBef>
+              <a:buFont typeface="Arial" panose="020B0604020202020204" pitchFamily="34" charset="0"/>
+              <a:buChar char="•"/>
+              <a:defRPr sz="1800" kern="1200">
+                <a:solidFill>
+                  <a:schemeClr val="tx1"/>
+                </a:solidFill>
+                <a:latin typeface="+mn-lt"/>
+                <a:ea typeface="+mn-ea"/>
+                <a:cs typeface="+mn-cs"/>
+              </a:defRPr>
+            </a:lvl4pPr>
+            <a:lvl5pPr marL="2057400" indent="-228600" algn="l" defTabSz="914400" rtl="0" eaLnBrk="1" latinLnBrk="0" hangingPunct="1">
+              <a:lnSpc>
+                <a:spcPct val="90000"/>
+              </a:lnSpc>
+              <a:spcBef>
+                <a:spcPts val="500"/>
+              </a:spcBef>
+              <a:buFont typeface="Arial" panose="020B0604020202020204" pitchFamily="34" charset="0"/>
+              <a:buChar char="•"/>
+              <a:defRPr sz="1800" kern="1200">
+                <a:solidFill>
+                  <a:schemeClr val="tx1"/>
+                </a:solidFill>
+                <a:latin typeface="+mn-lt"/>
+                <a:ea typeface="+mn-ea"/>
+                <a:cs typeface="+mn-cs"/>
+              </a:defRPr>
+            </a:lvl5pPr>
+            <a:lvl6pPr marL="2514600" indent="-228600" algn="l" defTabSz="914400" rtl="0" eaLnBrk="1" latinLnBrk="0" hangingPunct="1">
+              <a:lnSpc>
+                <a:spcPct val="90000"/>
+              </a:lnSpc>
+              <a:spcBef>
+                <a:spcPts val="500"/>
+              </a:spcBef>
+              <a:buFont typeface="Arial" panose="020B0604020202020204" pitchFamily="34" charset="0"/>
+              <a:buChar char="•"/>
+              <a:defRPr sz="1800" kern="1200">
+                <a:solidFill>
+                  <a:schemeClr val="tx1"/>
+                </a:solidFill>
+                <a:latin typeface="+mn-lt"/>
+                <a:ea typeface="+mn-ea"/>
+                <a:cs typeface="+mn-cs"/>
+              </a:defRPr>
+            </a:lvl6pPr>
+            <a:lvl7pPr marL="2971800" indent="-228600" algn="l" defTabSz="914400" rtl="0" eaLnBrk="1" latinLnBrk="0" hangingPunct="1">
+              <a:lnSpc>
+                <a:spcPct val="90000"/>
+              </a:lnSpc>
+              <a:spcBef>
+                <a:spcPts val="500"/>
+              </a:spcBef>
+              <a:buFont typeface="Arial" panose="020B0604020202020204" pitchFamily="34" charset="0"/>
+              <a:buChar char="•"/>
+              <a:defRPr sz="1800" kern="1200">
+                <a:solidFill>
+                  <a:schemeClr val="tx1"/>
+                </a:solidFill>
+                <a:latin typeface="+mn-lt"/>
+                <a:ea typeface="+mn-ea"/>
+                <a:cs typeface="+mn-cs"/>
+              </a:defRPr>
+            </a:lvl7pPr>
+            <a:lvl8pPr marL="3429000" indent="-228600" algn="l" defTabSz="914400" rtl="0" eaLnBrk="1" latinLnBrk="0" hangingPunct="1">
+              <a:lnSpc>
+                <a:spcPct val="90000"/>
+              </a:lnSpc>
+              <a:spcBef>
+                <a:spcPts val="500"/>
+              </a:spcBef>
+              <a:buFont typeface="Arial" panose="020B0604020202020204" pitchFamily="34" charset="0"/>
+              <a:buChar char="•"/>
+              <a:defRPr sz="1800" kern="1200">
+                <a:solidFill>
+                  <a:schemeClr val="tx1"/>
+                </a:solidFill>
+                <a:latin typeface="+mn-lt"/>
+                <a:ea typeface="+mn-ea"/>
+                <a:cs typeface="+mn-cs"/>
+              </a:defRPr>
+            </a:lvl8pPr>
+            <a:lvl9pPr marL="3886200" indent="-228600" algn="l" defTabSz="914400" rtl="0" eaLnBrk="1" latinLnBrk="0" hangingPunct="1">
+              <a:lnSpc>
+                <a:spcPct val="90000"/>
+              </a:lnSpc>
+              <a:spcBef>
+                <a:spcPts val="500"/>
+              </a:spcBef>
+              <a:buFont typeface="Arial" panose="020B0604020202020204" pitchFamily="34" charset="0"/>
+              <a:buChar char="•"/>
+              <a:defRPr sz="1800" kern="1200">
+                <a:solidFill>
+                  <a:schemeClr val="tx1"/>
+                </a:solidFill>
+                <a:latin typeface="+mn-lt"/>
+                <a:ea typeface="+mn-ea"/>
+                <a:cs typeface="+mn-cs"/>
+              </a:defRPr>
+            </a:lvl9pPr>
+          </a:lstStyle>
+          <a:p>
+            <a:pPr algn="ctr"/>
+            <a:r>
+              <a:rPr lang="da-DK" dirty="0"/>
+              <a:t>Udførelsen af iteration 1 – Login-system</a:t>
+            </a:r>
+          </a:p>
+        </p:txBody>
+      </p:sp>
     </p:spTree>
     <p:extLst>
       <p:ext uri="{BB962C8B-B14F-4D97-AF65-F5344CB8AC3E}">
         <p14:creationId xmlns:p14="http://schemas.microsoft.com/office/powerpoint/2010/main" val="2355373429"/>
+      </p:ext>
+    </p:extLst>
+  </p:cSld>
+  <p:clrMapOvr>
+    <a:masterClrMapping/>
+  </p:clrMapOvr>
+</p:sld>
+</file>
+
+<file path=ppt/slides/slide8.xml><?xml version="1.0" encoding="utf-8"?>
+<p:sld xmlns:a="http://schemas.openxmlformats.org/drawingml/2006/main" xmlns:r="http://schemas.openxmlformats.org/officeDocument/2006/relationships" xmlns:p="http://schemas.openxmlformats.org/presentationml/2006/main">
+  <p:cSld>
+    <p:spTree>
+      <p:nvGrpSpPr>
+        <p:cNvPr id="1" name=""/>
+        <p:cNvGrpSpPr/>
+        <p:nvPr/>
+      </p:nvGrpSpPr>
+      <p:grpSpPr>
+        <a:xfrm>
+          <a:off x="0" y="0"/>
+          <a:ext cx="0" cy="0"/>
+          <a:chOff x="0" y="0"/>
+          <a:chExt cx="0" cy="0"/>
+        </a:xfrm>
+      </p:grpSpPr>
+      <p:sp>
+        <p:nvSpPr>
+          <p:cNvPr id="4" name="Rektangel: afrundede hjørner 3">
+            <a:extLst>
+              <a:ext uri="{FF2B5EF4-FFF2-40B4-BE49-F238E27FC236}">
+                <a16:creationId xmlns:a16="http://schemas.microsoft.com/office/drawing/2014/main" id="{E9C210C1-05C2-4AB0-92DE-0C56839D33AC}"/>
+              </a:ext>
+            </a:extLst>
+          </p:cNvPr>
+          <p:cNvSpPr/>
+          <p:nvPr/>
+        </p:nvSpPr>
+        <p:spPr>
+          <a:xfrm>
+            <a:off x="521613" y="477775"/>
+            <a:ext cx="5511718" cy="655782"/>
+          </a:xfrm>
+          <a:prstGeom prst="roundRect">
+            <a:avLst/>
+          </a:prstGeom>
+          <a:gradFill>
+            <a:gsLst>
+              <a:gs pos="0">
+                <a:srgbClr val="0070C0"/>
+              </a:gs>
+              <a:gs pos="50000">
+                <a:srgbClr val="0070C0"/>
+              </a:gs>
+              <a:gs pos="100000">
+                <a:srgbClr val="0070C0"/>
+              </a:gs>
+            </a:gsLst>
+          </a:gradFill>
+        </p:spPr>
+        <p:style>
+          <a:lnRef idx="0">
+            <a:schemeClr val="accent2"/>
+          </a:lnRef>
+          <a:fillRef idx="3">
+            <a:schemeClr val="accent2"/>
+          </a:fillRef>
+          <a:effectRef idx="3">
+            <a:schemeClr val="accent2"/>
+          </a:effectRef>
+          <a:fontRef idx="minor">
+            <a:schemeClr val="lt1"/>
+          </a:fontRef>
+        </p:style>
+        <p:txBody>
+          <a:bodyPr rtlCol="0" anchor="ctr"/>
+          <a:lstStyle/>
+          <a:p>
+            <a:pPr algn="ctr"/>
+            <a:endParaRPr lang="da-DK"/>
+          </a:p>
+        </p:txBody>
+      </p:sp>
+      <p:sp>
+        <p:nvSpPr>
+          <p:cNvPr id="5" name="Pladsholder til tekst 2">
+            <a:extLst>
+              <a:ext uri="{FF2B5EF4-FFF2-40B4-BE49-F238E27FC236}">
+                <a16:creationId xmlns:a16="http://schemas.microsoft.com/office/drawing/2014/main" id="{4BAFD52A-EA57-4291-AD8A-D14A8A29B5AA}"/>
+              </a:ext>
+            </a:extLst>
+          </p:cNvPr>
+          <p:cNvSpPr txBox="1">
+            <a:spLocks/>
+          </p:cNvSpPr>
+          <p:nvPr/>
+        </p:nvSpPr>
+        <p:spPr>
+          <a:xfrm>
+            <a:off x="-2395313" y="511556"/>
+            <a:ext cx="11363111" cy="588220"/>
+          </a:xfrm>
+          <a:prstGeom prst="rect">
+            <a:avLst/>
+          </a:prstGeom>
+        </p:spPr>
+        <p:txBody>
+          <a:bodyPr anchor="ctr"/>
+          <a:lstStyle>
+            <a:lvl1pPr marL="0" indent="0" algn="l" defTabSz="914400" rtl="0" eaLnBrk="1" latinLnBrk="0" hangingPunct="1">
+              <a:lnSpc>
+                <a:spcPct val="90000"/>
+              </a:lnSpc>
+              <a:spcBef>
+                <a:spcPts val="1000"/>
+              </a:spcBef>
+              <a:buFont typeface="Arial" panose="020B0604020202020204" pitchFamily="34" charset="0"/>
+              <a:buNone/>
+              <a:defRPr sz="3600" kern="1200">
+                <a:solidFill>
+                  <a:schemeClr val="tx1"/>
+                </a:solidFill>
+                <a:latin typeface="+mj-lt"/>
+                <a:ea typeface="+mn-ea"/>
+                <a:cs typeface="+mn-cs"/>
+              </a:defRPr>
+            </a:lvl1pPr>
+            <a:lvl2pPr marL="685800" indent="-228600" algn="l" defTabSz="914400" rtl="0" eaLnBrk="1" latinLnBrk="0" hangingPunct="1">
+              <a:lnSpc>
+                <a:spcPct val="90000"/>
+              </a:lnSpc>
+              <a:spcBef>
+                <a:spcPts val="500"/>
+              </a:spcBef>
+              <a:buFont typeface="Arial" panose="020B0604020202020204" pitchFamily="34" charset="0"/>
+              <a:buChar char="•"/>
+              <a:defRPr sz="2400" kern="1200">
+                <a:solidFill>
+                  <a:schemeClr val="tx1"/>
+                </a:solidFill>
+                <a:latin typeface="+mn-lt"/>
+                <a:ea typeface="+mn-ea"/>
+                <a:cs typeface="+mn-cs"/>
+              </a:defRPr>
+            </a:lvl2pPr>
+            <a:lvl3pPr marL="1143000" indent="-228600" algn="l" defTabSz="914400" rtl="0" eaLnBrk="1" latinLnBrk="0" hangingPunct="1">
+              <a:lnSpc>
+                <a:spcPct val="90000"/>
+              </a:lnSpc>
+              <a:spcBef>
+                <a:spcPts val="500"/>
+              </a:spcBef>
+              <a:buFont typeface="Arial" panose="020B0604020202020204" pitchFamily="34" charset="0"/>
+              <a:buChar char="•"/>
+              <a:defRPr sz="2000" kern="1200">
+                <a:solidFill>
+                  <a:schemeClr val="tx1"/>
+                </a:solidFill>
+                <a:latin typeface="+mn-lt"/>
+                <a:ea typeface="+mn-ea"/>
+                <a:cs typeface="+mn-cs"/>
+              </a:defRPr>
+            </a:lvl3pPr>
+            <a:lvl4pPr marL="1600200" indent="-228600" algn="l" defTabSz="914400" rtl="0" eaLnBrk="1" latinLnBrk="0" hangingPunct="1">
+              <a:lnSpc>
+                <a:spcPct val="90000"/>
+              </a:lnSpc>
+              <a:spcBef>
+                <a:spcPts val="500"/>
+              </a:spcBef>
+              <a:buFont typeface="Arial" panose="020B0604020202020204" pitchFamily="34" charset="0"/>
+              <a:buChar char="•"/>
+              <a:defRPr sz="1800" kern="1200">
+                <a:solidFill>
+                  <a:schemeClr val="tx1"/>
+                </a:solidFill>
+                <a:latin typeface="+mn-lt"/>
+                <a:ea typeface="+mn-ea"/>
+                <a:cs typeface="+mn-cs"/>
+              </a:defRPr>
+            </a:lvl4pPr>
+            <a:lvl5pPr marL="2057400" indent="-228600" algn="l" defTabSz="914400" rtl="0" eaLnBrk="1" latinLnBrk="0" hangingPunct="1">
+              <a:lnSpc>
+                <a:spcPct val="90000"/>
+              </a:lnSpc>
+              <a:spcBef>
+                <a:spcPts val="500"/>
+              </a:spcBef>
+              <a:buFont typeface="Arial" panose="020B0604020202020204" pitchFamily="34" charset="0"/>
+              <a:buChar char="•"/>
+              <a:defRPr sz="1800" kern="1200">
+                <a:solidFill>
+                  <a:schemeClr val="tx1"/>
+                </a:solidFill>
+                <a:latin typeface="+mn-lt"/>
+                <a:ea typeface="+mn-ea"/>
+                <a:cs typeface="+mn-cs"/>
+              </a:defRPr>
+            </a:lvl5pPr>
+            <a:lvl6pPr marL="2514600" indent="-228600" algn="l" defTabSz="914400" rtl="0" eaLnBrk="1" latinLnBrk="0" hangingPunct="1">
+              <a:lnSpc>
+                <a:spcPct val="90000"/>
+              </a:lnSpc>
+              <a:spcBef>
+                <a:spcPts val="500"/>
+              </a:spcBef>
+              <a:buFont typeface="Arial" panose="020B0604020202020204" pitchFamily="34" charset="0"/>
+              <a:buChar char="•"/>
+              <a:defRPr sz="1800" kern="1200">
+                <a:solidFill>
+                  <a:schemeClr val="tx1"/>
+                </a:solidFill>
+                <a:latin typeface="+mn-lt"/>
+                <a:ea typeface="+mn-ea"/>
+                <a:cs typeface="+mn-cs"/>
+              </a:defRPr>
+            </a:lvl6pPr>
+            <a:lvl7pPr marL="2971800" indent="-228600" algn="l" defTabSz="914400" rtl="0" eaLnBrk="1" latinLnBrk="0" hangingPunct="1">
+              <a:lnSpc>
+                <a:spcPct val="90000"/>
+              </a:lnSpc>
+              <a:spcBef>
+                <a:spcPts val="500"/>
+              </a:spcBef>
+              <a:buFont typeface="Arial" panose="020B0604020202020204" pitchFamily="34" charset="0"/>
+              <a:buChar char="•"/>
+              <a:defRPr sz="1800" kern="1200">
+                <a:solidFill>
+                  <a:schemeClr val="tx1"/>
+                </a:solidFill>
+                <a:latin typeface="+mn-lt"/>
+                <a:ea typeface="+mn-ea"/>
+                <a:cs typeface="+mn-cs"/>
+              </a:defRPr>
+            </a:lvl7pPr>
+            <a:lvl8pPr marL="3429000" indent="-228600" algn="l" defTabSz="914400" rtl="0" eaLnBrk="1" latinLnBrk="0" hangingPunct="1">
+              <a:lnSpc>
+                <a:spcPct val="90000"/>
+              </a:lnSpc>
+              <a:spcBef>
+                <a:spcPts val="500"/>
+              </a:spcBef>
+              <a:buFont typeface="Arial" panose="020B0604020202020204" pitchFamily="34" charset="0"/>
+              <a:buChar char="•"/>
+              <a:defRPr sz="1800" kern="1200">
+                <a:solidFill>
+                  <a:schemeClr val="tx1"/>
+                </a:solidFill>
+                <a:latin typeface="+mn-lt"/>
+                <a:ea typeface="+mn-ea"/>
+                <a:cs typeface="+mn-cs"/>
+              </a:defRPr>
+            </a:lvl8pPr>
+            <a:lvl9pPr marL="3886200" indent="-228600" algn="l" defTabSz="914400" rtl="0" eaLnBrk="1" latinLnBrk="0" hangingPunct="1">
+              <a:lnSpc>
+                <a:spcPct val="90000"/>
+              </a:lnSpc>
+              <a:spcBef>
+                <a:spcPts val="500"/>
+              </a:spcBef>
+              <a:buFont typeface="Arial" panose="020B0604020202020204" pitchFamily="34" charset="0"/>
+              <a:buChar char="•"/>
+              <a:defRPr sz="1800" kern="1200">
+                <a:solidFill>
+                  <a:schemeClr val="tx1"/>
+                </a:solidFill>
+                <a:latin typeface="+mn-lt"/>
+                <a:ea typeface="+mn-ea"/>
+                <a:cs typeface="+mn-cs"/>
+              </a:defRPr>
+            </a:lvl9pPr>
+          </a:lstStyle>
+          <a:p>
+            <a:pPr algn="ctr"/>
+            <a:r>
+              <a:rPr lang="da-DK" dirty="0"/>
+              <a:t>Forbedringer af programmet</a:t>
+            </a:r>
+          </a:p>
+        </p:txBody>
+      </p:sp>
+      <p:sp>
+        <p:nvSpPr>
+          <p:cNvPr id="6" name="Tekstfelt 5">
+            <a:extLst>
+              <a:ext uri="{FF2B5EF4-FFF2-40B4-BE49-F238E27FC236}">
+                <a16:creationId xmlns:a16="http://schemas.microsoft.com/office/drawing/2014/main" id="{4D0264CD-9198-4A90-B6F4-E5E69F40B8EB}"/>
+              </a:ext>
+            </a:extLst>
+          </p:cNvPr>
+          <p:cNvSpPr txBox="1"/>
+          <p:nvPr/>
+        </p:nvSpPr>
+        <p:spPr>
+          <a:xfrm>
+            <a:off x="521613" y="1410056"/>
+            <a:ext cx="10904114" cy="1200329"/>
+          </a:xfrm>
+          <a:prstGeom prst="rect">
+            <a:avLst/>
+          </a:prstGeom>
+          <a:noFill/>
+        </p:spPr>
+        <p:txBody>
+          <a:bodyPr wrap="square" rtlCol="0">
+            <a:spAutoFit/>
+          </a:bodyPr>
+          <a:lstStyle/>
+          <a:p>
+            <a:pPr marL="285750" indent="-285750">
+              <a:buFont typeface="Arial" panose="020B0604020202020204" pitchFamily="34" charset="0"/>
+              <a:buChar char="•"/>
+            </a:pPr>
+            <a:r>
+              <a:rPr lang="da-DK" dirty="0"/>
+              <a:t>Bruge kategorierne til inddeling</a:t>
+            </a:r>
+          </a:p>
+          <a:p>
+            <a:pPr marL="285750" indent="-285750">
+              <a:buFont typeface="Arial" panose="020B0604020202020204" pitchFamily="34" charset="0"/>
+              <a:buChar char="•"/>
+            </a:pPr>
+            <a:r>
+              <a:rPr lang="da-DK" dirty="0"/>
+              <a:t>Gøre grafen pænere, og mere overskuelig</a:t>
+            </a:r>
+          </a:p>
+          <a:p>
+            <a:pPr marL="285750" indent="-285750">
+              <a:buFont typeface="Arial" panose="020B0604020202020204" pitchFamily="34" charset="0"/>
+              <a:buChar char="•"/>
+            </a:pPr>
+            <a:r>
+              <a:rPr lang="da-DK" dirty="0"/>
+              <a:t>Mere overskueligt, hvad man kan bruge programmet til</a:t>
+            </a:r>
+          </a:p>
+          <a:p>
+            <a:pPr marL="285750" indent="-285750">
+              <a:buFont typeface="Arial" panose="020B0604020202020204" pitchFamily="34" charset="0"/>
+              <a:buChar char="•"/>
+            </a:pPr>
+            <a:r>
+              <a:rPr lang="da-DK" dirty="0"/>
+              <a:t>Små funktionaliteter, der kan ske automatisk</a:t>
+            </a:r>
+          </a:p>
+        </p:txBody>
+      </p:sp>
+    </p:spTree>
+    <p:extLst>
+      <p:ext uri="{BB962C8B-B14F-4D97-AF65-F5344CB8AC3E}">
+        <p14:creationId xmlns:p14="http://schemas.microsoft.com/office/powerpoint/2010/main" val="73799061"/>
       </p:ext>
     </p:extLst>
   </p:cSld>

--- a/Eksamensprojekt - Max/Præsentation/Præsentation af eksamensprojekt.pptx
+++ b/Eksamensprojekt - Max/Præsentation/Præsentation af eksamensprojekt.pptx
@@ -6,10 +6,10 @@
     <p:sldMasterId id="2147483698" r:id="rId2"/>
   </p:sldMasterIdLst>
   <p:notesMasterIdLst>
-    <p:notesMasterId r:id="rId11"/>
+    <p:notesMasterId r:id="rId12"/>
   </p:notesMasterIdLst>
   <p:handoutMasterIdLst>
-    <p:handoutMasterId r:id="rId12"/>
+    <p:handoutMasterId r:id="rId13"/>
   </p:handoutMasterIdLst>
   <p:sldIdLst>
     <p:sldId id="256" r:id="rId3"/>
@@ -20,6 +20,7 @@
     <p:sldId id="262" r:id="rId8"/>
     <p:sldId id="263" r:id="rId9"/>
     <p:sldId id="264" r:id="rId10"/>
+    <p:sldId id="265" r:id="rId11"/>
   </p:sldIdLst>
   <p:sldSz cx="12192000" cy="6858000"/>
   <p:notesSz cx="6858000" cy="9144000"/>
@@ -123,7 +124,12 @@
       <p15:sldGuideLst xmlns:p15="http://schemas.microsoft.com/office/powerpoint/2012/main">
         <p15:guide id="1" pos="3840" userDrawn="1">
           <p15:clr>
-            <a:srgbClr val="A4A3A4"/>
+            <a:srgbClr val="5ACBF0"/>
+          </p15:clr>
+        </p15:guide>
+        <p15:guide id="2" orient="horz" pos="2160" userDrawn="1">
+          <p15:clr>
+            <a:srgbClr val="5ACBF0"/>
           </p15:clr>
         </p15:guide>
       </p15:sldGuideLst>
@@ -134,7 +140,7 @@
 
 <file path=ppt/commentAuthors.xml><?xml version="1.0" encoding="utf-8"?>
 <p:cmAuthorLst xmlns:a="http://schemas.openxmlformats.org/drawingml/2006/main" xmlns:r="http://schemas.openxmlformats.org/officeDocument/2006/relationships" xmlns:p="http://schemas.openxmlformats.org/presentationml/2006/main">
-  <p:cmAuthor id="1" name="Max Hansen" initials="MH" lastIdx="3" clrIdx="0">
+  <p:cmAuthor id="1" name="Max Hansen" initials="MH" lastIdx="4" clrIdx="0">
     <p:extLst>
       <p:ext uri="{19B8F6BF-5375-455C-9EA6-DF929625EA0E}">
         <p15:presenceInfo xmlns:p15="http://schemas.microsoft.com/office/powerpoint/2012/main" userId="788b532f834497d9" providerId="Windows Live"/>
@@ -150,20 +156,6 @@
     <p:pos x="5213" y="2502"/>
     <p:text>Max Hansen	10-06-2020
 Flowdiagram</p:text>
-    <p:extLst>
-      <p:ext uri="{C676402C-5697-4E1C-873F-D02D1690AC5C}">
-        <p15:threadingInfo xmlns:p15="http://schemas.microsoft.com/office/powerpoint/2012/main" timeZoneBias="-120"/>
-      </p:ext>
-    </p:extLst>
-  </p:cm>
-</p:cmLst>
-</file>
-
-<file path=ppt/comments/comment2.xml><?xml version="1.0" encoding="utf-8"?>
-<p:cmLst xmlns:a="http://schemas.openxmlformats.org/drawingml/2006/main" xmlns:r="http://schemas.openxmlformats.org/officeDocument/2006/relationships" xmlns:p="http://schemas.openxmlformats.org/presentationml/2006/main">
-  <p:cm authorId="1" dt="2020-06-17T10:20:49.261" idx="3">
-    <p:pos x="6868" y="1259"/>
-    <p:text>HUSK AT VERIFY_PASSWORD OG HASH_PASSWORD ER FRA NETTET</p:text>
     <p:extLst>
       <p:ext uri="{C676402C-5697-4E1C-873F-D02D1690AC5C}">
         <p15:threadingInfo xmlns:p15="http://schemas.microsoft.com/office/powerpoint/2012/main" timeZoneBias="-120"/>
@@ -267,7 +259,7 @@
           <a:p>
             <a:fld id="{496FCD50-C1A0-482B-BC86-90B92CB2FE42}" type="datetimeFigureOut">
               <a:rPr lang="da-DK" smtClean="0"/>
-              <a:t>18-06-2020</a:t>
+              <a:t>21-06-2020</a:t>
             </a:fld>
             <a:endParaRPr lang="da-DK"/>
           </a:p>
@@ -445,7 +437,7 @@
           <a:p>
             <a:fld id="{86FDA1C0-1334-4D8B-BA9D-24D0A591AB05}" type="datetimeFigureOut">
               <a:rPr lang="da-DK" smtClean="0"/>
-              <a:t>18-06-2020</a:t>
+              <a:t>21-06-2020</a:t>
             </a:fld>
             <a:endParaRPr lang="da-DK"/>
           </a:p>
@@ -5405,7 +5397,7 @@
           <a:p>
             <a:fld id="{FF082D74-0F04-403B-AC9F-887F607CB20D}" type="datetimeFigureOut">
               <a:rPr lang="en-US" smtClean="0"/>
-              <a:t>6/18/2020</a:t>
+              <a:t>6/21/2020</a:t>
             </a:fld>
             <a:endParaRPr lang="en-US"/>
           </a:p>
@@ -15236,7 +15228,7 @@
           <a:p>
             <a:fld id="{FF082D74-0F04-403B-AC9F-887F607CB20D}" type="datetimeFigureOut">
               <a:rPr lang="en-US" smtClean="0"/>
-              <a:t>6/18/2020</a:t>
+              <a:t>6/21/2020</a:t>
             </a:fld>
             <a:endParaRPr lang="en-US"/>
           </a:p>
@@ -20094,7 +20086,7 @@
             </a:pPr>
             <a:r>
               <a:rPr lang="da-DK" dirty="0"/>
-              <a:t>Fremvisning af programmet (Krav til program?)</a:t>
+              <a:t>Fremvisning af programmet </a:t>
             </a:r>
           </a:p>
           <a:p>
@@ -20104,7 +20096,7 @@
             </a:pPr>
             <a:r>
               <a:rPr lang="da-DK" dirty="0"/>
-              <a:t>Kravene til programmet (Fremvisning?)</a:t>
+              <a:t>Kravene til programmet </a:t>
             </a:r>
           </a:p>
           <a:p>
@@ -20262,8 +20254,8 @@
         </p:nvSpPr>
         <p:spPr>
           <a:xfrm>
-            <a:off x="5240322" y="357793"/>
-            <a:ext cx="1711355" cy="588220"/>
+            <a:off x="5249031" y="357793"/>
+            <a:ext cx="1711355" cy="530481"/>
           </a:xfrm>
           <a:prstGeom prst="roundRect">
             <a:avLst/>
@@ -20441,7 +20433,7 @@
         </p:nvSpPr>
         <p:spPr>
           <a:xfrm>
-            <a:off x="404088" y="351187"/>
+            <a:off x="421506" y="351187"/>
             <a:ext cx="11363111" cy="588220"/>
           </a:xfrm>
         </p:spPr>
@@ -20906,8 +20898,8 @@
         </p:nvSpPr>
         <p:spPr>
           <a:xfrm>
-            <a:off x="1661020" y="116735"/>
-            <a:ext cx="8061820" cy="655782"/>
+            <a:off x="2447109" y="200297"/>
+            <a:ext cx="7254240" cy="478972"/>
           </a:xfrm>
           <a:prstGeom prst="roundRect">
             <a:avLst/>
@@ -20967,7 +20959,7 @@
         </p:nvSpPr>
         <p:spPr>
           <a:xfrm>
-            <a:off x="0" y="150813"/>
+            <a:off x="383193" y="150813"/>
             <a:ext cx="11363325" cy="587375"/>
           </a:xfrm>
           <a:prstGeom prst="rect">
@@ -20982,7 +20974,9 @@
               <a:buNone/>
             </a:pPr>
             <a:r>
-              <a:rPr lang="da-DK" sz="3600" dirty="0"/>
+              <a:rPr lang="da-DK" sz="3600" dirty="0">
+                <a:latin typeface="+mj-lt"/>
+              </a:rPr>
               <a:t>Begrundelse for design – Hoved skærm </a:t>
             </a:r>
           </a:p>
@@ -21074,8 +21068,8 @@
         </p:nvSpPr>
         <p:spPr>
           <a:xfrm>
-            <a:off x="2084398" y="284447"/>
-            <a:ext cx="8036237" cy="655782"/>
+            <a:off x="2525486" y="209001"/>
+            <a:ext cx="7158445" cy="513806"/>
           </a:xfrm>
           <a:prstGeom prst="roundRect">
             <a:avLst/>
@@ -21135,7 +21129,7 @@
         </p:nvSpPr>
         <p:spPr>
           <a:xfrm>
-            <a:off x="2084399" y="302520"/>
+            <a:off x="2084399" y="206721"/>
             <a:ext cx="8036238" cy="587375"/>
           </a:xfrm>
           <a:prstGeom prst="rect">
@@ -21150,7 +21144,9 @@
               <a:buNone/>
             </a:pPr>
             <a:r>
-              <a:rPr lang="da-DK" sz="3600" dirty="0"/>
+              <a:rPr lang="da-DK" sz="3600" dirty="0">
+                <a:latin typeface="+mj-lt"/>
+              </a:rPr>
               <a:t>Begrundelse for design – Login-system</a:t>
             </a:r>
           </a:p>
@@ -21227,7 +21223,7 @@
         </p:blipFill>
         <p:spPr>
           <a:xfrm>
-            <a:off x="6219963" y="1399835"/>
+            <a:off x="6368014" y="1399835"/>
             <a:ext cx="2305372" cy="3734321"/>
           </a:xfrm>
           <a:prstGeom prst="rect">
@@ -21269,7 +21265,7 @@
         </p:blipFill>
         <p:spPr>
           <a:xfrm>
-            <a:off x="8899172" y="2272950"/>
+            <a:off x="9143017" y="2272950"/>
             <a:ext cx="2305372" cy="3734321"/>
           </a:xfrm>
           <a:prstGeom prst="rect">
@@ -21370,8 +21366,8 @@
         </p:nvSpPr>
         <p:spPr>
           <a:xfrm>
-            <a:off x="521612" y="477775"/>
-            <a:ext cx="7466203" cy="655782"/>
+            <a:off x="486776" y="487680"/>
+            <a:ext cx="7466203" cy="548640"/>
           </a:xfrm>
           <a:prstGeom prst="roundRect">
             <a:avLst/>
@@ -21431,7 +21427,7 @@
         </p:nvSpPr>
         <p:spPr>
           <a:xfrm>
-            <a:off x="-1429638" y="520441"/>
+            <a:off x="-1464474" y="520441"/>
             <a:ext cx="11363111" cy="588220"/>
           </a:xfrm>
         </p:spPr>
@@ -21475,7 +21471,7 @@
         </p:blipFill>
         <p:spPr>
           <a:xfrm>
-            <a:off x="2983832" y="1545779"/>
+            <a:off x="2626780" y="1632867"/>
             <a:ext cx="6949641" cy="3612437"/>
           </a:xfrm>
           <a:prstGeom prst="rect">
@@ -21548,7 +21544,7 @@
         </p:blipFill>
         <p:spPr>
           <a:xfrm>
-            <a:off x="2483317" y="1731401"/>
+            <a:off x="2352686" y="1670440"/>
             <a:ext cx="7496977" cy="3522827"/>
           </a:xfrm>
           <a:prstGeom prst="rect">
@@ -21565,10 +21561,10 @@
       </p:pic>
       <p:sp>
         <p:nvSpPr>
-          <p:cNvPr id="5" name="Rektangel: afrundede hjørner 4">
-            <a:extLst>
-              <a:ext uri="{FF2B5EF4-FFF2-40B4-BE49-F238E27FC236}">
-                <a16:creationId xmlns:a16="http://schemas.microsoft.com/office/drawing/2014/main" id="{FD85D8D5-8769-4F0E-87B7-4A03AFAAB57E}"/>
+          <p:cNvPr id="10" name="Rektangel: afrundede hjørner 9">
+            <a:extLst>
+              <a:ext uri="{FF2B5EF4-FFF2-40B4-BE49-F238E27FC236}">
+                <a16:creationId xmlns:a16="http://schemas.microsoft.com/office/drawing/2014/main" id="{2D4C7A6A-0E31-4396-90D4-40BD750A17B6}"/>
               </a:ext>
             </a:extLst>
           </p:cNvPr>
@@ -21577,8 +21573,8 @@
         </p:nvSpPr>
         <p:spPr>
           <a:xfrm>
-            <a:off x="521612" y="477775"/>
-            <a:ext cx="7466203" cy="655782"/>
+            <a:off x="486776" y="487680"/>
+            <a:ext cx="7466203" cy="548640"/>
           </a:xfrm>
           <a:prstGeom prst="roundRect">
             <a:avLst/>
@@ -21622,10 +21618,10 @@
       </p:sp>
       <p:sp>
         <p:nvSpPr>
-          <p:cNvPr id="7" name="Pladsholder til tekst 2">
-            <a:extLst>
-              <a:ext uri="{FF2B5EF4-FFF2-40B4-BE49-F238E27FC236}">
-                <a16:creationId xmlns:a16="http://schemas.microsoft.com/office/drawing/2014/main" id="{E59C4222-18ED-42D7-BF71-5008343C689D}"/>
+          <p:cNvPr id="11" name="Pladsholder til tekst 2">
+            <a:extLst>
+              <a:ext uri="{FF2B5EF4-FFF2-40B4-BE49-F238E27FC236}">
+                <a16:creationId xmlns:a16="http://schemas.microsoft.com/office/drawing/2014/main" id="{71BEA228-F101-48B8-805C-04DA58F19249}"/>
               </a:ext>
             </a:extLst>
           </p:cNvPr>
@@ -21636,7 +21632,7 @@
         </p:nvSpPr>
         <p:spPr>
           <a:xfrm>
-            <a:off x="-1429638" y="520441"/>
+            <a:off x="-1464474" y="520441"/>
             <a:ext cx="11363111" cy="588220"/>
           </a:xfrm>
           <a:prstGeom prst="rect">
@@ -21812,9 +21808,10 @@
           <a:p>
             <a:pPr algn="ctr"/>
             <a:r>
-              <a:rPr lang="da-DK" dirty="0"/>
+              <a:rPr lang="da-DK"/>
               <a:t>Udførelsen af iteration 1 – Login-system</a:t>
             </a:r>
+            <a:endParaRPr lang="da-DK" dirty="0"/>
           </a:p>
         </p:txBody>
       </p:sp>
@@ -21862,8 +21859,8 @@
         </p:nvSpPr>
         <p:spPr>
           <a:xfrm>
-            <a:off x="521613" y="477775"/>
-            <a:ext cx="5511718" cy="655782"/>
+            <a:off x="487679" y="478970"/>
+            <a:ext cx="5364480" cy="487679"/>
           </a:xfrm>
           <a:prstGeom prst="roundRect">
             <a:avLst/>
@@ -21921,7 +21918,7 @@
         </p:nvSpPr>
         <p:spPr>
           <a:xfrm>
-            <a:off x="-2395313" y="511556"/>
+            <a:off x="-2525943" y="450595"/>
             <a:ext cx="11363111" cy="588220"/>
           </a:xfrm>
           <a:prstGeom prst="rect">
@@ -22176,6 +22173,704 @@
     <p:extLst>
       <p:ext uri="{BB962C8B-B14F-4D97-AF65-F5344CB8AC3E}">
         <p14:creationId xmlns:p14="http://schemas.microsoft.com/office/powerpoint/2010/main" val="73799061"/>
+      </p:ext>
+    </p:extLst>
+  </p:cSld>
+  <p:clrMapOvr>
+    <a:masterClrMapping/>
+  </p:clrMapOvr>
+</p:sld>
+</file>
+
+<file path=ppt/slides/slide9.xml><?xml version="1.0" encoding="utf-8"?>
+<p:sld xmlns:a="http://schemas.openxmlformats.org/drawingml/2006/main" xmlns:r="http://schemas.openxmlformats.org/officeDocument/2006/relationships" xmlns:p="http://schemas.openxmlformats.org/presentationml/2006/main">
+  <p:cSld>
+    <p:spTree>
+      <p:nvGrpSpPr>
+        <p:cNvPr id="1" name=""/>
+        <p:cNvGrpSpPr/>
+        <p:nvPr/>
+      </p:nvGrpSpPr>
+      <p:grpSpPr>
+        <a:xfrm>
+          <a:off x="0" y="0"/>
+          <a:ext cx="0" cy="0"/>
+          <a:chOff x="0" y="0"/>
+          <a:chExt cx="0" cy="0"/>
+        </a:xfrm>
+      </p:grpSpPr>
+      <p:sp>
+        <p:nvSpPr>
+          <p:cNvPr id="4" name="Rektangel: afrundede hjørner 3">
+            <a:extLst>
+              <a:ext uri="{FF2B5EF4-FFF2-40B4-BE49-F238E27FC236}">
+                <a16:creationId xmlns:a16="http://schemas.microsoft.com/office/drawing/2014/main" id="{590457F7-FDE2-497E-9229-F5C6B50D41AE}"/>
+              </a:ext>
+            </a:extLst>
+          </p:cNvPr>
+          <p:cNvSpPr/>
+          <p:nvPr/>
+        </p:nvSpPr>
+        <p:spPr>
+          <a:xfrm>
+            <a:off x="478972" y="480943"/>
+            <a:ext cx="2751908" cy="467013"/>
+          </a:xfrm>
+          <a:prstGeom prst="roundRect">
+            <a:avLst/>
+          </a:prstGeom>
+          <a:gradFill>
+            <a:gsLst>
+              <a:gs pos="0">
+                <a:srgbClr val="0070C0"/>
+              </a:gs>
+              <a:gs pos="50000">
+                <a:srgbClr val="0070C0"/>
+              </a:gs>
+              <a:gs pos="100000">
+                <a:srgbClr val="0070C0"/>
+              </a:gs>
+            </a:gsLst>
+          </a:gradFill>
+        </p:spPr>
+        <p:style>
+          <a:lnRef idx="0">
+            <a:schemeClr val="accent2"/>
+          </a:lnRef>
+          <a:fillRef idx="3">
+            <a:schemeClr val="accent2"/>
+          </a:fillRef>
+          <a:effectRef idx="3">
+            <a:schemeClr val="accent2"/>
+          </a:effectRef>
+          <a:fontRef idx="minor">
+            <a:schemeClr val="lt1"/>
+          </a:fontRef>
+        </p:style>
+        <p:txBody>
+          <a:bodyPr rtlCol="0" anchor="ctr"/>
+          <a:lstStyle/>
+          <a:p>
+            <a:pPr algn="ctr"/>
+            <a:endParaRPr lang="da-DK"/>
+          </a:p>
+        </p:txBody>
+      </p:sp>
+      <p:sp>
+        <p:nvSpPr>
+          <p:cNvPr id="3" name="Pladsholder til tekst 2">
+            <a:extLst>
+              <a:ext uri="{FF2B5EF4-FFF2-40B4-BE49-F238E27FC236}">
+                <a16:creationId xmlns:a16="http://schemas.microsoft.com/office/drawing/2014/main" id="{81BC9B14-DEF9-4AED-B81A-2F7DCD2C5553}"/>
+              </a:ext>
+            </a:extLst>
+          </p:cNvPr>
+          <p:cNvSpPr>
+            <a:spLocks noGrp="1"/>
+          </p:cNvSpPr>
+          <p:nvPr>
+            <p:ph type="body" sz="quarter" idx="10"/>
+          </p:nvPr>
+        </p:nvSpPr>
+        <p:spPr/>
+        <p:txBody>
+          <a:bodyPr/>
+          <a:lstStyle/>
+          <a:p>
+            <a:r>
+              <a:rPr lang="da-DK" dirty="0"/>
+              <a:t>Opsummering</a:t>
+            </a:r>
+          </a:p>
+        </p:txBody>
+      </p:sp>
+      <p:sp>
+        <p:nvSpPr>
+          <p:cNvPr id="5" name="Rektangel 4">
+            <a:extLst>
+              <a:ext uri="{FF2B5EF4-FFF2-40B4-BE49-F238E27FC236}">
+                <a16:creationId xmlns:a16="http://schemas.microsoft.com/office/drawing/2014/main" id="{7E34F098-89A8-4A6F-9A86-DDB26D41638C}"/>
+              </a:ext>
+            </a:extLst>
+          </p:cNvPr>
+          <p:cNvSpPr/>
+          <p:nvPr/>
+        </p:nvSpPr>
+        <p:spPr>
+          <a:xfrm>
+            <a:off x="1646693" y="1698450"/>
+            <a:ext cx="2417354" cy="2408166"/>
+          </a:xfrm>
+          <a:prstGeom prst="rect">
+            <a:avLst/>
+          </a:prstGeom>
+          <a:solidFill>
+            <a:schemeClr val="accent2">
+              <a:alpha val="50000"/>
+            </a:schemeClr>
+          </a:solidFill>
+          <a:ln>
+            <a:noFill/>
+          </a:ln>
+          <a:effectLst>
+            <a:outerShdw blurRad="50800" dist="38100" dir="2700000" algn="tl" rotWithShape="0">
+              <a:prstClr val="black">
+                <a:alpha val="40000"/>
+              </a:prstClr>
+            </a:outerShdw>
+          </a:effectLst>
+        </p:spPr>
+        <p:style>
+          <a:lnRef idx="0">
+            <a:scrgbClr r="0" g="0" b="0"/>
+          </a:lnRef>
+          <a:fillRef idx="0">
+            <a:scrgbClr r="0" g="0" b="0"/>
+          </a:fillRef>
+          <a:effectRef idx="0">
+            <a:scrgbClr r="0" g="0" b="0"/>
+          </a:effectRef>
+          <a:fontRef idx="minor">
+            <a:schemeClr val="lt1"/>
+          </a:fontRef>
+        </p:style>
+        <p:txBody>
+          <a:bodyPr rtlCol="0" anchor="ctr"/>
+          <a:lstStyle/>
+          <a:p>
+            <a:pPr algn="ctr"/>
+            <a:endParaRPr lang="da-DK" dirty="0"/>
+          </a:p>
+        </p:txBody>
+      </p:sp>
+      <p:sp>
+        <p:nvSpPr>
+          <p:cNvPr id="6" name="Rektangel 5">
+            <a:extLst>
+              <a:ext uri="{FF2B5EF4-FFF2-40B4-BE49-F238E27FC236}">
+                <a16:creationId xmlns:a16="http://schemas.microsoft.com/office/drawing/2014/main" id="{83F4B232-921A-4E9E-96BF-F85E50DCC20B}"/>
+              </a:ext>
+            </a:extLst>
+          </p:cNvPr>
+          <p:cNvSpPr/>
+          <p:nvPr/>
+        </p:nvSpPr>
+        <p:spPr>
+          <a:xfrm>
+            <a:off x="8127953" y="1698450"/>
+            <a:ext cx="2417354" cy="2408166"/>
+          </a:xfrm>
+          <a:prstGeom prst="rect">
+            <a:avLst/>
+          </a:prstGeom>
+          <a:solidFill>
+            <a:schemeClr val="accent6">
+              <a:alpha val="50000"/>
+            </a:schemeClr>
+          </a:solidFill>
+          <a:ln>
+            <a:noFill/>
+          </a:ln>
+          <a:effectLst>
+            <a:outerShdw blurRad="50800" dist="38100" dir="8100000" algn="tr" rotWithShape="0">
+              <a:prstClr val="black">
+                <a:alpha val="40000"/>
+              </a:prstClr>
+            </a:outerShdw>
+          </a:effectLst>
+        </p:spPr>
+        <p:style>
+          <a:lnRef idx="0">
+            <a:scrgbClr r="0" g="0" b="0"/>
+          </a:lnRef>
+          <a:fillRef idx="0">
+            <a:scrgbClr r="0" g="0" b="0"/>
+          </a:fillRef>
+          <a:effectRef idx="0">
+            <a:scrgbClr r="0" g="0" b="0"/>
+          </a:effectRef>
+          <a:fontRef idx="minor">
+            <a:schemeClr val="lt1"/>
+          </a:fontRef>
+        </p:style>
+        <p:txBody>
+          <a:bodyPr rtlCol="0" anchor="ctr"/>
+          <a:lstStyle/>
+          <a:p>
+            <a:pPr algn="ctr"/>
+            <a:endParaRPr lang="da-DK"/>
+          </a:p>
+        </p:txBody>
+      </p:sp>
+      <p:sp>
+        <p:nvSpPr>
+          <p:cNvPr id="7" name="Rektangel 6">
+            <a:extLst>
+              <a:ext uri="{FF2B5EF4-FFF2-40B4-BE49-F238E27FC236}">
+                <a16:creationId xmlns:a16="http://schemas.microsoft.com/office/drawing/2014/main" id="{AF3531E0-A825-49E8-BA58-A1740161FBAB}"/>
+              </a:ext>
+            </a:extLst>
+          </p:cNvPr>
+          <p:cNvSpPr/>
+          <p:nvPr/>
+        </p:nvSpPr>
+        <p:spPr>
+          <a:xfrm>
+            <a:off x="4882727" y="1698450"/>
+            <a:ext cx="2417354" cy="2408166"/>
+          </a:xfrm>
+          <a:prstGeom prst="rect">
+            <a:avLst/>
+          </a:prstGeom>
+          <a:solidFill>
+            <a:schemeClr val="accent1">
+              <a:alpha val="50000"/>
+            </a:schemeClr>
+          </a:solidFill>
+          <a:ln>
+            <a:noFill/>
+          </a:ln>
+          <a:effectLst>
+            <a:outerShdw blurRad="50800" dist="38100" dir="5400000" algn="t" rotWithShape="0">
+              <a:prstClr val="black">
+                <a:alpha val="40000"/>
+              </a:prstClr>
+            </a:outerShdw>
+          </a:effectLst>
+        </p:spPr>
+        <p:style>
+          <a:lnRef idx="0">
+            <a:scrgbClr r="0" g="0" b="0"/>
+          </a:lnRef>
+          <a:fillRef idx="0">
+            <a:scrgbClr r="0" g="0" b="0"/>
+          </a:fillRef>
+          <a:effectRef idx="0">
+            <a:scrgbClr r="0" g="0" b="0"/>
+          </a:effectRef>
+          <a:fontRef idx="minor">
+            <a:schemeClr val="lt1"/>
+          </a:fontRef>
+        </p:style>
+        <p:txBody>
+          <a:bodyPr rtlCol="0" anchor="ctr"/>
+          <a:lstStyle/>
+          <a:p>
+            <a:pPr algn="ctr"/>
+            <a:endParaRPr lang="da-DK"/>
+          </a:p>
+        </p:txBody>
+      </p:sp>
+      <p:sp>
+        <p:nvSpPr>
+          <p:cNvPr id="8" name="Tekstfelt 7">
+            <a:extLst>
+              <a:ext uri="{FF2B5EF4-FFF2-40B4-BE49-F238E27FC236}">
+                <a16:creationId xmlns:a16="http://schemas.microsoft.com/office/drawing/2014/main" id="{99A033B6-CFB2-4A08-9106-01281CA69BB0}"/>
+              </a:ext>
+            </a:extLst>
+          </p:cNvPr>
+          <p:cNvSpPr txBox="1"/>
+          <p:nvPr/>
+        </p:nvSpPr>
+        <p:spPr>
+          <a:xfrm>
+            <a:off x="1646693" y="1698450"/>
+            <a:ext cx="2417354" cy="369332"/>
+          </a:xfrm>
+          <a:prstGeom prst="rect">
+            <a:avLst/>
+          </a:prstGeom>
+          <a:noFill/>
+        </p:spPr>
+        <p:txBody>
+          <a:bodyPr wrap="square" rtlCol="0">
+            <a:spAutoFit/>
+          </a:bodyPr>
+          <a:lstStyle/>
+          <a:p>
+            <a:pPr algn="ctr"/>
+            <a:r>
+              <a:rPr lang="da-DK" dirty="0"/>
+              <a:t>Krav 1 – GUI</a:t>
+            </a:r>
+          </a:p>
+        </p:txBody>
+      </p:sp>
+      <p:sp>
+        <p:nvSpPr>
+          <p:cNvPr id="9" name="Tekstfelt 8">
+            <a:extLst>
+              <a:ext uri="{FF2B5EF4-FFF2-40B4-BE49-F238E27FC236}">
+                <a16:creationId xmlns:a16="http://schemas.microsoft.com/office/drawing/2014/main" id="{0A34C707-B007-4EBB-B1FE-C087C3324432}"/>
+              </a:ext>
+            </a:extLst>
+          </p:cNvPr>
+          <p:cNvSpPr txBox="1"/>
+          <p:nvPr/>
+        </p:nvSpPr>
+        <p:spPr>
+          <a:xfrm>
+            <a:off x="4882727" y="1698450"/>
+            <a:ext cx="2417354" cy="646331"/>
+          </a:xfrm>
+          <a:prstGeom prst="rect">
+            <a:avLst/>
+          </a:prstGeom>
+          <a:noFill/>
+        </p:spPr>
+        <p:txBody>
+          <a:bodyPr wrap="square" rtlCol="0">
+            <a:spAutoFit/>
+          </a:bodyPr>
+          <a:lstStyle/>
+          <a:p>
+            <a:pPr algn="ctr"/>
+            <a:r>
+              <a:rPr lang="da-DK" dirty="0"/>
+              <a:t>Krav 2 – </a:t>
+            </a:r>
+            <a:r>
+              <a:rPr lang="da-DK" dirty="0" err="1"/>
+              <a:t>Admini-strering</a:t>
+            </a:r>
+            <a:r>
+              <a:rPr lang="da-DK" dirty="0"/>
+              <a:t> af økonomi</a:t>
+            </a:r>
+          </a:p>
+        </p:txBody>
+      </p:sp>
+      <p:sp>
+        <p:nvSpPr>
+          <p:cNvPr id="10" name="Tekstfelt 9">
+            <a:extLst>
+              <a:ext uri="{FF2B5EF4-FFF2-40B4-BE49-F238E27FC236}">
+                <a16:creationId xmlns:a16="http://schemas.microsoft.com/office/drawing/2014/main" id="{431A63D1-ABC2-4E0E-82C3-FFF5EAAFBC9C}"/>
+              </a:ext>
+            </a:extLst>
+          </p:cNvPr>
+          <p:cNvSpPr txBox="1"/>
+          <p:nvPr/>
+        </p:nvSpPr>
+        <p:spPr>
+          <a:xfrm>
+            <a:off x="8127639" y="1698450"/>
+            <a:ext cx="2417354" cy="646331"/>
+          </a:xfrm>
+          <a:prstGeom prst="rect">
+            <a:avLst/>
+          </a:prstGeom>
+          <a:noFill/>
+        </p:spPr>
+        <p:txBody>
+          <a:bodyPr wrap="square" rtlCol="0">
+            <a:spAutoFit/>
+          </a:bodyPr>
+          <a:lstStyle/>
+          <a:p>
+            <a:pPr algn="ctr"/>
+            <a:r>
+              <a:rPr lang="da-DK" dirty="0"/>
+              <a:t>Krav 3 – Visning af økonomi </a:t>
+            </a:r>
+          </a:p>
+        </p:txBody>
+      </p:sp>
+      <p:cxnSp>
+        <p:nvCxnSpPr>
+          <p:cNvPr id="11" name="Lige forbindelse 10">
+            <a:extLst>
+              <a:ext uri="{FF2B5EF4-FFF2-40B4-BE49-F238E27FC236}">
+                <a16:creationId xmlns:a16="http://schemas.microsoft.com/office/drawing/2014/main" id="{ECAD9F03-FC44-4817-9969-6AB0F139C9E7}"/>
+              </a:ext>
+            </a:extLst>
+          </p:cNvPr>
+          <p:cNvCxnSpPr>
+            <a:cxnSpLocks/>
+          </p:cNvCxnSpPr>
+          <p:nvPr/>
+        </p:nvCxnSpPr>
+        <p:spPr>
+          <a:xfrm>
+            <a:off x="4882727" y="2414726"/>
+            <a:ext cx="2419735" cy="0"/>
+          </a:xfrm>
+          <a:prstGeom prst="line">
+            <a:avLst/>
+          </a:prstGeom>
+          <a:ln w="38100">
+            <a:solidFill>
+              <a:schemeClr val="tx1"/>
+            </a:solidFill>
+          </a:ln>
+        </p:spPr>
+        <p:style>
+          <a:lnRef idx="1">
+            <a:schemeClr val="accent1"/>
+          </a:lnRef>
+          <a:fillRef idx="0">
+            <a:schemeClr val="accent1"/>
+          </a:fillRef>
+          <a:effectRef idx="0">
+            <a:schemeClr val="accent1"/>
+          </a:effectRef>
+          <a:fontRef idx="minor">
+            <a:schemeClr val="tx1"/>
+          </a:fontRef>
+        </p:style>
+      </p:cxnSp>
+      <p:cxnSp>
+        <p:nvCxnSpPr>
+          <p:cNvPr id="12" name="Lige forbindelse 11">
+            <a:extLst>
+              <a:ext uri="{FF2B5EF4-FFF2-40B4-BE49-F238E27FC236}">
+                <a16:creationId xmlns:a16="http://schemas.microsoft.com/office/drawing/2014/main" id="{9B75A808-5819-4D6F-A8FA-B0346AB18469}"/>
+              </a:ext>
+            </a:extLst>
+          </p:cNvPr>
+          <p:cNvCxnSpPr/>
+          <p:nvPr/>
+        </p:nvCxnSpPr>
+        <p:spPr>
+          <a:xfrm>
+            <a:off x="1646693" y="2416205"/>
+            <a:ext cx="2417354" cy="0"/>
+          </a:xfrm>
+          <a:prstGeom prst="line">
+            <a:avLst/>
+          </a:prstGeom>
+          <a:ln w="38100">
+            <a:solidFill>
+              <a:schemeClr val="tx1"/>
+            </a:solidFill>
+          </a:ln>
+        </p:spPr>
+        <p:style>
+          <a:lnRef idx="1">
+            <a:schemeClr val="accent1"/>
+          </a:lnRef>
+          <a:fillRef idx="0">
+            <a:schemeClr val="accent1"/>
+          </a:fillRef>
+          <a:effectRef idx="0">
+            <a:schemeClr val="accent1"/>
+          </a:effectRef>
+          <a:fontRef idx="minor">
+            <a:schemeClr val="tx1"/>
+          </a:fontRef>
+        </p:style>
+      </p:cxnSp>
+      <p:cxnSp>
+        <p:nvCxnSpPr>
+          <p:cNvPr id="13" name="Lige forbindelse 12">
+            <a:extLst>
+              <a:ext uri="{FF2B5EF4-FFF2-40B4-BE49-F238E27FC236}">
+                <a16:creationId xmlns:a16="http://schemas.microsoft.com/office/drawing/2014/main" id="{93BC6E56-0F15-4961-BFAB-0552EF57B9F6}"/>
+              </a:ext>
+            </a:extLst>
+          </p:cNvPr>
+          <p:cNvCxnSpPr/>
+          <p:nvPr/>
+        </p:nvCxnSpPr>
+        <p:spPr>
+          <a:xfrm>
+            <a:off x="8127639" y="2414726"/>
+            <a:ext cx="2417354" cy="0"/>
+          </a:xfrm>
+          <a:prstGeom prst="line">
+            <a:avLst/>
+          </a:prstGeom>
+          <a:ln w="38100">
+            <a:solidFill>
+              <a:schemeClr val="tx1"/>
+            </a:solidFill>
+          </a:ln>
+        </p:spPr>
+        <p:style>
+          <a:lnRef idx="1">
+            <a:schemeClr val="accent1"/>
+          </a:lnRef>
+          <a:fillRef idx="0">
+            <a:schemeClr val="accent1"/>
+          </a:fillRef>
+          <a:effectRef idx="0">
+            <a:schemeClr val="accent1"/>
+          </a:effectRef>
+          <a:fontRef idx="minor">
+            <a:schemeClr val="tx1"/>
+          </a:fontRef>
+        </p:style>
+      </p:cxnSp>
+      <p:sp>
+        <p:nvSpPr>
+          <p:cNvPr id="14" name="Tekstfelt 13">
+            <a:extLst>
+              <a:ext uri="{FF2B5EF4-FFF2-40B4-BE49-F238E27FC236}">
+                <a16:creationId xmlns:a16="http://schemas.microsoft.com/office/drawing/2014/main" id="{7886E4F1-508D-465D-862A-C7C429A5C09C}"/>
+              </a:ext>
+            </a:extLst>
+          </p:cNvPr>
+          <p:cNvSpPr txBox="1"/>
+          <p:nvPr/>
+        </p:nvSpPr>
+        <p:spPr>
+          <a:xfrm>
+            <a:off x="1703843" y="2543175"/>
+            <a:ext cx="2296657" cy="1077218"/>
+          </a:xfrm>
+          <a:prstGeom prst="rect">
+            <a:avLst/>
+          </a:prstGeom>
+          <a:noFill/>
+        </p:spPr>
+        <p:txBody>
+          <a:bodyPr wrap="square" rtlCol="0">
+            <a:spAutoFit/>
+          </a:bodyPr>
+          <a:lstStyle/>
+          <a:p>
+            <a:pPr marL="285750" indent="-285750">
+              <a:buFont typeface="Wingdings" panose="05000000000000000000" pitchFamily="2" charset="2"/>
+              <a:buChar char="ü"/>
+            </a:pPr>
+            <a:r>
+              <a:rPr lang="da-DK" sz="1600" dirty="0"/>
+              <a:t>Indtaste oplysninger</a:t>
+            </a:r>
+          </a:p>
+          <a:p>
+            <a:pPr marL="285750" indent="-285750">
+              <a:buFont typeface="Wingdings" panose="05000000000000000000" pitchFamily="2" charset="2"/>
+              <a:buChar char="ü"/>
+            </a:pPr>
+            <a:r>
+              <a:rPr lang="da-DK" sz="1600" dirty="0"/>
+              <a:t>Oprette kategorier</a:t>
+            </a:r>
+          </a:p>
+          <a:p>
+            <a:pPr marL="285750" indent="-285750">
+              <a:buFont typeface="Wingdings" panose="05000000000000000000" pitchFamily="2" charset="2"/>
+              <a:buChar char="ü"/>
+            </a:pPr>
+            <a:r>
+              <a:rPr lang="da-DK" sz="1600" dirty="0"/>
+              <a:t>Vise oplysninger</a:t>
+            </a:r>
+            <a:endParaRPr lang="da-DK" sz="200" dirty="0"/>
+          </a:p>
+          <a:p>
+            <a:pPr marL="285750" indent="-285750">
+              <a:buFont typeface="Wingdings" panose="05000000000000000000" pitchFamily="2" charset="2"/>
+              <a:buChar char="q"/>
+            </a:pPr>
+            <a:endParaRPr lang="da-DK" sz="1600" dirty="0"/>
+          </a:p>
+        </p:txBody>
+      </p:sp>
+      <p:sp>
+        <p:nvSpPr>
+          <p:cNvPr id="15" name="Tekstfelt 14">
+            <a:extLst>
+              <a:ext uri="{FF2B5EF4-FFF2-40B4-BE49-F238E27FC236}">
+                <a16:creationId xmlns:a16="http://schemas.microsoft.com/office/drawing/2014/main" id="{AF94BBE9-A1BF-4BB9-BD0A-EEDE34F0EE6F}"/>
+              </a:ext>
+            </a:extLst>
+          </p:cNvPr>
+          <p:cNvSpPr txBox="1"/>
+          <p:nvPr/>
+        </p:nvSpPr>
+        <p:spPr>
+          <a:xfrm>
+            <a:off x="4943075" y="2540474"/>
+            <a:ext cx="2296657" cy="584775"/>
+          </a:xfrm>
+          <a:prstGeom prst="rect">
+            <a:avLst/>
+          </a:prstGeom>
+          <a:noFill/>
+        </p:spPr>
+        <p:txBody>
+          <a:bodyPr wrap="square" rtlCol="0">
+            <a:spAutoFit/>
+          </a:bodyPr>
+          <a:lstStyle/>
+          <a:p>
+            <a:pPr marL="285750" indent="-285750">
+              <a:buFont typeface="Wingdings" panose="05000000000000000000" pitchFamily="2" charset="2"/>
+              <a:buChar char="ü"/>
+            </a:pPr>
+            <a:r>
+              <a:rPr lang="da-DK" sz="1600" dirty="0"/>
+              <a:t>Udregne kontosaldo</a:t>
+            </a:r>
+          </a:p>
+          <a:p>
+            <a:pPr marL="285750" indent="-285750">
+              <a:buFont typeface="Wingdings" panose="05000000000000000000" pitchFamily="2" charset="2"/>
+              <a:buChar char="ü"/>
+            </a:pPr>
+            <a:r>
+              <a:rPr lang="da-DK" sz="1600" dirty="0"/>
+              <a:t>Løn fra arbejde</a:t>
+            </a:r>
+          </a:p>
+        </p:txBody>
+      </p:sp>
+      <p:sp>
+        <p:nvSpPr>
+          <p:cNvPr id="16" name="Tekstfelt 15">
+            <a:extLst>
+              <a:ext uri="{FF2B5EF4-FFF2-40B4-BE49-F238E27FC236}">
+                <a16:creationId xmlns:a16="http://schemas.microsoft.com/office/drawing/2014/main" id="{36390761-7226-44AD-9236-8184FD09900B}"/>
+              </a:ext>
+            </a:extLst>
+          </p:cNvPr>
+          <p:cNvSpPr txBox="1"/>
+          <p:nvPr/>
+        </p:nvSpPr>
+        <p:spPr>
+          <a:xfrm>
+            <a:off x="8191500" y="2540474"/>
+            <a:ext cx="2296657" cy="1323439"/>
+          </a:xfrm>
+          <a:prstGeom prst="rect">
+            <a:avLst/>
+          </a:prstGeom>
+          <a:noFill/>
+        </p:spPr>
+        <p:txBody>
+          <a:bodyPr wrap="square" rtlCol="0">
+            <a:spAutoFit/>
+          </a:bodyPr>
+          <a:lstStyle/>
+          <a:p>
+            <a:pPr marL="285750" indent="-285750">
+              <a:buFont typeface="Wingdings" panose="05000000000000000000" pitchFamily="2" charset="2"/>
+              <a:buChar char="ü"/>
+            </a:pPr>
+            <a:r>
+              <a:rPr lang="da-DK" sz="1600" dirty="0"/>
+              <a:t>Nuværende konto-saldo</a:t>
+            </a:r>
+          </a:p>
+          <a:p>
+            <a:pPr marL="285750" indent="-285750">
+              <a:buFont typeface="Wingdings" panose="05000000000000000000" pitchFamily="2" charset="2"/>
+              <a:buChar char="ü"/>
+            </a:pPr>
+            <a:r>
+              <a:rPr lang="da-DK" sz="1600" dirty="0"/>
+              <a:t>Kontosaldo for forskellige dage på graf</a:t>
+            </a:r>
+          </a:p>
+        </p:txBody>
+      </p:sp>
+    </p:spTree>
+    <p:extLst>
+      <p:ext uri="{BB962C8B-B14F-4D97-AF65-F5344CB8AC3E}">
+        <p14:creationId xmlns:p14="http://schemas.microsoft.com/office/powerpoint/2010/main" val="3234497840"/>
       </p:ext>
     </p:extLst>
   </p:cSld>

--- a/Eksamensprojekt - Max/Præsentation/Præsentation af eksamensprojekt.pptx
+++ b/Eksamensprojekt - Max/Præsentation/Præsentation af eksamensprojekt.pptx
@@ -150,21 +150,6 @@
 </p:cmAuthorLst>
 </file>
 
-<file path=ppt/comments/comment1.xml><?xml version="1.0" encoding="utf-8"?>
-<p:cmLst xmlns:a="http://schemas.openxmlformats.org/drawingml/2006/main" xmlns:r="http://schemas.openxmlformats.org/officeDocument/2006/relationships" xmlns:p="http://schemas.openxmlformats.org/presentationml/2006/main">
-  <p:cm authorId="1" dt="2020-06-10T14:22:47.367" idx="2">
-    <p:pos x="5213" y="2502"/>
-    <p:text>Max Hansen	10-06-2020
-Flowdiagram</p:text>
-    <p:extLst>
-      <p:ext uri="{C676402C-5697-4E1C-873F-D02D1690AC5C}">
-        <p15:threadingInfo xmlns:p15="http://schemas.microsoft.com/office/powerpoint/2012/main" timeZoneBias="-120"/>
-      </p:ext>
-    </p:extLst>
-  </p:cm>
-</p:cmLst>
-</file>
-
 <file path=ppt/handoutMasters/handoutMaster1.xml><?xml version="1.0" encoding="utf-8"?>
 <p:handoutMaster xmlns:a="http://schemas.openxmlformats.org/drawingml/2006/main" xmlns:r="http://schemas.openxmlformats.org/officeDocument/2006/relationships" xmlns:p="http://schemas.openxmlformats.org/presentationml/2006/main">
   <p:cSld>
@@ -259,7 +244,7 @@
           <a:p>
             <a:fld id="{496FCD50-C1A0-482B-BC86-90B92CB2FE42}" type="datetimeFigureOut">
               <a:rPr lang="da-DK" smtClean="0"/>
-              <a:t>21-06-2020</a:t>
+              <a:t>22-06-2020</a:t>
             </a:fld>
             <a:endParaRPr lang="da-DK"/>
           </a:p>
@@ -437,7 +422,7 @@
           <a:p>
             <a:fld id="{86FDA1C0-1334-4D8B-BA9D-24D0A591AB05}" type="datetimeFigureOut">
               <a:rPr lang="da-DK" smtClean="0"/>
-              <a:t>21-06-2020</a:t>
+              <a:t>22-06-2020</a:t>
             </a:fld>
             <a:endParaRPr lang="da-DK"/>
           </a:p>
@@ -5397,7 +5382,7 @@
           <a:p>
             <a:fld id="{FF082D74-0F04-403B-AC9F-887F607CB20D}" type="datetimeFigureOut">
               <a:rPr lang="en-US" smtClean="0"/>
-              <a:t>6/21/2020</a:t>
+              <a:t>6/22/2020</a:t>
             </a:fld>
             <a:endParaRPr lang="en-US"/>
           </a:p>
@@ -15228,7 +15213,7 @@
           <a:p>
             <a:fld id="{FF082D74-0F04-403B-AC9F-887F607CB20D}" type="datetimeFigureOut">
               <a:rPr lang="en-US" smtClean="0"/>
-              <a:t>6/21/2020</a:t>
+              <a:t>6/22/2020</a:t>
             </a:fld>
             <a:endParaRPr lang="en-US"/>
           </a:p>
@@ -19909,8 +19894,8 @@
         </p:nvSpPr>
         <p:spPr>
           <a:xfrm>
-            <a:off x="1370693" y="1734672"/>
-            <a:ext cx="9440034" cy="3388656"/>
+            <a:off x="1384372" y="1473441"/>
+            <a:ext cx="9440034" cy="3911118"/>
           </a:xfrm>
         </p:spPr>
         <p:txBody>
@@ -20147,6 +20132,16 @@
             <a:r>
               <a:rPr lang="da-DK" dirty="0"/>
               <a:t>Forbedringer af programmet</a:t>
+            </a:r>
+          </a:p>
+          <a:p>
+            <a:pPr marL="457200" indent="-457200">
+              <a:buFont typeface="Courier New" panose="02070309020205020404" pitchFamily="49" charset="0"/>
+              <a:buChar char="o"/>
+            </a:pPr>
+            <a:r>
+              <a:rPr lang="da-DK" dirty="0"/>
+              <a:t>Opsummering</a:t>
             </a:r>
           </a:p>
         </p:txBody>
@@ -21486,6 +21481,41 @@
           </a:effectLst>
         </p:spPr>
       </p:pic>
+      <p:sp>
+        <p:nvSpPr>
+          <p:cNvPr id="2" name="Tekstfelt 1">
+            <a:extLst>
+              <a:ext uri="{FF2B5EF4-FFF2-40B4-BE49-F238E27FC236}">
+                <a16:creationId xmlns:a16="http://schemas.microsoft.com/office/drawing/2014/main" id="{30D4BCB5-31D2-4710-845E-4AA4013D6BA2}"/>
+              </a:ext>
+            </a:extLst>
+          </p:cNvPr>
+          <p:cNvSpPr txBox="1"/>
+          <p:nvPr/>
+        </p:nvSpPr>
+        <p:spPr>
+          <a:xfrm>
+            <a:off x="495655" y="1025495"/>
+            <a:ext cx="3478139" cy="369332"/>
+          </a:xfrm>
+          <a:prstGeom prst="rect">
+            <a:avLst/>
+          </a:prstGeom>
+          <a:noFill/>
+        </p:spPr>
+        <p:txBody>
+          <a:bodyPr wrap="square" rtlCol="0">
+            <a:spAutoFit/>
+          </a:bodyPr>
+          <a:lstStyle/>
+          <a:p>
+            <a:r>
+              <a:rPr lang="da-DK" dirty="0"/>
+              <a:t>Login</a:t>
+            </a:r>
+          </a:p>
+        </p:txBody>
+      </p:sp>
     </p:spTree>
     <p:extLst>
       <p:ext uri="{BB962C8B-B14F-4D97-AF65-F5344CB8AC3E}">
@@ -21815,6 +21845,41 @@
           </a:p>
         </p:txBody>
       </p:sp>
+      <p:sp>
+        <p:nvSpPr>
+          <p:cNvPr id="5" name="Tekstfelt 4">
+            <a:extLst>
+              <a:ext uri="{FF2B5EF4-FFF2-40B4-BE49-F238E27FC236}">
+                <a16:creationId xmlns:a16="http://schemas.microsoft.com/office/drawing/2014/main" id="{35A3898D-5C9B-4BDC-ABA0-1DDA2318DD7D}"/>
+              </a:ext>
+            </a:extLst>
+          </p:cNvPr>
+          <p:cNvSpPr txBox="1"/>
+          <p:nvPr/>
+        </p:nvSpPr>
+        <p:spPr>
+          <a:xfrm>
+            <a:off x="495655" y="1025495"/>
+            <a:ext cx="3478139" cy="369332"/>
+          </a:xfrm>
+          <a:prstGeom prst="rect">
+            <a:avLst/>
+          </a:prstGeom>
+          <a:noFill/>
+        </p:spPr>
+        <p:txBody>
+          <a:bodyPr wrap="square" rtlCol="0">
+            <a:spAutoFit/>
+          </a:bodyPr>
+          <a:lstStyle/>
+          <a:p>
+            <a:r>
+              <a:rPr lang="da-DK" dirty="0"/>
+              <a:t>Sign up</a:t>
+            </a:r>
+          </a:p>
+        </p:txBody>
+      </p:sp>
     </p:spTree>
     <p:extLst>
       <p:ext uri="{BB962C8B-B14F-4D97-AF65-F5344CB8AC3E}">
@@ -22134,7 +22199,7 @@
             </a:pPr>
             <a:r>
               <a:rPr lang="da-DK" dirty="0"/>
-              <a:t>Bruge kategorierne til inddeling</a:t>
+              <a:t>Bruge kategorierne til inddeling, samt gør kategorierne personlige</a:t>
             </a:r>
           </a:p>
           <a:p>

--- a/Eksamensprojekt - Max/Præsentation/Præsentation af eksamensprojekt.pptx
+++ b/Eksamensprojekt - Max/Præsentation/Præsentation af eksamensprojekt.pptx
@@ -6,10 +6,10 @@
     <p:sldMasterId id="2147483698" r:id="rId2"/>
   </p:sldMasterIdLst>
   <p:notesMasterIdLst>
-    <p:notesMasterId r:id="rId12"/>
+    <p:notesMasterId r:id="rId13"/>
   </p:notesMasterIdLst>
   <p:handoutMasterIdLst>
-    <p:handoutMasterId r:id="rId13"/>
+    <p:handoutMasterId r:id="rId14"/>
   </p:handoutMasterIdLst>
   <p:sldIdLst>
     <p:sldId id="256" r:id="rId3"/>
@@ -18,9 +18,10 @@
     <p:sldId id="260" r:id="rId6"/>
     <p:sldId id="261" r:id="rId7"/>
     <p:sldId id="262" r:id="rId8"/>
-    <p:sldId id="263" r:id="rId9"/>
-    <p:sldId id="264" r:id="rId10"/>
-    <p:sldId id="265" r:id="rId11"/>
+    <p:sldId id="266" r:id="rId9"/>
+    <p:sldId id="263" r:id="rId10"/>
+    <p:sldId id="264" r:id="rId11"/>
+    <p:sldId id="265" r:id="rId12"/>
   </p:sldIdLst>
   <p:sldSz cx="12192000" cy="6858000"/>
   <p:notesSz cx="6858000" cy="9144000"/>
@@ -19751,6 +19752,704 @@
 </p:sld>
 </file>
 
+<file path=ppt/slides/slide10.xml><?xml version="1.0" encoding="utf-8"?>
+<p:sld xmlns:a="http://schemas.openxmlformats.org/drawingml/2006/main" xmlns:r="http://schemas.openxmlformats.org/officeDocument/2006/relationships" xmlns:p="http://schemas.openxmlformats.org/presentationml/2006/main">
+  <p:cSld>
+    <p:spTree>
+      <p:nvGrpSpPr>
+        <p:cNvPr id="1" name=""/>
+        <p:cNvGrpSpPr/>
+        <p:nvPr/>
+      </p:nvGrpSpPr>
+      <p:grpSpPr>
+        <a:xfrm>
+          <a:off x="0" y="0"/>
+          <a:ext cx="0" cy="0"/>
+          <a:chOff x="0" y="0"/>
+          <a:chExt cx="0" cy="0"/>
+        </a:xfrm>
+      </p:grpSpPr>
+      <p:sp>
+        <p:nvSpPr>
+          <p:cNvPr id="4" name="Rektangel: afrundede hjørner 3">
+            <a:extLst>
+              <a:ext uri="{FF2B5EF4-FFF2-40B4-BE49-F238E27FC236}">
+                <a16:creationId xmlns:a16="http://schemas.microsoft.com/office/drawing/2014/main" id="{590457F7-FDE2-497E-9229-F5C6B50D41AE}"/>
+              </a:ext>
+            </a:extLst>
+          </p:cNvPr>
+          <p:cNvSpPr/>
+          <p:nvPr/>
+        </p:nvSpPr>
+        <p:spPr>
+          <a:xfrm>
+            <a:off x="478972" y="480943"/>
+            <a:ext cx="2751908" cy="467013"/>
+          </a:xfrm>
+          <a:prstGeom prst="roundRect">
+            <a:avLst/>
+          </a:prstGeom>
+          <a:gradFill>
+            <a:gsLst>
+              <a:gs pos="0">
+                <a:srgbClr val="0070C0"/>
+              </a:gs>
+              <a:gs pos="50000">
+                <a:srgbClr val="0070C0"/>
+              </a:gs>
+              <a:gs pos="100000">
+                <a:srgbClr val="0070C0"/>
+              </a:gs>
+            </a:gsLst>
+          </a:gradFill>
+        </p:spPr>
+        <p:style>
+          <a:lnRef idx="0">
+            <a:schemeClr val="accent2"/>
+          </a:lnRef>
+          <a:fillRef idx="3">
+            <a:schemeClr val="accent2"/>
+          </a:fillRef>
+          <a:effectRef idx="3">
+            <a:schemeClr val="accent2"/>
+          </a:effectRef>
+          <a:fontRef idx="minor">
+            <a:schemeClr val="lt1"/>
+          </a:fontRef>
+        </p:style>
+        <p:txBody>
+          <a:bodyPr rtlCol="0" anchor="ctr"/>
+          <a:lstStyle/>
+          <a:p>
+            <a:pPr algn="ctr"/>
+            <a:endParaRPr lang="da-DK"/>
+          </a:p>
+        </p:txBody>
+      </p:sp>
+      <p:sp>
+        <p:nvSpPr>
+          <p:cNvPr id="3" name="Pladsholder til tekst 2">
+            <a:extLst>
+              <a:ext uri="{FF2B5EF4-FFF2-40B4-BE49-F238E27FC236}">
+                <a16:creationId xmlns:a16="http://schemas.microsoft.com/office/drawing/2014/main" id="{81BC9B14-DEF9-4AED-B81A-2F7DCD2C5553}"/>
+              </a:ext>
+            </a:extLst>
+          </p:cNvPr>
+          <p:cNvSpPr>
+            <a:spLocks noGrp="1"/>
+          </p:cNvSpPr>
+          <p:nvPr>
+            <p:ph type="body" sz="quarter" idx="10"/>
+          </p:nvPr>
+        </p:nvSpPr>
+        <p:spPr/>
+        <p:txBody>
+          <a:bodyPr/>
+          <a:lstStyle/>
+          <a:p>
+            <a:r>
+              <a:rPr lang="da-DK" dirty="0"/>
+              <a:t>Opsummering</a:t>
+            </a:r>
+          </a:p>
+        </p:txBody>
+      </p:sp>
+      <p:sp>
+        <p:nvSpPr>
+          <p:cNvPr id="5" name="Rektangel 4">
+            <a:extLst>
+              <a:ext uri="{FF2B5EF4-FFF2-40B4-BE49-F238E27FC236}">
+                <a16:creationId xmlns:a16="http://schemas.microsoft.com/office/drawing/2014/main" id="{7E34F098-89A8-4A6F-9A86-DDB26D41638C}"/>
+              </a:ext>
+            </a:extLst>
+          </p:cNvPr>
+          <p:cNvSpPr/>
+          <p:nvPr/>
+        </p:nvSpPr>
+        <p:spPr>
+          <a:xfrm>
+            <a:off x="1646693" y="1698450"/>
+            <a:ext cx="2417354" cy="2408166"/>
+          </a:xfrm>
+          <a:prstGeom prst="rect">
+            <a:avLst/>
+          </a:prstGeom>
+          <a:solidFill>
+            <a:schemeClr val="accent2">
+              <a:alpha val="50000"/>
+            </a:schemeClr>
+          </a:solidFill>
+          <a:ln>
+            <a:noFill/>
+          </a:ln>
+          <a:effectLst>
+            <a:outerShdw blurRad="50800" dist="38100" dir="2700000" algn="tl" rotWithShape="0">
+              <a:prstClr val="black">
+                <a:alpha val="40000"/>
+              </a:prstClr>
+            </a:outerShdw>
+          </a:effectLst>
+        </p:spPr>
+        <p:style>
+          <a:lnRef idx="0">
+            <a:scrgbClr r="0" g="0" b="0"/>
+          </a:lnRef>
+          <a:fillRef idx="0">
+            <a:scrgbClr r="0" g="0" b="0"/>
+          </a:fillRef>
+          <a:effectRef idx="0">
+            <a:scrgbClr r="0" g="0" b="0"/>
+          </a:effectRef>
+          <a:fontRef idx="minor">
+            <a:schemeClr val="lt1"/>
+          </a:fontRef>
+        </p:style>
+        <p:txBody>
+          <a:bodyPr rtlCol="0" anchor="ctr"/>
+          <a:lstStyle/>
+          <a:p>
+            <a:pPr algn="ctr"/>
+            <a:endParaRPr lang="da-DK" dirty="0"/>
+          </a:p>
+        </p:txBody>
+      </p:sp>
+      <p:sp>
+        <p:nvSpPr>
+          <p:cNvPr id="6" name="Rektangel 5">
+            <a:extLst>
+              <a:ext uri="{FF2B5EF4-FFF2-40B4-BE49-F238E27FC236}">
+                <a16:creationId xmlns:a16="http://schemas.microsoft.com/office/drawing/2014/main" id="{83F4B232-921A-4E9E-96BF-F85E50DCC20B}"/>
+              </a:ext>
+            </a:extLst>
+          </p:cNvPr>
+          <p:cNvSpPr/>
+          <p:nvPr/>
+        </p:nvSpPr>
+        <p:spPr>
+          <a:xfrm>
+            <a:off x="8127953" y="1698450"/>
+            <a:ext cx="2417354" cy="2408166"/>
+          </a:xfrm>
+          <a:prstGeom prst="rect">
+            <a:avLst/>
+          </a:prstGeom>
+          <a:solidFill>
+            <a:schemeClr val="accent6">
+              <a:alpha val="50000"/>
+            </a:schemeClr>
+          </a:solidFill>
+          <a:ln>
+            <a:noFill/>
+          </a:ln>
+          <a:effectLst>
+            <a:outerShdw blurRad="50800" dist="38100" dir="8100000" algn="tr" rotWithShape="0">
+              <a:prstClr val="black">
+                <a:alpha val="40000"/>
+              </a:prstClr>
+            </a:outerShdw>
+          </a:effectLst>
+        </p:spPr>
+        <p:style>
+          <a:lnRef idx="0">
+            <a:scrgbClr r="0" g="0" b="0"/>
+          </a:lnRef>
+          <a:fillRef idx="0">
+            <a:scrgbClr r="0" g="0" b="0"/>
+          </a:fillRef>
+          <a:effectRef idx="0">
+            <a:scrgbClr r="0" g="0" b="0"/>
+          </a:effectRef>
+          <a:fontRef idx="minor">
+            <a:schemeClr val="lt1"/>
+          </a:fontRef>
+        </p:style>
+        <p:txBody>
+          <a:bodyPr rtlCol="0" anchor="ctr"/>
+          <a:lstStyle/>
+          <a:p>
+            <a:pPr algn="ctr"/>
+            <a:endParaRPr lang="da-DK"/>
+          </a:p>
+        </p:txBody>
+      </p:sp>
+      <p:sp>
+        <p:nvSpPr>
+          <p:cNvPr id="7" name="Rektangel 6">
+            <a:extLst>
+              <a:ext uri="{FF2B5EF4-FFF2-40B4-BE49-F238E27FC236}">
+                <a16:creationId xmlns:a16="http://schemas.microsoft.com/office/drawing/2014/main" id="{AF3531E0-A825-49E8-BA58-A1740161FBAB}"/>
+              </a:ext>
+            </a:extLst>
+          </p:cNvPr>
+          <p:cNvSpPr/>
+          <p:nvPr/>
+        </p:nvSpPr>
+        <p:spPr>
+          <a:xfrm>
+            <a:off x="4882727" y="1698450"/>
+            <a:ext cx="2417354" cy="2408166"/>
+          </a:xfrm>
+          <a:prstGeom prst="rect">
+            <a:avLst/>
+          </a:prstGeom>
+          <a:solidFill>
+            <a:schemeClr val="accent1">
+              <a:alpha val="50000"/>
+            </a:schemeClr>
+          </a:solidFill>
+          <a:ln>
+            <a:noFill/>
+          </a:ln>
+          <a:effectLst>
+            <a:outerShdw blurRad="50800" dist="38100" dir="5400000" algn="t" rotWithShape="0">
+              <a:prstClr val="black">
+                <a:alpha val="40000"/>
+              </a:prstClr>
+            </a:outerShdw>
+          </a:effectLst>
+        </p:spPr>
+        <p:style>
+          <a:lnRef idx="0">
+            <a:scrgbClr r="0" g="0" b="0"/>
+          </a:lnRef>
+          <a:fillRef idx="0">
+            <a:scrgbClr r="0" g="0" b="0"/>
+          </a:fillRef>
+          <a:effectRef idx="0">
+            <a:scrgbClr r="0" g="0" b="0"/>
+          </a:effectRef>
+          <a:fontRef idx="minor">
+            <a:schemeClr val="lt1"/>
+          </a:fontRef>
+        </p:style>
+        <p:txBody>
+          <a:bodyPr rtlCol="0" anchor="ctr"/>
+          <a:lstStyle/>
+          <a:p>
+            <a:pPr algn="ctr"/>
+            <a:endParaRPr lang="da-DK"/>
+          </a:p>
+        </p:txBody>
+      </p:sp>
+      <p:sp>
+        <p:nvSpPr>
+          <p:cNvPr id="8" name="Tekstfelt 7">
+            <a:extLst>
+              <a:ext uri="{FF2B5EF4-FFF2-40B4-BE49-F238E27FC236}">
+                <a16:creationId xmlns:a16="http://schemas.microsoft.com/office/drawing/2014/main" id="{99A033B6-CFB2-4A08-9106-01281CA69BB0}"/>
+              </a:ext>
+            </a:extLst>
+          </p:cNvPr>
+          <p:cNvSpPr txBox="1"/>
+          <p:nvPr/>
+        </p:nvSpPr>
+        <p:spPr>
+          <a:xfrm>
+            <a:off x="1646693" y="1698450"/>
+            <a:ext cx="2417354" cy="369332"/>
+          </a:xfrm>
+          <a:prstGeom prst="rect">
+            <a:avLst/>
+          </a:prstGeom>
+          <a:noFill/>
+        </p:spPr>
+        <p:txBody>
+          <a:bodyPr wrap="square" rtlCol="0">
+            <a:spAutoFit/>
+          </a:bodyPr>
+          <a:lstStyle/>
+          <a:p>
+            <a:pPr algn="ctr"/>
+            <a:r>
+              <a:rPr lang="da-DK" dirty="0"/>
+              <a:t>Krav 1 – GUI</a:t>
+            </a:r>
+          </a:p>
+        </p:txBody>
+      </p:sp>
+      <p:sp>
+        <p:nvSpPr>
+          <p:cNvPr id="9" name="Tekstfelt 8">
+            <a:extLst>
+              <a:ext uri="{FF2B5EF4-FFF2-40B4-BE49-F238E27FC236}">
+                <a16:creationId xmlns:a16="http://schemas.microsoft.com/office/drawing/2014/main" id="{0A34C707-B007-4EBB-B1FE-C087C3324432}"/>
+              </a:ext>
+            </a:extLst>
+          </p:cNvPr>
+          <p:cNvSpPr txBox="1"/>
+          <p:nvPr/>
+        </p:nvSpPr>
+        <p:spPr>
+          <a:xfrm>
+            <a:off x="4882727" y="1698450"/>
+            <a:ext cx="2417354" cy="646331"/>
+          </a:xfrm>
+          <a:prstGeom prst="rect">
+            <a:avLst/>
+          </a:prstGeom>
+          <a:noFill/>
+        </p:spPr>
+        <p:txBody>
+          <a:bodyPr wrap="square" rtlCol="0">
+            <a:spAutoFit/>
+          </a:bodyPr>
+          <a:lstStyle/>
+          <a:p>
+            <a:pPr algn="ctr"/>
+            <a:r>
+              <a:rPr lang="da-DK" dirty="0"/>
+              <a:t>Krav 2 – </a:t>
+            </a:r>
+            <a:r>
+              <a:rPr lang="da-DK" dirty="0" err="1"/>
+              <a:t>Admini-strering</a:t>
+            </a:r>
+            <a:r>
+              <a:rPr lang="da-DK" dirty="0"/>
+              <a:t> af økonomi</a:t>
+            </a:r>
+          </a:p>
+        </p:txBody>
+      </p:sp>
+      <p:sp>
+        <p:nvSpPr>
+          <p:cNvPr id="10" name="Tekstfelt 9">
+            <a:extLst>
+              <a:ext uri="{FF2B5EF4-FFF2-40B4-BE49-F238E27FC236}">
+                <a16:creationId xmlns:a16="http://schemas.microsoft.com/office/drawing/2014/main" id="{431A63D1-ABC2-4E0E-82C3-FFF5EAAFBC9C}"/>
+              </a:ext>
+            </a:extLst>
+          </p:cNvPr>
+          <p:cNvSpPr txBox="1"/>
+          <p:nvPr/>
+        </p:nvSpPr>
+        <p:spPr>
+          <a:xfrm>
+            <a:off x="8127639" y="1698450"/>
+            <a:ext cx="2417354" cy="646331"/>
+          </a:xfrm>
+          <a:prstGeom prst="rect">
+            <a:avLst/>
+          </a:prstGeom>
+          <a:noFill/>
+        </p:spPr>
+        <p:txBody>
+          <a:bodyPr wrap="square" rtlCol="0">
+            <a:spAutoFit/>
+          </a:bodyPr>
+          <a:lstStyle/>
+          <a:p>
+            <a:pPr algn="ctr"/>
+            <a:r>
+              <a:rPr lang="da-DK" dirty="0"/>
+              <a:t>Krav 3 – Visning af økonomi </a:t>
+            </a:r>
+          </a:p>
+        </p:txBody>
+      </p:sp>
+      <p:cxnSp>
+        <p:nvCxnSpPr>
+          <p:cNvPr id="11" name="Lige forbindelse 10">
+            <a:extLst>
+              <a:ext uri="{FF2B5EF4-FFF2-40B4-BE49-F238E27FC236}">
+                <a16:creationId xmlns:a16="http://schemas.microsoft.com/office/drawing/2014/main" id="{ECAD9F03-FC44-4817-9969-6AB0F139C9E7}"/>
+              </a:ext>
+            </a:extLst>
+          </p:cNvPr>
+          <p:cNvCxnSpPr>
+            <a:cxnSpLocks/>
+          </p:cNvCxnSpPr>
+          <p:nvPr/>
+        </p:nvCxnSpPr>
+        <p:spPr>
+          <a:xfrm>
+            <a:off x="4882727" y="2414726"/>
+            <a:ext cx="2419735" cy="0"/>
+          </a:xfrm>
+          <a:prstGeom prst="line">
+            <a:avLst/>
+          </a:prstGeom>
+          <a:ln w="38100">
+            <a:solidFill>
+              <a:schemeClr val="tx1"/>
+            </a:solidFill>
+          </a:ln>
+        </p:spPr>
+        <p:style>
+          <a:lnRef idx="1">
+            <a:schemeClr val="accent1"/>
+          </a:lnRef>
+          <a:fillRef idx="0">
+            <a:schemeClr val="accent1"/>
+          </a:fillRef>
+          <a:effectRef idx="0">
+            <a:schemeClr val="accent1"/>
+          </a:effectRef>
+          <a:fontRef idx="minor">
+            <a:schemeClr val="tx1"/>
+          </a:fontRef>
+        </p:style>
+      </p:cxnSp>
+      <p:cxnSp>
+        <p:nvCxnSpPr>
+          <p:cNvPr id="12" name="Lige forbindelse 11">
+            <a:extLst>
+              <a:ext uri="{FF2B5EF4-FFF2-40B4-BE49-F238E27FC236}">
+                <a16:creationId xmlns:a16="http://schemas.microsoft.com/office/drawing/2014/main" id="{9B75A808-5819-4D6F-A8FA-B0346AB18469}"/>
+              </a:ext>
+            </a:extLst>
+          </p:cNvPr>
+          <p:cNvCxnSpPr/>
+          <p:nvPr/>
+        </p:nvCxnSpPr>
+        <p:spPr>
+          <a:xfrm>
+            <a:off x="1646693" y="2416205"/>
+            <a:ext cx="2417354" cy="0"/>
+          </a:xfrm>
+          <a:prstGeom prst="line">
+            <a:avLst/>
+          </a:prstGeom>
+          <a:ln w="38100">
+            <a:solidFill>
+              <a:schemeClr val="tx1"/>
+            </a:solidFill>
+          </a:ln>
+        </p:spPr>
+        <p:style>
+          <a:lnRef idx="1">
+            <a:schemeClr val="accent1"/>
+          </a:lnRef>
+          <a:fillRef idx="0">
+            <a:schemeClr val="accent1"/>
+          </a:fillRef>
+          <a:effectRef idx="0">
+            <a:schemeClr val="accent1"/>
+          </a:effectRef>
+          <a:fontRef idx="minor">
+            <a:schemeClr val="tx1"/>
+          </a:fontRef>
+        </p:style>
+      </p:cxnSp>
+      <p:cxnSp>
+        <p:nvCxnSpPr>
+          <p:cNvPr id="13" name="Lige forbindelse 12">
+            <a:extLst>
+              <a:ext uri="{FF2B5EF4-FFF2-40B4-BE49-F238E27FC236}">
+                <a16:creationId xmlns:a16="http://schemas.microsoft.com/office/drawing/2014/main" id="{93BC6E56-0F15-4961-BFAB-0552EF57B9F6}"/>
+              </a:ext>
+            </a:extLst>
+          </p:cNvPr>
+          <p:cNvCxnSpPr/>
+          <p:nvPr/>
+        </p:nvCxnSpPr>
+        <p:spPr>
+          <a:xfrm>
+            <a:off x="8127639" y="2414726"/>
+            <a:ext cx="2417354" cy="0"/>
+          </a:xfrm>
+          <a:prstGeom prst="line">
+            <a:avLst/>
+          </a:prstGeom>
+          <a:ln w="38100">
+            <a:solidFill>
+              <a:schemeClr val="tx1"/>
+            </a:solidFill>
+          </a:ln>
+        </p:spPr>
+        <p:style>
+          <a:lnRef idx="1">
+            <a:schemeClr val="accent1"/>
+          </a:lnRef>
+          <a:fillRef idx="0">
+            <a:schemeClr val="accent1"/>
+          </a:fillRef>
+          <a:effectRef idx="0">
+            <a:schemeClr val="accent1"/>
+          </a:effectRef>
+          <a:fontRef idx="minor">
+            <a:schemeClr val="tx1"/>
+          </a:fontRef>
+        </p:style>
+      </p:cxnSp>
+      <p:sp>
+        <p:nvSpPr>
+          <p:cNvPr id="14" name="Tekstfelt 13">
+            <a:extLst>
+              <a:ext uri="{FF2B5EF4-FFF2-40B4-BE49-F238E27FC236}">
+                <a16:creationId xmlns:a16="http://schemas.microsoft.com/office/drawing/2014/main" id="{7886E4F1-508D-465D-862A-C7C429A5C09C}"/>
+              </a:ext>
+            </a:extLst>
+          </p:cNvPr>
+          <p:cNvSpPr txBox="1"/>
+          <p:nvPr/>
+        </p:nvSpPr>
+        <p:spPr>
+          <a:xfrm>
+            <a:off x="1703843" y="2543175"/>
+            <a:ext cx="2296657" cy="1077218"/>
+          </a:xfrm>
+          <a:prstGeom prst="rect">
+            <a:avLst/>
+          </a:prstGeom>
+          <a:noFill/>
+        </p:spPr>
+        <p:txBody>
+          <a:bodyPr wrap="square" rtlCol="0">
+            <a:spAutoFit/>
+          </a:bodyPr>
+          <a:lstStyle/>
+          <a:p>
+            <a:pPr marL="285750" indent="-285750">
+              <a:buFont typeface="Wingdings" panose="05000000000000000000" pitchFamily="2" charset="2"/>
+              <a:buChar char="ü"/>
+            </a:pPr>
+            <a:r>
+              <a:rPr lang="da-DK" sz="1600" dirty="0"/>
+              <a:t>Indtaste oplysninger</a:t>
+            </a:r>
+          </a:p>
+          <a:p>
+            <a:pPr marL="285750" indent="-285750">
+              <a:buFont typeface="Wingdings" panose="05000000000000000000" pitchFamily="2" charset="2"/>
+              <a:buChar char="ü"/>
+            </a:pPr>
+            <a:r>
+              <a:rPr lang="da-DK" sz="1600" dirty="0"/>
+              <a:t>Oprette kategorier</a:t>
+            </a:r>
+          </a:p>
+          <a:p>
+            <a:pPr marL="285750" indent="-285750">
+              <a:buFont typeface="Wingdings" panose="05000000000000000000" pitchFamily="2" charset="2"/>
+              <a:buChar char="ü"/>
+            </a:pPr>
+            <a:r>
+              <a:rPr lang="da-DK" sz="1600" dirty="0"/>
+              <a:t>Vise oplysninger</a:t>
+            </a:r>
+            <a:endParaRPr lang="da-DK" sz="200" dirty="0"/>
+          </a:p>
+          <a:p>
+            <a:pPr marL="285750" indent="-285750">
+              <a:buFont typeface="Wingdings" panose="05000000000000000000" pitchFamily="2" charset="2"/>
+              <a:buChar char="q"/>
+            </a:pPr>
+            <a:endParaRPr lang="da-DK" sz="1600" dirty="0"/>
+          </a:p>
+        </p:txBody>
+      </p:sp>
+      <p:sp>
+        <p:nvSpPr>
+          <p:cNvPr id="15" name="Tekstfelt 14">
+            <a:extLst>
+              <a:ext uri="{FF2B5EF4-FFF2-40B4-BE49-F238E27FC236}">
+                <a16:creationId xmlns:a16="http://schemas.microsoft.com/office/drawing/2014/main" id="{AF94BBE9-A1BF-4BB9-BD0A-EEDE34F0EE6F}"/>
+              </a:ext>
+            </a:extLst>
+          </p:cNvPr>
+          <p:cNvSpPr txBox="1"/>
+          <p:nvPr/>
+        </p:nvSpPr>
+        <p:spPr>
+          <a:xfrm>
+            <a:off x="4943075" y="2540474"/>
+            <a:ext cx="2296657" cy="584775"/>
+          </a:xfrm>
+          <a:prstGeom prst="rect">
+            <a:avLst/>
+          </a:prstGeom>
+          <a:noFill/>
+        </p:spPr>
+        <p:txBody>
+          <a:bodyPr wrap="square" rtlCol="0">
+            <a:spAutoFit/>
+          </a:bodyPr>
+          <a:lstStyle/>
+          <a:p>
+            <a:pPr marL="285750" indent="-285750">
+              <a:buFont typeface="Wingdings" panose="05000000000000000000" pitchFamily="2" charset="2"/>
+              <a:buChar char="ü"/>
+            </a:pPr>
+            <a:r>
+              <a:rPr lang="da-DK" sz="1600" dirty="0"/>
+              <a:t>Udregne kontosaldo</a:t>
+            </a:r>
+          </a:p>
+          <a:p>
+            <a:pPr marL="285750" indent="-285750">
+              <a:buFont typeface="Wingdings" panose="05000000000000000000" pitchFamily="2" charset="2"/>
+              <a:buChar char="ü"/>
+            </a:pPr>
+            <a:r>
+              <a:rPr lang="da-DK" sz="1600" dirty="0"/>
+              <a:t>Løn fra arbejde</a:t>
+            </a:r>
+          </a:p>
+        </p:txBody>
+      </p:sp>
+      <p:sp>
+        <p:nvSpPr>
+          <p:cNvPr id="16" name="Tekstfelt 15">
+            <a:extLst>
+              <a:ext uri="{FF2B5EF4-FFF2-40B4-BE49-F238E27FC236}">
+                <a16:creationId xmlns:a16="http://schemas.microsoft.com/office/drawing/2014/main" id="{36390761-7226-44AD-9236-8184FD09900B}"/>
+              </a:ext>
+            </a:extLst>
+          </p:cNvPr>
+          <p:cNvSpPr txBox="1"/>
+          <p:nvPr/>
+        </p:nvSpPr>
+        <p:spPr>
+          <a:xfrm>
+            <a:off x="8191500" y="2540474"/>
+            <a:ext cx="2296657" cy="1323439"/>
+          </a:xfrm>
+          <a:prstGeom prst="rect">
+            <a:avLst/>
+          </a:prstGeom>
+          <a:noFill/>
+        </p:spPr>
+        <p:txBody>
+          <a:bodyPr wrap="square" rtlCol="0">
+            <a:spAutoFit/>
+          </a:bodyPr>
+          <a:lstStyle/>
+          <a:p>
+            <a:pPr marL="285750" indent="-285750">
+              <a:buFont typeface="Wingdings" panose="05000000000000000000" pitchFamily="2" charset="2"/>
+              <a:buChar char="ü"/>
+            </a:pPr>
+            <a:r>
+              <a:rPr lang="da-DK" sz="1600" dirty="0"/>
+              <a:t>Nuværende konto-saldo</a:t>
+            </a:r>
+          </a:p>
+          <a:p>
+            <a:pPr marL="285750" indent="-285750">
+              <a:buFont typeface="Wingdings" panose="05000000000000000000" pitchFamily="2" charset="2"/>
+              <a:buChar char="ü"/>
+            </a:pPr>
+            <a:r>
+              <a:rPr lang="da-DK" sz="1600" dirty="0"/>
+              <a:t>Kontosaldo for forskellige dage på graf</a:t>
+            </a:r>
+          </a:p>
+        </p:txBody>
+      </p:sp>
+    </p:spTree>
+    <p:extLst>
+      <p:ext uri="{BB962C8B-B14F-4D97-AF65-F5344CB8AC3E}">
+        <p14:creationId xmlns:p14="http://schemas.microsoft.com/office/powerpoint/2010/main" val="3234497840"/>
+      </p:ext>
+    </p:extLst>
+  </p:cSld>
+  <p:clrMapOvr>
+    <a:masterClrMapping/>
+  </p:clrMapOvr>
+</p:sld>
+</file>
+
 <file path=ppt/slides/slide2.xml><?xml version="1.0" encoding="utf-8"?>
 <p:sld xmlns:a="http://schemas.openxmlformats.org/drawingml/2006/main" xmlns:r="http://schemas.openxmlformats.org/officeDocument/2006/relationships" xmlns:p="http://schemas.openxmlformats.org/presentationml/2006/main">
   <p:cSld>
@@ -21546,55 +22245,12 @@
           <a:chExt cx="0" cy="0"/>
         </a:xfrm>
       </p:grpSpPr>
-      <p:pic>
-        <p:nvPicPr>
-          <p:cNvPr id="6" name="Billede 5" descr="Et billede, der indeholder monitor, skærmbillede, skærm, bærbar computer&#10;&#10;Automatisk genereret beskrivelse">
-            <a:extLst>
-              <a:ext uri="{FF2B5EF4-FFF2-40B4-BE49-F238E27FC236}">
-                <a16:creationId xmlns:a16="http://schemas.microsoft.com/office/drawing/2014/main" id="{816DAE25-7DD9-4C60-8783-886111D7001B}"/>
-              </a:ext>
-            </a:extLst>
-          </p:cNvPr>
-          <p:cNvPicPr>
-            <a:picLocks noChangeAspect="1"/>
-          </p:cNvPicPr>
-          <p:nvPr/>
-        </p:nvPicPr>
-        <p:blipFill>
-          <a:blip r:embed="rId2">
-            <a:extLst>
-              <a:ext uri="{28A0092B-C50C-407E-A947-70E740481C1C}">
-                <a14:useLocalDpi xmlns:a14="http://schemas.microsoft.com/office/drawing/2010/main" val="0"/>
-              </a:ext>
-            </a:extLst>
-          </a:blip>
-          <a:stretch>
-            <a:fillRect/>
-          </a:stretch>
-        </p:blipFill>
-        <p:spPr>
-          <a:xfrm>
-            <a:off x="2352686" y="1670440"/>
-            <a:ext cx="7496977" cy="3522827"/>
-          </a:xfrm>
-          <a:prstGeom prst="rect">
-            <a:avLst/>
-          </a:prstGeom>
-          <a:effectLst>
-            <a:outerShdw blurRad="50800" dist="38100" dir="2700000" algn="tl" rotWithShape="0">
-              <a:prstClr val="black">
-                <a:alpha val="40000"/>
-              </a:prstClr>
-            </a:outerShdw>
-          </a:effectLst>
-        </p:spPr>
-      </p:pic>
-      <p:sp>
-        <p:nvSpPr>
-          <p:cNvPr id="10" name="Rektangel: afrundede hjørner 9">
-            <a:extLst>
-              <a:ext uri="{FF2B5EF4-FFF2-40B4-BE49-F238E27FC236}">
-                <a16:creationId xmlns:a16="http://schemas.microsoft.com/office/drawing/2014/main" id="{2D4C7A6A-0E31-4396-90D4-40BD750A17B6}"/>
+      <p:sp>
+        <p:nvSpPr>
+          <p:cNvPr id="5" name="Rektangel: afrundede hjørner 4">
+            <a:extLst>
+              <a:ext uri="{FF2B5EF4-FFF2-40B4-BE49-F238E27FC236}">
+                <a16:creationId xmlns:a16="http://schemas.microsoft.com/office/drawing/2014/main" id="{0436107D-5C64-421A-B2A4-7CB4A52D8AEB}"/>
               </a:ext>
             </a:extLst>
           </p:cNvPr>
@@ -21648,209 +22304,44 @@
       </p:sp>
       <p:sp>
         <p:nvSpPr>
-          <p:cNvPr id="11" name="Pladsholder til tekst 2">
-            <a:extLst>
-              <a:ext uri="{FF2B5EF4-FFF2-40B4-BE49-F238E27FC236}">
-                <a16:creationId xmlns:a16="http://schemas.microsoft.com/office/drawing/2014/main" id="{71BEA228-F101-48B8-805C-04DA58F19249}"/>
-              </a:ext>
-            </a:extLst>
-          </p:cNvPr>
-          <p:cNvSpPr txBox="1">
-            <a:spLocks/>
+          <p:cNvPr id="3" name="Pladsholder til tekst 2">
+            <a:extLst>
+              <a:ext uri="{FF2B5EF4-FFF2-40B4-BE49-F238E27FC236}">
+                <a16:creationId xmlns:a16="http://schemas.microsoft.com/office/drawing/2014/main" id="{CA6BD9EF-6CC4-4A5D-A45C-37C1D7777779}"/>
+              </a:ext>
+            </a:extLst>
+          </p:cNvPr>
+          <p:cNvSpPr>
+            <a:spLocks noGrp="1"/>
           </p:cNvSpPr>
-          <p:nvPr/>
+          <p:nvPr>
+            <p:ph type="body" sz="quarter" idx="10"/>
+          </p:nvPr>
         </p:nvSpPr>
         <p:spPr>
           <a:xfrm>
             <a:off x="-1464474" y="520441"/>
             <a:ext cx="11363111" cy="588220"/>
           </a:xfrm>
-          <a:prstGeom prst="rect">
-            <a:avLst/>
-          </a:prstGeom>
-        </p:spPr>
-        <p:txBody>
-          <a:bodyPr anchor="ctr"/>
-          <a:lstStyle>
-            <a:lvl1pPr marL="0" indent="0" algn="l" defTabSz="914400" rtl="0" eaLnBrk="1" latinLnBrk="0" hangingPunct="1">
-              <a:lnSpc>
-                <a:spcPct val="90000"/>
-              </a:lnSpc>
-              <a:spcBef>
-                <a:spcPts val="1000"/>
-              </a:spcBef>
-              <a:buFont typeface="Arial" panose="020B0604020202020204" pitchFamily="34" charset="0"/>
-              <a:buNone/>
-              <a:defRPr sz="3600" kern="1200">
-                <a:solidFill>
-                  <a:schemeClr val="tx1"/>
-                </a:solidFill>
-                <a:latin typeface="+mj-lt"/>
-                <a:ea typeface="+mn-ea"/>
-                <a:cs typeface="+mn-cs"/>
-              </a:defRPr>
-            </a:lvl1pPr>
-            <a:lvl2pPr marL="685800" indent="-228600" algn="l" defTabSz="914400" rtl="0" eaLnBrk="1" latinLnBrk="0" hangingPunct="1">
-              <a:lnSpc>
-                <a:spcPct val="90000"/>
-              </a:lnSpc>
-              <a:spcBef>
-                <a:spcPts val="500"/>
-              </a:spcBef>
-              <a:buFont typeface="Arial" panose="020B0604020202020204" pitchFamily="34" charset="0"/>
-              <a:buChar char="•"/>
-              <a:defRPr sz="2400" kern="1200">
-                <a:solidFill>
-                  <a:schemeClr val="tx1"/>
-                </a:solidFill>
-                <a:latin typeface="+mn-lt"/>
-                <a:ea typeface="+mn-ea"/>
-                <a:cs typeface="+mn-cs"/>
-              </a:defRPr>
-            </a:lvl2pPr>
-            <a:lvl3pPr marL="1143000" indent="-228600" algn="l" defTabSz="914400" rtl="0" eaLnBrk="1" latinLnBrk="0" hangingPunct="1">
-              <a:lnSpc>
-                <a:spcPct val="90000"/>
-              </a:lnSpc>
-              <a:spcBef>
-                <a:spcPts val="500"/>
-              </a:spcBef>
-              <a:buFont typeface="Arial" panose="020B0604020202020204" pitchFamily="34" charset="0"/>
-              <a:buChar char="•"/>
-              <a:defRPr sz="2000" kern="1200">
-                <a:solidFill>
-                  <a:schemeClr val="tx1"/>
-                </a:solidFill>
-                <a:latin typeface="+mn-lt"/>
-                <a:ea typeface="+mn-ea"/>
-                <a:cs typeface="+mn-cs"/>
-              </a:defRPr>
-            </a:lvl3pPr>
-            <a:lvl4pPr marL="1600200" indent="-228600" algn="l" defTabSz="914400" rtl="0" eaLnBrk="1" latinLnBrk="0" hangingPunct="1">
-              <a:lnSpc>
-                <a:spcPct val="90000"/>
-              </a:lnSpc>
-              <a:spcBef>
-                <a:spcPts val="500"/>
-              </a:spcBef>
-              <a:buFont typeface="Arial" panose="020B0604020202020204" pitchFamily="34" charset="0"/>
-              <a:buChar char="•"/>
-              <a:defRPr sz="1800" kern="1200">
-                <a:solidFill>
-                  <a:schemeClr val="tx1"/>
-                </a:solidFill>
-                <a:latin typeface="+mn-lt"/>
-                <a:ea typeface="+mn-ea"/>
-                <a:cs typeface="+mn-cs"/>
-              </a:defRPr>
-            </a:lvl4pPr>
-            <a:lvl5pPr marL="2057400" indent="-228600" algn="l" defTabSz="914400" rtl="0" eaLnBrk="1" latinLnBrk="0" hangingPunct="1">
-              <a:lnSpc>
-                <a:spcPct val="90000"/>
-              </a:lnSpc>
-              <a:spcBef>
-                <a:spcPts val="500"/>
-              </a:spcBef>
-              <a:buFont typeface="Arial" panose="020B0604020202020204" pitchFamily="34" charset="0"/>
-              <a:buChar char="•"/>
-              <a:defRPr sz="1800" kern="1200">
-                <a:solidFill>
-                  <a:schemeClr val="tx1"/>
-                </a:solidFill>
-                <a:latin typeface="+mn-lt"/>
-                <a:ea typeface="+mn-ea"/>
-                <a:cs typeface="+mn-cs"/>
-              </a:defRPr>
-            </a:lvl5pPr>
-            <a:lvl6pPr marL="2514600" indent="-228600" algn="l" defTabSz="914400" rtl="0" eaLnBrk="1" latinLnBrk="0" hangingPunct="1">
-              <a:lnSpc>
-                <a:spcPct val="90000"/>
-              </a:lnSpc>
-              <a:spcBef>
-                <a:spcPts val="500"/>
-              </a:spcBef>
-              <a:buFont typeface="Arial" panose="020B0604020202020204" pitchFamily="34" charset="0"/>
-              <a:buChar char="•"/>
-              <a:defRPr sz="1800" kern="1200">
-                <a:solidFill>
-                  <a:schemeClr val="tx1"/>
-                </a:solidFill>
-                <a:latin typeface="+mn-lt"/>
-                <a:ea typeface="+mn-ea"/>
-                <a:cs typeface="+mn-cs"/>
-              </a:defRPr>
-            </a:lvl6pPr>
-            <a:lvl7pPr marL="2971800" indent="-228600" algn="l" defTabSz="914400" rtl="0" eaLnBrk="1" latinLnBrk="0" hangingPunct="1">
-              <a:lnSpc>
-                <a:spcPct val="90000"/>
-              </a:lnSpc>
-              <a:spcBef>
-                <a:spcPts val="500"/>
-              </a:spcBef>
-              <a:buFont typeface="Arial" panose="020B0604020202020204" pitchFamily="34" charset="0"/>
-              <a:buChar char="•"/>
-              <a:defRPr sz="1800" kern="1200">
-                <a:solidFill>
-                  <a:schemeClr val="tx1"/>
-                </a:solidFill>
-                <a:latin typeface="+mn-lt"/>
-                <a:ea typeface="+mn-ea"/>
-                <a:cs typeface="+mn-cs"/>
-              </a:defRPr>
-            </a:lvl7pPr>
-            <a:lvl8pPr marL="3429000" indent="-228600" algn="l" defTabSz="914400" rtl="0" eaLnBrk="1" latinLnBrk="0" hangingPunct="1">
-              <a:lnSpc>
-                <a:spcPct val="90000"/>
-              </a:lnSpc>
-              <a:spcBef>
-                <a:spcPts val="500"/>
-              </a:spcBef>
-              <a:buFont typeface="Arial" panose="020B0604020202020204" pitchFamily="34" charset="0"/>
-              <a:buChar char="•"/>
-              <a:defRPr sz="1800" kern="1200">
-                <a:solidFill>
-                  <a:schemeClr val="tx1"/>
-                </a:solidFill>
-                <a:latin typeface="+mn-lt"/>
-                <a:ea typeface="+mn-ea"/>
-                <a:cs typeface="+mn-cs"/>
-              </a:defRPr>
-            </a:lvl8pPr>
-            <a:lvl9pPr marL="3886200" indent="-228600" algn="l" defTabSz="914400" rtl="0" eaLnBrk="1" latinLnBrk="0" hangingPunct="1">
-              <a:lnSpc>
-                <a:spcPct val="90000"/>
-              </a:lnSpc>
-              <a:spcBef>
-                <a:spcPts val="500"/>
-              </a:spcBef>
-              <a:buFont typeface="Arial" panose="020B0604020202020204" pitchFamily="34" charset="0"/>
-              <a:buChar char="•"/>
-              <a:defRPr sz="1800" kern="1200">
-                <a:solidFill>
-                  <a:schemeClr val="tx1"/>
-                </a:solidFill>
-                <a:latin typeface="+mn-lt"/>
-                <a:ea typeface="+mn-ea"/>
-                <a:cs typeface="+mn-cs"/>
-              </a:defRPr>
-            </a:lvl9pPr>
-          </a:lstStyle>
+        </p:spPr>
+        <p:txBody>
+          <a:bodyPr/>
+          <a:lstStyle/>
           <a:p>
             <a:pPr algn="ctr"/>
             <a:r>
-              <a:rPr lang="da-DK"/>
+              <a:rPr lang="da-DK" dirty="0"/>
               <a:t>Udførelsen af iteration 1 – Login-system</a:t>
             </a:r>
-            <a:endParaRPr lang="da-DK" dirty="0"/>
-          </a:p>
-        </p:txBody>
-      </p:sp>
-      <p:sp>
-        <p:nvSpPr>
-          <p:cNvPr id="5" name="Tekstfelt 4">
-            <a:extLst>
-              <a:ext uri="{FF2B5EF4-FFF2-40B4-BE49-F238E27FC236}">
-                <a16:creationId xmlns:a16="http://schemas.microsoft.com/office/drawing/2014/main" id="{35A3898D-5C9B-4BDC-ABA0-1DDA2318DD7D}"/>
+          </a:p>
+        </p:txBody>
+      </p:sp>
+      <p:sp>
+        <p:nvSpPr>
+          <p:cNvPr id="2" name="Tekstfelt 1">
+            <a:extLst>
+              <a:ext uri="{FF2B5EF4-FFF2-40B4-BE49-F238E27FC236}">
+                <a16:creationId xmlns:a16="http://schemas.microsoft.com/office/drawing/2014/main" id="{30D4BCB5-31D2-4710-845E-4AA4013D6BA2}"/>
               </a:ext>
             </a:extLst>
           </p:cNvPr>
@@ -21875,15 +22366,51 @@
           <a:p>
             <a:r>
               <a:rPr lang="da-DK" dirty="0"/>
-              <a:t>Sign up</a:t>
-            </a:r>
-          </a:p>
-        </p:txBody>
-      </p:sp>
+              <a:t>Login</a:t>
+            </a:r>
+          </a:p>
+        </p:txBody>
+      </p:sp>
+      <p:pic>
+        <p:nvPicPr>
+          <p:cNvPr id="8" name="Billede 7" descr="Et billede, der indeholder skærmbillede, monitor, skærm, bærbar computer&#10;&#10;Automatisk genereret beskrivelse">
+            <a:extLst>
+              <a:ext uri="{FF2B5EF4-FFF2-40B4-BE49-F238E27FC236}">
+                <a16:creationId xmlns:a16="http://schemas.microsoft.com/office/drawing/2014/main" id="{FDC1ACF9-1090-4C5F-9290-DF4DB1E7F5C8}"/>
+              </a:ext>
+            </a:extLst>
+          </p:cNvPr>
+          <p:cNvPicPr>
+            <a:picLocks noChangeAspect="1"/>
+          </p:cNvPicPr>
+          <p:nvPr/>
+        </p:nvPicPr>
+        <p:blipFill>
+          <a:blip r:embed="rId2">
+            <a:extLst>
+              <a:ext uri="{28A0092B-C50C-407E-A947-70E740481C1C}">
+                <a14:useLocalDpi xmlns:a14="http://schemas.microsoft.com/office/drawing/2010/main" val="0"/>
+              </a:ext>
+            </a:extLst>
+          </a:blip>
+          <a:stretch>
+            <a:fillRect/>
+          </a:stretch>
+        </p:blipFill>
+        <p:spPr>
+          <a:xfrm>
+            <a:off x="1841618" y="1862183"/>
+            <a:ext cx="8508763" cy="3133633"/>
+          </a:xfrm>
+          <a:prstGeom prst="rect">
+            <a:avLst/>
+          </a:prstGeom>
+        </p:spPr>
+      </p:pic>
     </p:spTree>
     <p:extLst>
       <p:ext uri="{BB962C8B-B14F-4D97-AF65-F5344CB8AC3E}">
-        <p14:creationId xmlns:p14="http://schemas.microsoft.com/office/powerpoint/2010/main" val="2355373429"/>
+        <p14:creationId xmlns:p14="http://schemas.microsoft.com/office/powerpoint/2010/main" val="2592459416"/>
       </p:ext>
     </p:extLst>
   </p:cSld>
@@ -21910,12 +22437,55 @@
           <a:chExt cx="0" cy="0"/>
         </a:xfrm>
       </p:grpSpPr>
-      <p:sp>
-        <p:nvSpPr>
-          <p:cNvPr id="4" name="Rektangel: afrundede hjørner 3">
-            <a:extLst>
-              <a:ext uri="{FF2B5EF4-FFF2-40B4-BE49-F238E27FC236}">
-                <a16:creationId xmlns:a16="http://schemas.microsoft.com/office/drawing/2014/main" id="{E9C210C1-05C2-4AB0-92DE-0C56839D33AC}"/>
+      <p:pic>
+        <p:nvPicPr>
+          <p:cNvPr id="6" name="Billede 5" descr="Et billede, der indeholder monitor, skærmbillede, skærm, bærbar computer&#10;&#10;Automatisk genereret beskrivelse">
+            <a:extLst>
+              <a:ext uri="{FF2B5EF4-FFF2-40B4-BE49-F238E27FC236}">
+                <a16:creationId xmlns:a16="http://schemas.microsoft.com/office/drawing/2014/main" id="{816DAE25-7DD9-4C60-8783-886111D7001B}"/>
+              </a:ext>
+            </a:extLst>
+          </p:cNvPr>
+          <p:cNvPicPr>
+            <a:picLocks noChangeAspect="1"/>
+          </p:cNvPicPr>
+          <p:nvPr/>
+        </p:nvPicPr>
+        <p:blipFill>
+          <a:blip r:embed="rId2">
+            <a:extLst>
+              <a:ext uri="{28A0092B-C50C-407E-A947-70E740481C1C}">
+                <a14:useLocalDpi xmlns:a14="http://schemas.microsoft.com/office/drawing/2010/main" val="0"/>
+              </a:ext>
+            </a:extLst>
+          </a:blip>
+          <a:stretch>
+            <a:fillRect/>
+          </a:stretch>
+        </p:blipFill>
+        <p:spPr>
+          <a:xfrm>
+            <a:off x="2352686" y="1670440"/>
+            <a:ext cx="7496977" cy="3522827"/>
+          </a:xfrm>
+          <a:prstGeom prst="rect">
+            <a:avLst/>
+          </a:prstGeom>
+          <a:effectLst>
+            <a:outerShdw blurRad="50800" dist="38100" dir="2700000" algn="tl" rotWithShape="0">
+              <a:prstClr val="black">
+                <a:alpha val="40000"/>
+              </a:prstClr>
+            </a:outerShdw>
+          </a:effectLst>
+        </p:spPr>
+      </p:pic>
+      <p:sp>
+        <p:nvSpPr>
+          <p:cNvPr id="10" name="Rektangel: afrundede hjørner 9">
+            <a:extLst>
+              <a:ext uri="{FF2B5EF4-FFF2-40B4-BE49-F238E27FC236}">
+                <a16:creationId xmlns:a16="http://schemas.microsoft.com/office/drawing/2014/main" id="{2D4C7A6A-0E31-4396-90D4-40BD750A17B6}"/>
               </a:ext>
             </a:extLst>
           </p:cNvPr>
@@ -21924,8 +22494,8 @@
         </p:nvSpPr>
         <p:spPr>
           <a:xfrm>
-            <a:off x="487679" y="478970"/>
-            <a:ext cx="5364480" cy="487679"/>
+            <a:off x="486776" y="487680"/>
+            <a:ext cx="7466203" cy="548640"/>
           </a:xfrm>
           <a:prstGeom prst="roundRect">
             <a:avLst/>
@@ -21969,10 +22539,10 @@
       </p:sp>
       <p:sp>
         <p:nvSpPr>
-          <p:cNvPr id="5" name="Pladsholder til tekst 2">
-            <a:extLst>
-              <a:ext uri="{FF2B5EF4-FFF2-40B4-BE49-F238E27FC236}">
-                <a16:creationId xmlns:a16="http://schemas.microsoft.com/office/drawing/2014/main" id="{4BAFD52A-EA57-4291-AD8A-D14A8A29B5AA}"/>
+          <p:cNvPr id="11" name="Pladsholder til tekst 2">
+            <a:extLst>
+              <a:ext uri="{FF2B5EF4-FFF2-40B4-BE49-F238E27FC236}">
+                <a16:creationId xmlns:a16="http://schemas.microsoft.com/office/drawing/2014/main" id="{71BEA228-F101-48B8-805C-04DA58F19249}"/>
               </a:ext>
             </a:extLst>
           </p:cNvPr>
@@ -21983,7 +22553,7 @@
         </p:nvSpPr>
         <p:spPr>
           <a:xfrm>
-            <a:off x="-2525943" y="450595"/>
+            <a:off x="-1464474" y="520441"/>
             <a:ext cx="11363111" cy="588220"/>
           </a:xfrm>
           <a:prstGeom prst="rect">
@@ -22159,18 +22729,19 @@
           <a:p>
             <a:pPr algn="ctr"/>
             <a:r>
-              <a:rPr lang="da-DK" dirty="0"/>
-              <a:t>Forbedringer af programmet</a:t>
-            </a:r>
-          </a:p>
-        </p:txBody>
-      </p:sp>
-      <p:sp>
-        <p:nvSpPr>
-          <p:cNvPr id="6" name="Tekstfelt 5">
-            <a:extLst>
-              <a:ext uri="{FF2B5EF4-FFF2-40B4-BE49-F238E27FC236}">
-                <a16:creationId xmlns:a16="http://schemas.microsoft.com/office/drawing/2014/main" id="{4D0264CD-9198-4A90-B6F4-E5E69F40B8EB}"/>
+              <a:rPr lang="da-DK"/>
+              <a:t>Udførelsen af iteration 1 – Login-system</a:t>
+            </a:r>
+            <a:endParaRPr lang="da-DK" dirty="0"/>
+          </a:p>
+        </p:txBody>
+      </p:sp>
+      <p:sp>
+        <p:nvSpPr>
+          <p:cNvPr id="5" name="Tekstfelt 4">
+            <a:extLst>
+              <a:ext uri="{FF2B5EF4-FFF2-40B4-BE49-F238E27FC236}">
+                <a16:creationId xmlns:a16="http://schemas.microsoft.com/office/drawing/2014/main" id="{35A3898D-5C9B-4BDC-ABA0-1DDA2318DD7D}"/>
               </a:ext>
             </a:extLst>
           </p:cNvPr>
@@ -22179,8 +22750,8 @@
         </p:nvSpPr>
         <p:spPr>
           <a:xfrm>
-            <a:off x="521613" y="1410056"/>
-            <a:ext cx="10904114" cy="1200329"/>
+            <a:off x="495655" y="1025495"/>
+            <a:ext cx="3478139" cy="369332"/>
           </a:xfrm>
           <a:prstGeom prst="rect">
             <a:avLst/>
@@ -22193,43 +22764,9 @@
           </a:bodyPr>
           <a:lstStyle/>
           <a:p>
-            <a:pPr marL="285750" indent="-285750">
-              <a:buFont typeface="Arial" panose="020B0604020202020204" pitchFamily="34" charset="0"/>
-              <a:buChar char="•"/>
-            </a:pPr>
             <a:r>
               <a:rPr lang="da-DK" dirty="0"/>
-              <a:t>Bruge kategorierne til inddeling, samt gør kategorierne personlige</a:t>
-            </a:r>
-          </a:p>
-          <a:p>
-            <a:pPr marL="285750" indent="-285750">
-              <a:buFont typeface="Arial" panose="020B0604020202020204" pitchFamily="34" charset="0"/>
-              <a:buChar char="•"/>
-            </a:pPr>
-            <a:r>
-              <a:rPr lang="da-DK" dirty="0"/>
-              <a:t>Gøre grafen pænere, og mere overskuelig</a:t>
-            </a:r>
-          </a:p>
-          <a:p>
-            <a:pPr marL="285750" indent="-285750">
-              <a:buFont typeface="Arial" panose="020B0604020202020204" pitchFamily="34" charset="0"/>
-              <a:buChar char="•"/>
-            </a:pPr>
-            <a:r>
-              <a:rPr lang="da-DK" dirty="0"/>
-              <a:t>Mere overskueligt, hvad man kan bruge programmet til</a:t>
-            </a:r>
-          </a:p>
-          <a:p>
-            <a:pPr marL="285750" indent="-285750">
-              <a:buFont typeface="Arial" panose="020B0604020202020204" pitchFamily="34" charset="0"/>
-              <a:buChar char="•"/>
-            </a:pPr>
-            <a:r>
-              <a:rPr lang="da-DK" dirty="0"/>
-              <a:t>Små funktionaliteter, der kan ske automatisk</a:t>
+              <a:t>Sign up</a:t>
             </a:r>
           </a:p>
         </p:txBody>
@@ -22237,7 +22774,7 @@
     </p:spTree>
     <p:extLst>
       <p:ext uri="{BB962C8B-B14F-4D97-AF65-F5344CB8AC3E}">
-        <p14:creationId xmlns:p14="http://schemas.microsoft.com/office/powerpoint/2010/main" val="73799061"/>
+        <p14:creationId xmlns:p14="http://schemas.microsoft.com/office/powerpoint/2010/main" val="2355373429"/>
       </p:ext>
     </p:extLst>
   </p:cSld>
@@ -22269,7 +22806,7 @@
           <p:cNvPr id="4" name="Rektangel: afrundede hjørner 3">
             <a:extLst>
               <a:ext uri="{FF2B5EF4-FFF2-40B4-BE49-F238E27FC236}">
-                <a16:creationId xmlns:a16="http://schemas.microsoft.com/office/drawing/2014/main" id="{590457F7-FDE2-497E-9229-F5C6B50D41AE}"/>
+                <a16:creationId xmlns:a16="http://schemas.microsoft.com/office/drawing/2014/main" id="{E9C210C1-05C2-4AB0-92DE-0C56839D33AC}"/>
               </a:ext>
             </a:extLst>
           </p:cNvPr>
@@ -22278,8 +22815,8 @@
         </p:nvSpPr>
         <p:spPr>
           <a:xfrm>
-            <a:off x="478972" y="480943"/>
-            <a:ext cx="2751908" cy="467013"/>
+            <a:off x="487679" y="478970"/>
+            <a:ext cx="5364480" cy="487679"/>
           </a:xfrm>
           <a:prstGeom prst="roundRect">
             <a:avLst/>
@@ -22323,215 +22860,208 @@
       </p:sp>
       <p:sp>
         <p:nvSpPr>
-          <p:cNvPr id="3" name="Pladsholder til tekst 2">
-            <a:extLst>
-              <a:ext uri="{FF2B5EF4-FFF2-40B4-BE49-F238E27FC236}">
-                <a16:creationId xmlns:a16="http://schemas.microsoft.com/office/drawing/2014/main" id="{81BC9B14-DEF9-4AED-B81A-2F7DCD2C5553}"/>
-              </a:ext>
-            </a:extLst>
-          </p:cNvPr>
-          <p:cNvSpPr>
-            <a:spLocks noGrp="1"/>
+          <p:cNvPr id="5" name="Pladsholder til tekst 2">
+            <a:extLst>
+              <a:ext uri="{FF2B5EF4-FFF2-40B4-BE49-F238E27FC236}">
+                <a16:creationId xmlns:a16="http://schemas.microsoft.com/office/drawing/2014/main" id="{4BAFD52A-EA57-4291-AD8A-D14A8A29B5AA}"/>
+              </a:ext>
+            </a:extLst>
+          </p:cNvPr>
+          <p:cNvSpPr txBox="1">
+            <a:spLocks/>
           </p:cNvSpPr>
-          <p:nvPr>
-            <p:ph type="body" sz="quarter" idx="10"/>
-          </p:nvPr>
-        </p:nvSpPr>
-        <p:spPr/>
-        <p:txBody>
-          <a:bodyPr/>
-          <a:lstStyle/>
-          <a:p>
+          <p:nvPr/>
+        </p:nvSpPr>
+        <p:spPr>
+          <a:xfrm>
+            <a:off x="-2525943" y="450595"/>
+            <a:ext cx="11363111" cy="588220"/>
+          </a:xfrm>
+          <a:prstGeom prst="rect">
+            <a:avLst/>
+          </a:prstGeom>
+        </p:spPr>
+        <p:txBody>
+          <a:bodyPr anchor="ctr"/>
+          <a:lstStyle>
+            <a:lvl1pPr marL="0" indent="0" algn="l" defTabSz="914400" rtl="0" eaLnBrk="1" latinLnBrk="0" hangingPunct="1">
+              <a:lnSpc>
+                <a:spcPct val="90000"/>
+              </a:lnSpc>
+              <a:spcBef>
+                <a:spcPts val="1000"/>
+              </a:spcBef>
+              <a:buFont typeface="Arial" panose="020B0604020202020204" pitchFamily="34" charset="0"/>
+              <a:buNone/>
+              <a:defRPr sz="3600" kern="1200">
+                <a:solidFill>
+                  <a:schemeClr val="tx1"/>
+                </a:solidFill>
+                <a:latin typeface="+mj-lt"/>
+                <a:ea typeface="+mn-ea"/>
+                <a:cs typeface="+mn-cs"/>
+              </a:defRPr>
+            </a:lvl1pPr>
+            <a:lvl2pPr marL="685800" indent="-228600" algn="l" defTabSz="914400" rtl="0" eaLnBrk="1" latinLnBrk="0" hangingPunct="1">
+              <a:lnSpc>
+                <a:spcPct val="90000"/>
+              </a:lnSpc>
+              <a:spcBef>
+                <a:spcPts val="500"/>
+              </a:spcBef>
+              <a:buFont typeface="Arial" panose="020B0604020202020204" pitchFamily="34" charset="0"/>
+              <a:buChar char="•"/>
+              <a:defRPr sz="2400" kern="1200">
+                <a:solidFill>
+                  <a:schemeClr val="tx1"/>
+                </a:solidFill>
+                <a:latin typeface="+mn-lt"/>
+                <a:ea typeface="+mn-ea"/>
+                <a:cs typeface="+mn-cs"/>
+              </a:defRPr>
+            </a:lvl2pPr>
+            <a:lvl3pPr marL="1143000" indent="-228600" algn="l" defTabSz="914400" rtl="0" eaLnBrk="1" latinLnBrk="0" hangingPunct="1">
+              <a:lnSpc>
+                <a:spcPct val="90000"/>
+              </a:lnSpc>
+              <a:spcBef>
+                <a:spcPts val="500"/>
+              </a:spcBef>
+              <a:buFont typeface="Arial" panose="020B0604020202020204" pitchFamily="34" charset="0"/>
+              <a:buChar char="•"/>
+              <a:defRPr sz="2000" kern="1200">
+                <a:solidFill>
+                  <a:schemeClr val="tx1"/>
+                </a:solidFill>
+                <a:latin typeface="+mn-lt"/>
+                <a:ea typeface="+mn-ea"/>
+                <a:cs typeface="+mn-cs"/>
+              </a:defRPr>
+            </a:lvl3pPr>
+            <a:lvl4pPr marL="1600200" indent="-228600" algn="l" defTabSz="914400" rtl="0" eaLnBrk="1" latinLnBrk="0" hangingPunct="1">
+              <a:lnSpc>
+                <a:spcPct val="90000"/>
+              </a:lnSpc>
+              <a:spcBef>
+                <a:spcPts val="500"/>
+              </a:spcBef>
+              <a:buFont typeface="Arial" panose="020B0604020202020204" pitchFamily="34" charset="0"/>
+              <a:buChar char="•"/>
+              <a:defRPr sz="1800" kern="1200">
+                <a:solidFill>
+                  <a:schemeClr val="tx1"/>
+                </a:solidFill>
+                <a:latin typeface="+mn-lt"/>
+                <a:ea typeface="+mn-ea"/>
+                <a:cs typeface="+mn-cs"/>
+              </a:defRPr>
+            </a:lvl4pPr>
+            <a:lvl5pPr marL="2057400" indent="-228600" algn="l" defTabSz="914400" rtl="0" eaLnBrk="1" latinLnBrk="0" hangingPunct="1">
+              <a:lnSpc>
+                <a:spcPct val="90000"/>
+              </a:lnSpc>
+              <a:spcBef>
+                <a:spcPts val="500"/>
+              </a:spcBef>
+              <a:buFont typeface="Arial" panose="020B0604020202020204" pitchFamily="34" charset="0"/>
+              <a:buChar char="•"/>
+              <a:defRPr sz="1800" kern="1200">
+                <a:solidFill>
+                  <a:schemeClr val="tx1"/>
+                </a:solidFill>
+                <a:latin typeface="+mn-lt"/>
+                <a:ea typeface="+mn-ea"/>
+                <a:cs typeface="+mn-cs"/>
+              </a:defRPr>
+            </a:lvl5pPr>
+            <a:lvl6pPr marL="2514600" indent="-228600" algn="l" defTabSz="914400" rtl="0" eaLnBrk="1" latinLnBrk="0" hangingPunct="1">
+              <a:lnSpc>
+                <a:spcPct val="90000"/>
+              </a:lnSpc>
+              <a:spcBef>
+                <a:spcPts val="500"/>
+              </a:spcBef>
+              <a:buFont typeface="Arial" panose="020B0604020202020204" pitchFamily="34" charset="0"/>
+              <a:buChar char="•"/>
+              <a:defRPr sz="1800" kern="1200">
+                <a:solidFill>
+                  <a:schemeClr val="tx1"/>
+                </a:solidFill>
+                <a:latin typeface="+mn-lt"/>
+                <a:ea typeface="+mn-ea"/>
+                <a:cs typeface="+mn-cs"/>
+              </a:defRPr>
+            </a:lvl6pPr>
+            <a:lvl7pPr marL="2971800" indent="-228600" algn="l" defTabSz="914400" rtl="0" eaLnBrk="1" latinLnBrk="0" hangingPunct="1">
+              <a:lnSpc>
+                <a:spcPct val="90000"/>
+              </a:lnSpc>
+              <a:spcBef>
+                <a:spcPts val="500"/>
+              </a:spcBef>
+              <a:buFont typeface="Arial" panose="020B0604020202020204" pitchFamily="34" charset="0"/>
+              <a:buChar char="•"/>
+              <a:defRPr sz="1800" kern="1200">
+                <a:solidFill>
+                  <a:schemeClr val="tx1"/>
+                </a:solidFill>
+                <a:latin typeface="+mn-lt"/>
+                <a:ea typeface="+mn-ea"/>
+                <a:cs typeface="+mn-cs"/>
+              </a:defRPr>
+            </a:lvl7pPr>
+            <a:lvl8pPr marL="3429000" indent="-228600" algn="l" defTabSz="914400" rtl="0" eaLnBrk="1" latinLnBrk="0" hangingPunct="1">
+              <a:lnSpc>
+                <a:spcPct val="90000"/>
+              </a:lnSpc>
+              <a:spcBef>
+                <a:spcPts val="500"/>
+              </a:spcBef>
+              <a:buFont typeface="Arial" panose="020B0604020202020204" pitchFamily="34" charset="0"/>
+              <a:buChar char="•"/>
+              <a:defRPr sz="1800" kern="1200">
+                <a:solidFill>
+                  <a:schemeClr val="tx1"/>
+                </a:solidFill>
+                <a:latin typeface="+mn-lt"/>
+                <a:ea typeface="+mn-ea"/>
+                <a:cs typeface="+mn-cs"/>
+              </a:defRPr>
+            </a:lvl8pPr>
+            <a:lvl9pPr marL="3886200" indent="-228600" algn="l" defTabSz="914400" rtl="0" eaLnBrk="1" latinLnBrk="0" hangingPunct="1">
+              <a:lnSpc>
+                <a:spcPct val="90000"/>
+              </a:lnSpc>
+              <a:spcBef>
+                <a:spcPts val="500"/>
+              </a:spcBef>
+              <a:buFont typeface="Arial" panose="020B0604020202020204" pitchFamily="34" charset="0"/>
+              <a:buChar char="•"/>
+              <a:defRPr sz="1800" kern="1200">
+                <a:solidFill>
+                  <a:schemeClr val="tx1"/>
+                </a:solidFill>
+                <a:latin typeface="+mn-lt"/>
+                <a:ea typeface="+mn-ea"/>
+                <a:cs typeface="+mn-cs"/>
+              </a:defRPr>
+            </a:lvl9pPr>
+          </a:lstStyle>
+          <a:p>
+            <a:pPr algn="ctr"/>
             <a:r>
               <a:rPr lang="da-DK" dirty="0"/>
-              <a:t>Opsummering</a:t>
-            </a:r>
-          </a:p>
-        </p:txBody>
-      </p:sp>
-      <p:sp>
-        <p:nvSpPr>
-          <p:cNvPr id="5" name="Rektangel 4">
-            <a:extLst>
-              <a:ext uri="{FF2B5EF4-FFF2-40B4-BE49-F238E27FC236}">
-                <a16:creationId xmlns:a16="http://schemas.microsoft.com/office/drawing/2014/main" id="{7E34F098-89A8-4A6F-9A86-DDB26D41638C}"/>
-              </a:ext>
-            </a:extLst>
-          </p:cNvPr>
-          <p:cNvSpPr/>
-          <p:nvPr/>
-        </p:nvSpPr>
-        <p:spPr>
-          <a:xfrm>
-            <a:off x="1646693" y="1698450"/>
-            <a:ext cx="2417354" cy="2408166"/>
-          </a:xfrm>
-          <a:prstGeom prst="rect">
-            <a:avLst/>
-          </a:prstGeom>
-          <a:solidFill>
-            <a:schemeClr val="accent2">
-              <a:alpha val="50000"/>
-            </a:schemeClr>
-          </a:solidFill>
-          <a:ln>
-            <a:noFill/>
-          </a:ln>
-          <a:effectLst>
-            <a:outerShdw blurRad="50800" dist="38100" dir="2700000" algn="tl" rotWithShape="0">
-              <a:prstClr val="black">
-                <a:alpha val="40000"/>
-              </a:prstClr>
-            </a:outerShdw>
-          </a:effectLst>
-        </p:spPr>
-        <p:style>
-          <a:lnRef idx="0">
-            <a:scrgbClr r="0" g="0" b="0"/>
-          </a:lnRef>
-          <a:fillRef idx="0">
-            <a:scrgbClr r="0" g="0" b="0"/>
-          </a:fillRef>
-          <a:effectRef idx="0">
-            <a:scrgbClr r="0" g="0" b="0"/>
-          </a:effectRef>
-          <a:fontRef idx="minor">
-            <a:schemeClr val="lt1"/>
-          </a:fontRef>
-        </p:style>
-        <p:txBody>
-          <a:bodyPr rtlCol="0" anchor="ctr"/>
-          <a:lstStyle/>
-          <a:p>
-            <a:pPr algn="ctr"/>
-            <a:endParaRPr lang="da-DK" dirty="0"/>
-          </a:p>
-        </p:txBody>
-      </p:sp>
-      <p:sp>
-        <p:nvSpPr>
-          <p:cNvPr id="6" name="Rektangel 5">
-            <a:extLst>
-              <a:ext uri="{FF2B5EF4-FFF2-40B4-BE49-F238E27FC236}">
-                <a16:creationId xmlns:a16="http://schemas.microsoft.com/office/drawing/2014/main" id="{83F4B232-921A-4E9E-96BF-F85E50DCC20B}"/>
-              </a:ext>
-            </a:extLst>
-          </p:cNvPr>
-          <p:cNvSpPr/>
-          <p:nvPr/>
-        </p:nvSpPr>
-        <p:spPr>
-          <a:xfrm>
-            <a:off x="8127953" y="1698450"/>
-            <a:ext cx="2417354" cy="2408166"/>
-          </a:xfrm>
-          <a:prstGeom prst="rect">
-            <a:avLst/>
-          </a:prstGeom>
-          <a:solidFill>
-            <a:schemeClr val="accent6">
-              <a:alpha val="50000"/>
-            </a:schemeClr>
-          </a:solidFill>
-          <a:ln>
-            <a:noFill/>
-          </a:ln>
-          <a:effectLst>
-            <a:outerShdw blurRad="50800" dist="38100" dir="8100000" algn="tr" rotWithShape="0">
-              <a:prstClr val="black">
-                <a:alpha val="40000"/>
-              </a:prstClr>
-            </a:outerShdw>
-          </a:effectLst>
-        </p:spPr>
-        <p:style>
-          <a:lnRef idx="0">
-            <a:scrgbClr r="0" g="0" b="0"/>
-          </a:lnRef>
-          <a:fillRef idx="0">
-            <a:scrgbClr r="0" g="0" b="0"/>
-          </a:fillRef>
-          <a:effectRef idx="0">
-            <a:scrgbClr r="0" g="0" b="0"/>
-          </a:effectRef>
-          <a:fontRef idx="minor">
-            <a:schemeClr val="lt1"/>
-          </a:fontRef>
-        </p:style>
-        <p:txBody>
-          <a:bodyPr rtlCol="0" anchor="ctr"/>
-          <a:lstStyle/>
-          <a:p>
-            <a:pPr algn="ctr"/>
-            <a:endParaRPr lang="da-DK"/>
-          </a:p>
-        </p:txBody>
-      </p:sp>
-      <p:sp>
-        <p:nvSpPr>
-          <p:cNvPr id="7" name="Rektangel 6">
-            <a:extLst>
-              <a:ext uri="{FF2B5EF4-FFF2-40B4-BE49-F238E27FC236}">
-                <a16:creationId xmlns:a16="http://schemas.microsoft.com/office/drawing/2014/main" id="{AF3531E0-A825-49E8-BA58-A1740161FBAB}"/>
-              </a:ext>
-            </a:extLst>
-          </p:cNvPr>
-          <p:cNvSpPr/>
-          <p:nvPr/>
-        </p:nvSpPr>
-        <p:spPr>
-          <a:xfrm>
-            <a:off x="4882727" y="1698450"/>
-            <a:ext cx="2417354" cy="2408166"/>
-          </a:xfrm>
-          <a:prstGeom prst="rect">
-            <a:avLst/>
-          </a:prstGeom>
-          <a:solidFill>
-            <a:schemeClr val="accent1">
-              <a:alpha val="50000"/>
-            </a:schemeClr>
-          </a:solidFill>
-          <a:ln>
-            <a:noFill/>
-          </a:ln>
-          <a:effectLst>
-            <a:outerShdw blurRad="50800" dist="38100" dir="5400000" algn="t" rotWithShape="0">
-              <a:prstClr val="black">
-                <a:alpha val="40000"/>
-              </a:prstClr>
-            </a:outerShdw>
-          </a:effectLst>
-        </p:spPr>
-        <p:style>
-          <a:lnRef idx="0">
-            <a:scrgbClr r="0" g="0" b="0"/>
-          </a:lnRef>
-          <a:fillRef idx="0">
-            <a:scrgbClr r="0" g="0" b="0"/>
-          </a:fillRef>
-          <a:effectRef idx="0">
-            <a:scrgbClr r="0" g="0" b="0"/>
-          </a:effectRef>
-          <a:fontRef idx="minor">
-            <a:schemeClr val="lt1"/>
-          </a:fontRef>
-        </p:style>
-        <p:txBody>
-          <a:bodyPr rtlCol="0" anchor="ctr"/>
-          <a:lstStyle/>
-          <a:p>
-            <a:pPr algn="ctr"/>
-            <a:endParaRPr lang="da-DK"/>
-          </a:p>
-        </p:txBody>
-      </p:sp>
-      <p:sp>
-        <p:nvSpPr>
-          <p:cNvPr id="8" name="Tekstfelt 7">
-            <a:extLst>
-              <a:ext uri="{FF2B5EF4-FFF2-40B4-BE49-F238E27FC236}">
-                <a16:creationId xmlns:a16="http://schemas.microsoft.com/office/drawing/2014/main" id="{99A033B6-CFB2-4A08-9106-01281CA69BB0}"/>
+              <a:t>Forbedringer af programmet</a:t>
+            </a:r>
+          </a:p>
+        </p:txBody>
+      </p:sp>
+      <p:sp>
+        <p:nvSpPr>
+          <p:cNvPr id="6" name="Tekstfelt 5">
+            <a:extLst>
+              <a:ext uri="{FF2B5EF4-FFF2-40B4-BE49-F238E27FC236}">
+                <a16:creationId xmlns:a16="http://schemas.microsoft.com/office/drawing/2014/main" id="{4D0264CD-9198-4A90-B6F4-E5E69F40B8EB}"/>
               </a:ext>
             </a:extLst>
           </p:cNvPr>
@@ -22540,8 +23070,8 @@
         </p:nvSpPr>
         <p:spPr>
           <a:xfrm>
-            <a:off x="1646693" y="1698450"/>
-            <a:ext cx="2417354" cy="369332"/>
+            <a:off x="521613" y="1410056"/>
+            <a:ext cx="10904114" cy="1200329"/>
           </a:xfrm>
           <a:prstGeom prst="rect">
             <a:avLst/>
@@ -22554,380 +23084,43 @@
           </a:bodyPr>
           <a:lstStyle/>
           <a:p>
-            <a:pPr algn="ctr"/>
+            <a:pPr marL="285750" indent="-285750">
+              <a:buFont typeface="Arial" panose="020B0604020202020204" pitchFamily="34" charset="0"/>
+              <a:buChar char="•"/>
+            </a:pPr>
             <a:r>
               <a:rPr lang="da-DK" dirty="0"/>
-              <a:t>Krav 1 – GUI</a:t>
-            </a:r>
-          </a:p>
-        </p:txBody>
-      </p:sp>
-      <p:sp>
-        <p:nvSpPr>
-          <p:cNvPr id="9" name="Tekstfelt 8">
-            <a:extLst>
-              <a:ext uri="{FF2B5EF4-FFF2-40B4-BE49-F238E27FC236}">
-                <a16:creationId xmlns:a16="http://schemas.microsoft.com/office/drawing/2014/main" id="{0A34C707-B007-4EBB-B1FE-C087C3324432}"/>
-              </a:ext>
-            </a:extLst>
-          </p:cNvPr>
-          <p:cNvSpPr txBox="1"/>
-          <p:nvPr/>
-        </p:nvSpPr>
-        <p:spPr>
-          <a:xfrm>
-            <a:off x="4882727" y="1698450"/>
-            <a:ext cx="2417354" cy="646331"/>
-          </a:xfrm>
-          <a:prstGeom prst="rect">
-            <a:avLst/>
-          </a:prstGeom>
-          <a:noFill/>
-        </p:spPr>
-        <p:txBody>
-          <a:bodyPr wrap="square" rtlCol="0">
-            <a:spAutoFit/>
-          </a:bodyPr>
-          <a:lstStyle/>
-          <a:p>
-            <a:pPr algn="ctr"/>
+              <a:t>Bruge kategorierne til inddeling, samt gør kategorierne personlige</a:t>
+            </a:r>
+          </a:p>
+          <a:p>
+            <a:pPr marL="285750" indent="-285750">
+              <a:buFont typeface="Arial" panose="020B0604020202020204" pitchFamily="34" charset="0"/>
+              <a:buChar char="•"/>
+            </a:pPr>
             <a:r>
               <a:rPr lang="da-DK" dirty="0"/>
-              <a:t>Krav 2 – </a:t>
-            </a:r>
-            <a:r>
-              <a:rPr lang="da-DK" dirty="0" err="1"/>
-              <a:t>Admini-strering</a:t>
-            </a:r>
+              <a:t>Gøre grafen pænere, og mere overskuelig</a:t>
+            </a:r>
+          </a:p>
+          <a:p>
+            <a:pPr marL="285750" indent="-285750">
+              <a:buFont typeface="Arial" panose="020B0604020202020204" pitchFamily="34" charset="0"/>
+              <a:buChar char="•"/>
+            </a:pPr>
             <a:r>
               <a:rPr lang="da-DK" dirty="0"/>
-              <a:t> af økonomi</a:t>
-            </a:r>
-          </a:p>
-        </p:txBody>
-      </p:sp>
-      <p:sp>
-        <p:nvSpPr>
-          <p:cNvPr id="10" name="Tekstfelt 9">
-            <a:extLst>
-              <a:ext uri="{FF2B5EF4-FFF2-40B4-BE49-F238E27FC236}">
-                <a16:creationId xmlns:a16="http://schemas.microsoft.com/office/drawing/2014/main" id="{431A63D1-ABC2-4E0E-82C3-FFF5EAAFBC9C}"/>
-              </a:ext>
-            </a:extLst>
-          </p:cNvPr>
-          <p:cNvSpPr txBox="1"/>
-          <p:nvPr/>
-        </p:nvSpPr>
-        <p:spPr>
-          <a:xfrm>
-            <a:off x="8127639" y="1698450"/>
-            <a:ext cx="2417354" cy="646331"/>
-          </a:xfrm>
-          <a:prstGeom prst="rect">
-            <a:avLst/>
-          </a:prstGeom>
-          <a:noFill/>
-        </p:spPr>
-        <p:txBody>
-          <a:bodyPr wrap="square" rtlCol="0">
-            <a:spAutoFit/>
-          </a:bodyPr>
-          <a:lstStyle/>
-          <a:p>
-            <a:pPr algn="ctr"/>
+              <a:t>Mere overskueligt, hvad man kan bruge programmet til</a:t>
+            </a:r>
+          </a:p>
+          <a:p>
+            <a:pPr marL="285750" indent="-285750">
+              <a:buFont typeface="Arial" panose="020B0604020202020204" pitchFamily="34" charset="0"/>
+              <a:buChar char="•"/>
+            </a:pPr>
             <a:r>
               <a:rPr lang="da-DK" dirty="0"/>
-              <a:t>Krav 3 – Visning af økonomi </a:t>
-            </a:r>
-          </a:p>
-        </p:txBody>
-      </p:sp>
-      <p:cxnSp>
-        <p:nvCxnSpPr>
-          <p:cNvPr id="11" name="Lige forbindelse 10">
-            <a:extLst>
-              <a:ext uri="{FF2B5EF4-FFF2-40B4-BE49-F238E27FC236}">
-                <a16:creationId xmlns:a16="http://schemas.microsoft.com/office/drawing/2014/main" id="{ECAD9F03-FC44-4817-9969-6AB0F139C9E7}"/>
-              </a:ext>
-            </a:extLst>
-          </p:cNvPr>
-          <p:cNvCxnSpPr>
-            <a:cxnSpLocks/>
-          </p:cNvCxnSpPr>
-          <p:nvPr/>
-        </p:nvCxnSpPr>
-        <p:spPr>
-          <a:xfrm>
-            <a:off x="4882727" y="2414726"/>
-            <a:ext cx="2419735" cy="0"/>
-          </a:xfrm>
-          <a:prstGeom prst="line">
-            <a:avLst/>
-          </a:prstGeom>
-          <a:ln w="38100">
-            <a:solidFill>
-              <a:schemeClr val="tx1"/>
-            </a:solidFill>
-          </a:ln>
-        </p:spPr>
-        <p:style>
-          <a:lnRef idx="1">
-            <a:schemeClr val="accent1"/>
-          </a:lnRef>
-          <a:fillRef idx="0">
-            <a:schemeClr val="accent1"/>
-          </a:fillRef>
-          <a:effectRef idx="0">
-            <a:schemeClr val="accent1"/>
-          </a:effectRef>
-          <a:fontRef idx="minor">
-            <a:schemeClr val="tx1"/>
-          </a:fontRef>
-        </p:style>
-      </p:cxnSp>
-      <p:cxnSp>
-        <p:nvCxnSpPr>
-          <p:cNvPr id="12" name="Lige forbindelse 11">
-            <a:extLst>
-              <a:ext uri="{FF2B5EF4-FFF2-40B4-BE49-F238E27FC236}">
-                <a16:creationId xmlns:a16="http://schemas.microsoft.com/office/drawing/2014/main" id="{9B75A808-5819-4D6F-A8FA-B0346AB18469}"/>
-              </a:ext>
-            </a:extLst>
-          </p:cNvPr>
-          <p:cNvCxnSpPr/>
-          <p:nvPr/>
-        </p:nvCxnSpPr>
-        <p:spPr>
-          <a:xfrm>
-            <a:off x="1646693" y="2416205"/>
-            <a:ext cx="2417354" cy="0"/>
-          </a:xfrm>
-          <a:prstGeom prst="line">
-            <a:avLst/>
-          </a:prstGeom>
-          <a:ln w="38100">
-            <a:solidFill>
-              <a:schemeClr val="tx1"/>
-            </a:solidFill>
-          </a:ln>
-        </p:spPr>
-        <p:style>
-          <a:lnRef idx="1">
-            <a:schemeClr val="accent1"/>
-          </a:lnRef>
-          <a:fillRef idx="0">
-            <a:schemeClr val="accent1"/>
-          </a:fillRef>
-          <a:effectRef idx="0">
-            <a:schemeClr val="accent1"/>
-          </a:effectRef>
-          <a:fontRef idx="minor">
-            <a:schemeClr val="tx1"/>
-          </a:fontRef>
-        </p:style>
-      </p:cxnSp>
-      <p:cxnSp>
-        <p:nvCxnSpPr>
-          <p:cNvPr id="13" name="Lige forbindelse 12">
-            <a:extLst>
-              <a:ext uri="{FF2B5EF4-FFF2-40B4-BE49-F238E27FC236}">
-                <a16:creationId xmlns:a16="http://schemas.microsoft.com/office/drawing/2014/main" id="{93BC6E56-0F15-4961-BFAB-0552EF57B9F6}"/>
-              </a:ext>
-            </a:extLst>
-          </p:cNvPr>
-          <p:cNvCxnSpPr/>
-          <p:nvPr/>
-        </p:nvCxnSpPr>
-        <p:spPr>
-          <a:xfrm>
-            <a:off x="8127639" y="2414726"/>
-            <a:ext cx="2417354" cy="0"/>
-          </a:xfrm>
-          <a:prstGeom prst="line">
-            <a:avLst/>
-          </a:prstGeom>
-          <a:ln w="38100">
-            <a:solidFill>
-              <a:schemeClr val="tx1"/>
-            </a:solidFill>
-          </a:ln>
-        </p:spPr>
-        <p:style>
-          <a:lnRef idx="1">
-            <a:schemeClr val="accent1"/>
-          </a:lnRef>
-          <a:fillRef idx="0">
-            <a:schemeClr val="accent1"/>
-          </a:fillRef>
-          <a:effectRef idx="0">
-            <a:schemeClr val="accent1"/>
-          </a:effectRef>
-          <a:fontRef idx="minor">
-            <a:schemeClr val="tx1"/>
-          </a:fontRef>
-        </p:style>
-      </p:cxnSp>
-      <p:sp>
-        <p:nvSpPr>
-          <p:cNvPr id="14" name="Tekstfelt 13">
-            <a:extLst>
-              <a:ext uri="{FF2B5EF4-FFF2-40B4-BE49-F238E27FC236}">
-                <a16:creationId xmlns:a16="http://schemas.microsoft.com/office/drawing/2014/main" id="{7886E4F1-508D-465D-862A-C7C429A5C09C}"/>
-              </a:ext>
-            </a:extLst>
-          </p:cNvPr>
-          <p:cNvSpPr txBox="1"/>
-          <p:nvPr/>
-        </p:nvSpPr>
-        <p:spPr>
-          <a:xfrm>
-            <a:off x="1703843" y="2543175"/>
-            <a:ext cx="2296657" cy="1077218"/>
-          </a:xfrm>
-          <a:prstGeom prst="rect">
-            <a:avLst/>
-          </a:prstGeom>
-          <a:noFill/>
-        </p:spPr>
-        <p:txBody>
-          <a:bodyPr wrap="square" rtlCol="0">
-            <a:spAutoFit/>
-          </a:bodyPr>
-          <a:lstStyle/>
-          <a:p>
-            <a:pPr marL="285750" indent="-285750">
-              <a:buFont typeface="Wingdings" panose="05000000000000000000" pitchFamily="2" charset="2"/>
-              <a:buChar char="ü"/>
-            </a:pPr>
-            <a:r>
-              <a:rPr lang="da-DK" sz="1600" dirty="0"/>
-              <a:t>Indtaste oplysninger</a:t>
-            </a:r>
-          </a:p>
-          <a:p>
-            <a:pPr marL="285750" indent="-285750">
-              <a:buFont typeface="Wingdings" panose="05000000000000000000" pitchFamily="2" charset="2"/>
-              <a:buChar char="ü"/>
-            </a:pPr>
-            <a:r>
-              <a:rPr lang="da-DK" sz="1600" dirty="0"/>
-              <a:t>Oprette kategorier</a:t>
-            </a:r>
-          </a:p>
-          <a:p>
-            <a:pPr marL="285750" indent="-285750">
-              <a:buFont typeface="Wingdings" panose="05000000000000000000" pitchFamily="2" charset="2"/>
-              <a:buChar char="ü"/>
-            </a:pPr>
-            <a:r>
-              <a:rPr lang="da-DK" sz="1600" dirty="0"/>
-              <a:t>Vise oplysninger</a:t>
-            </a:r>
-            <a:endParaRPr lang="da-DK" sz="200" dirty="0"/>
-          </a:p>
-          <a:p>
-            <a:pPr marL="285750" indent="-285750">
-              <a:buFont typeface="Wingdings" panose="05000000000000000000" pitchFamily="2" charset="2"/>
-              <a:buChar char="q"/>
-            </a:pPr>
-            <a:endParaRPr lang="da-DK" sz="1600" dirty="0"/>
-          </a:p>
-        </p:txBody>
-      </p:sp>
-      <p:sp>
-        <p:nvSpPr>
-          <p:cNvPr id="15" name="Tekstfelt 14">
-            <a:extLst>
-              <a:ext uri="{FF2B5EF4-FFF2-40B4-BE49-F238E27FC236}">
-                <a16:creationId xmlns:a16="http://schemas.microsoft.com/office/drawing/2014/main" id="{AF94BBE9-A1BF-4BB9-BD0A-EEDE34F0EE6F}"/>
-              </a:ext>
-            </a:extLst>
-          </p:cNvPr>
-          <p:cNvSpPr txBox="1"/>
-          <p:nvPr/>
-        </p:nvSpPr>
-        <p:spPr>
-          <a:xfrm>
-            <a:off x="4943075" y="2540474"/>
-            <a:ext cx="2296657" cy="584775"/>
-          </a:xfrm>
-          <a:prstGeom prst="rect">
-            <a:avLst/>
-          </a:prstGeom>
-          <a:noFill/>
-        </p:spPr>
-        <p:txBody>
-          <a:bodyPr wrap="square" rtlCol="0">
-            <a:spAutoFit/>
-          </a:bodyPr>
-          <a:lstStyle/>
-          <a:p>
-            <a:pPr marL="285750" indent="-285750">
-              <a:buFont typeface="Wingdings" panose="05000000000000000000" pitchFamily="2" charset="2"/>
-              <a:buChar char="ü"/>
-            </a:pPr>
-            <a:r>
-              <a:rPr lang="da-DK" sz="1600" dirty="0"/>
-              <a:t>Udregne kontosaldo</a:t>
-            </a:r>
-          </a:p>
-          <a:p>
-            <a:pPr marL="285750" indent="-285750">
-              <a:buFont typeface="Wingdings" panose="05000000000000000000" pitchFamily="2" charset="2"/>
-              <a:buChar char="ü"/>
-            </a:pPr>
-            <a:r>
-              <a:rPr lang="da-DK" sz="1600" dirty="0"/>
-              <a:t>Løn fra arbejde</a:t>
-            </a:r>
-          </a:p>
-        </p:txBody>
-      </p:sp>
-      <p:sp>
-        <p:nvSpPr>
-          <p:cNvPr id="16" name="Tekstfelt 15">
-            <a:extLst>
-              <a:ext uri="{FF2B5EF4-FFF2-40B4-BE49-F238E27FC236}">
-                <a16:creationId xmlns:a16="http://schemas.microsoft.com/office/drawing/2014/main" id="{36390761-7226-44AD-9236-8184FD09900B}"/>
-              </a:ext>
-            </a:extLst>
-          </p:cNvPr>
-          <p:cNvSpPr txBox="1"/>
-          <p:nvPr/>
-        </p:nvSpPr>
-        <p:spPr>
-          <a:xfrm>
-            <a:off x="8191500" y="2540474"/>
-            <a:ext cx="2296657" cy="1323439"/>
-          </a:xfrm>
-          <a:prstGeom prst="rect">
-            <a:avLst/>
-          </a:prstGeom>
-          <a:noFill/>
-        </p:spPr>
-        <p:txBody>
-          <a:bodyPr wrap="square" rtlCol="0">
-            <a:spAutoFit/>
-          </a:bodyPr>
-          <a:lstStyle/>
-          <a:p>
-            <a:pPr marL="285750" indent="-285750">
-              <a:buFont typeface="Wingdings" panose="05000000000000000000" pitchFamily="2" charset="2"/>
-              <a:buChar char="ü"/>
-            </a:pPr>
-            <a:r>
-              <a:rPr lang="da-DK" sz="1600" dirty="0"/>
-              <a:t>Nuværende konto-saldo</a:t>
-            </a:r>
-          </a:p>
-          <a:p>
-            <a:pPr marL="285750" indent="-285750">
-              <a:buFont typeface="Wingdings" panose="05000000000000000000" pitchFamily="2" charset="2"/>
-              <a:buChar char="ü"/>
-            </a:pPr>
-            <a:r>
-              <a:rPr lang="da-DK" sz="1600" dirty="0"/>
-              <a:t>Kontosaldo for forskellige dage på graf</a:t>
+              <a:t>Små funktionaliteter, der kan ske automatisk</a:t>
             </a:r>
           </a:p>
         </p:txBody>
@@ -22935,7 +23128,7 @@
     </p:spTree>
     <p:extLst>
       <p:ext uri="{BB962C8B-B14F-4D97-AF65-F5344CB8AC3E}">
-        <p14:creationId xmlns:p14="http://schemas.microsoft.com/office/powerpoint/2010/main" val="3234497840"/>
+        <p14:creationId xmlns:p14="http://schemas.microsoft.com/office/powerpoint/2010/main" val="73799061"/>
       </p:ext>
     </p:extLst>
   </p:cSld>
